--- a/Chidera - MSc Applied Data Science - Project Presentation.pptx
+++ b/Chidera - MSc Applied Data Science - Project Presentation.pptx
@@ -13,8 +13,10 @@
     <p:sldId id="260" r:id="rId7"/>
     <p:sldId id="271" r:id="rId8"/>
     <p:sldId id="264" r:id="rId9"/>
-    <p:sldId id="267" r:id="rId10"/>
-    <p:sldId id="270" r:id="rId11"/>
+    <p:sldId id="273" r:id="rId10"/>
+    <p:sldId id="272" r:id="rId11"/>
+    <p:sldId id="267" r:id="rId12"/>
+    <p:sldId id="270" r:id="rId13"/>
   </p:sldIdLst>
   <p:sldSz cx="12192000" cy="6858000"/>
   <p:notesSz cx="6858000" cy="9144000"/>
@@ -126,7 +128,7 @@
   <pc:docChgLst>
     <pc:chgData name="Chidera Kenechukwu Onwumbiko" userId="daf1a6a2efafaa9c" providerId="LiveId" clId="{BBFB9850-D346-44B4-BDA4-401B4394484E}"/>
     <pc:docChg chg="undo redo custSel addSld delSld modSld sldOrd">
-      <pc:chgData name="Chidera Kenechukwu Onwumbiko" userId="daf1a6a2efafaa9c" providerId="LiveId" clId="{BBFB9850-D346-44B4-BDA4-401B4394484E}" dt="2024-12-06T02:41:24.829" v="3775" actId="1076"/>
+      <pc:chgData name="Chidera Kenechukwu Onwumbiko" userId="daf1a6a2efafaa9c" providerId="LiveId" clId="{BBFB9850-D346-44B4-BDA4-401B4394484E}" dt="2024-12-06T09:45:18.496" v="4090" actId="1035"/>
       <pc:docMkLst>
         <pc:docMk/>
       </pc:docMkLst>
@@ -472,11 +474,35 @@
         </pc:spChg>
       </pc:sldChg>
       <pc:sldChg chg="addSp delSp modSp add mod ord">
-        <pc:chgData name="Chidera Kenechukwu Onwumbiko" userId="daf1a6a2efafaa9c" providerId="LiveId" clId="{BBFB9850-D346-44B4-BDA4-401B4394484E}" dt="2024-12-06T02:41:24.829" v="3775" actId="1076"/>
+        <pc:chgData name="Chidera Kenechukwu Onwumbiko" userId="daf1a6a2efafaa9c" providerId="LiveId" clId="{BBFB9850-D346-44B4-BDA4-401B4394484E}" dt="2024-12-06T08:42:26.290" v="3841" actId="1076"/>
         <pc:sldMkLst>
           <pc:docMk/>
           <pc:sldMk cId="4161676632" sldId="260"/>
         </pc:sldMkLst>
+        <pc:spChg chg="add del mod">
+          <ac:chgData name="Chidera Kenechukwu Onwumbiko" userId="daf1a6a2efafaa9c" providerId="LiveId" clId="{BBFB9850-D346-44B4-BDA4-401B4394484E}" dt="2024-12-06T08:40:05.632" v="3780"/>
+          <ac:spMkLst>
+            <pc:docMk/>
+            <pc:sldMk cId="4161676632" sldId="260"/>
+            <ac:spMk id="2" creationId="{D079568A-D2C6-377F-A76C-088AC62597B6}"/>
+          </ac:spMkLst>
+        </pc:spChg>
+        <pc:spChg chg="add del mod">
+          <ac:chgData name="Chidera Kenechukwu Onwumbiko" userId="daf1a6a2efafaa9c" providerId="LiveId" clId="{BBFB9850-D346-44B4-BDA4-401B4394484E}" dt="2024-12-06T08:40:05.506" v="3778" actId="478"/>
+          <ac:spMkLst>
+            <pc:docMk/>
+            <pc:sldMk cId="4161676632" sldId="260"/>
+            <ac:spMk id="3" creationId="{035CAC68-4906-B247-E2B3-44164594B0E0}"/>
+          </ac:spMkLst>
+        </pc:spChg>
+        <pc:spChg chg="add mod">
+          <ac:chgData name="Chidera Kenechukwu Onwumbiko" userId="daf1a6a2efafaa9c" providerId="LiveId" clId="{BBFB9850-D346-44B4-BDA4-401B4394484E}" dt="2024-12-06T08:42:26.290" v="3841" actId="1076"/>
+          <ac:spMkLst>
+            <pc:docMk/>
+            <pc:sldMk cId="4161676632" sldId="260"/>
+            <ac:spMk id="4" creationId="{3DDF0426-A4BC-45B1-EBE5-33C7F472CDBE}"/>
+          </ac:spMkLst>
+        </pc:spChg>
         <pc:spChg chg="mod">
           <ac:chgData name="Chidera Kenechukwu Onwumbiko" userId="daf1a6a2efafaa9c" providerId="LiveId" clId="{BBFB9850-D346-44B4-BDA4-401B4394484E}" dt="2024-12-06T01:00:13.603" v="2314" actId="20577"/>
           <ac:spMkLst>
@@ -502,7 +528,7 @@
           </ac:spMkLst>
         </pc:spChg>
         <pc:spChg chg="add mod">
-          <ac:chgData name="Chidera Kenechukwu Onwumbiko" userId="daf1a6a2efafaa9c" providerId="LiveId" clId="{BBFB9850-D346-44B4-BDA4-401B4394484E}" dt="2024-12-06T02:41:24.829" v="3775" actId="1076"/>
+          <ac:chgData name="Chidera Kenechukwu Onwumbiko" userId="daf1a6a2efafaa9c" providerId="LiveId" clId="{BBFB9850-D346-44B4-BDA4-401B4394484E}" dt="2024-12-06T08:40:21.763" v="3784" actId="1076"/>
           <ac:spMkLst>
             <pc:docMk/>
             <pc:sldMk cId="4161676632" sldId="260"/>
@@ -526,7 +552,7 @@
           </ac:picMkLst>
         </pc:picChg>
         <pc:picChg chg="add mod">
-          <ac:chgData name="Chidera Kenechukwu Onwumbiko" userId="daf1a6a2efafaa9c" providerId="LiveId" clId="{BBFB9850-D346-44B4-BDA4-401B4394484E}" dt="2024-12-06T02:25:41.575" v="3705" actId="1076"/>
+          <ac:chgData name="Chidera Kenechukwu Onwumbiko" userId="daf1a6a2efafaa9c" providerId="LiveId" clId="{BBFB9850-D346-44B4-BDA4-401B4394484E}" dt="2024-12-06T08:40:26.227" v="3785" actId="1076"/>
           <ac:picMkLst>
             <pc:docMk/>
             <pc:sldMk cId="4161676632" sldId="260"/>
@@ -534,7 +560,7 @@
           </ac:picMkLst>
         </pc:picChg>
         <pc:picChg chg="add mod">
-          <ac:chgData name="Chidera Kenechukwu Onwumbiko" userId="daf1a6a2efafaa9c" providerId="LiveId" clId="{BBFB9850-D346-44B4-BDA4-401B4394484E}" dt="2024-12-06T02:25:45.194" v="3706" actId="14100"/>
+          <ac:chgData name="Chidera Kenechukwu Onwumbiko" userId="daf1a6a2efafaa9c" providerId="LiveId" clId="{BBFB9850-D346-44B4-BDA4-401B4394484E}" dt="2024-12-06T08:40:33.493" v="3786" actId="1076"/>
           <ac:picMkLst>
             <pc:docMk/>
             <pc:sldMk cId="4161676632" sldId="260"/>
@@ -542,11 +568,19 @@
           </ac:picMkLst>
         </pc:picChg>
         <pc:picChg chg="add mod">
-          <ac:chgData name="Chidera Kenechukwu Onwumbiko" userId="daf1a6a2efafaa9c" providerId="LiveId" clId="{BBFB9850-D346-44B4-BDA4-401B4394484E}" dt="2024-12-06T02:40:35.673" v="3747" actId="1076"/>
+          <ac:chgData name="Chidera Kenechukwu Onwumbiko" userId="daf1a6a2efafaa9c" providerId="LiveId" clId="{BBFB9850-D346-44B4-BDA4-401B4394484E}" dt="2024-12-06T08:40:10.400" v="3781" actId="1076"/>
           <ac:picMkLst>
             <pc:docMk/>
             <pc:sldMk cId="4161676632" sldId="260"/>
             <ac:picMk id="14" creationId="{840F71A5-B361-DECE-EF09-522A0667D1AB}"/>
+          </ac:picMkLst>
+        </pc:picChg>
+        <pc:picChg chg="mod">
+          <ac:chgData name="Chidera Kenechukwu Onwumbiko" userId="daf1a6a2efafaa9c" providerId="LiveId" clId="{BBFB9850-D346-44B4-BDA4-401B4394484E}" dt="2024-12-06T08:40:16.321" v="3783" actId="1076"/>
+          <ac:picMkLst>
+            <pc:docMk/>
+            <pc:sldMk cId="4161676632" sldId="260"/>
+            <ac:picMk id="15" creationId="{C86AD611-77D6-5ACC-DA02-8A69E0695FF6}"/>
           </ac:picMkLst>
         </pc:picChg>
       </pc:sldChg>
@@ -1047,6 +1081,76 @@
             <pc:docMk/>
             <pc:sldMk cId="4073776135" sldId="271"/>
             <ac:picMk id="12" creationId="{5AE98009-5699-9E25-F84C-B7C5E359C4A0}"/>
+          </ac:picMkLst>
+        </pc:picChg>
+      </pc:sldChg>
+      <pc:sldChg chg="addSp delSp modSp add mod ord">
+        <pc:chgData name="Chidera Kenechukwu Onwumbiko" userId="daf1a6a2efafaa9c" providerId="LiveId" clId="{BBFB9850-D346-44B4-BDA4-401B4394484E}" dt="2024-12-06T09:06:27.812" v="3874" actId="1076"/>
+        <pc:sldMkLst>
+          <pc:docMk/>
+          <pc:sldMk cId="1268788739" sldId="272"/>
+        </pc:sldMkLst>
+        <pc:spChg chg="mod">
+          <ac:chgData name="Chidera Kenechukwu Onwumbiko" userId="daf1a6a2efafaa9c" providerId="LiveId" clId="{BBFB9850-D346-44B4-BDA4-401B4394484E}" dt="2024-12-06T09:02:05.419" v="3869" actId="20577"/>
+          <ac:spMkLst>
+            <pc:docMk/>
+            <pc:sldMk cId="1268788739" sldId="272"/>
+            <ac:spMk id="7" creationId="{17628EED-7F77-E99A-BD22-59D8ECA1CA08}"/>
+          </ac:spMkLst>
+        </pc:spChg>
+        <pc:picChg chg="add mod">
+          <ac:chgData name="Chidera Kenechukwu Onwumbiko" userId="daf1a6a2efafaa9c" providerId="LiveId" clId="{BBFB9850-D346-44B4-BDA4-401B4394484E}" dt="2024-12-06T09:06:27.812" v="3874" actId="1076"/>
+          <ac:picMkLst>
+            <pc:docMk/>
+            <pc:sldMk cId="1268788739" sldId="272"/>
+            <ac:picMk id="4" creationId="{A2CC1878-82A1-CEDC-FE8B-6621E4BC89AC}"/>
+          </ac:picMkLst>
+        </pc:picChg>
+        <pc:picChg chg="del">
+          <ac:chgData name="Chidera Kenechukwu Onwumbiko" userId="daf1a6a2efafaa9c" providerId="LiveId" clId="{BBFB9850-D346-44B4-BDA4-401B4394484E}" dt="2024-12-06T09:06:17.587" v="3871" actId="478"/>
+          <ac:picMkLst>
+            <pc:docMk/>
+            <pc:sldMk cId="1268788739" sldId="272"/>
+            <ac:picMk id="5" creationId="{6F10EEC2-ED25-F263-C64E-7E151CBBB1C7}"/>
+          </ac:picMkLst>
+        </pc:picChg>
+      </pc:sldChg>
+      <pc:sldChg chg="addSp modSp add mod">
+        <pc:chgData name="Chidera Kenechukwu Onwumbiko" userId="daf1a6a2efafaa9c" providerId="LiveId" clId="{BBFB9850-D346-44B4-BDA4-401B4394484E}" dt="2024-12-06T09:45:18.496" v="4090" actId="1035"/>
+        <pc:sldMkLst>
+          <pc:docMk/>
+          <pc:sldMk cId="3940196120" sldId="273"/>
+        </pc:sldMkLst>
+        <pc:spChg chg="add mod">
+          <ac:chgData name="Chidera Kenechukwu Onwumbiko" userId="daf1a6a2efafaa9c" providerId="LiveId" clId="{BBFB9850-D346-44B4-BDA4-401B4394484E}" dt="2024-12-06T09:45:11.668" v="4088" actId="20577"/>
+          <ac:spMkLst>
+            <pc:docMk/>
+            <pc:sldMk cId="3940196120" sldId="273"/>
+            <ac:spMk id="2" creationId="{211E1835-4654-E0C5-1009-B344021863D0}"/>
+          </ac:spMkLst>
+        </pc:spChg>
+        <pc:spChg chg="mod">
+          <ac:chgData name="Chidera Kenechukwu Onwumbiko" userId="daf1a6a2efafaa9c" providerId="LiveId" clId="{BBFB9850-D346-44B4-BDA4-401B4394484E}" dt="2024-12-06T09:41:28.792" v="4004" actId="14100"/>
+          <ac:spMkLst>
+            <pc:docMk/>
+            <pc:sldMk cId="3940196120" sldId="273"/>
+            <ac:spMk id="7" creationId="{F8C87047-EE30-E3F7-2753-E7378C6C7C89}"/>
+          </ac:spMkLst>
+        </pc:spChg>
+        <pc:spChg chg="mod">
+          <ac:chgData name="Chidera Kenechukwu Onwumbiko" userId="daf1a6a2efafaa9c" providerId="LiveId" clId="{BBFB9850-D346-44B4-BDA4-401B4394484E}" dt="2024-12-06T09:42:48.755" v="4053" actId="14100"/>
+          <ac:spMkLst>
+            <pc:docMk/>
+            <pc:sldMk cId="3940196120" sldId="273"/>
+            <ac:spMk id="8" creationId="{EE8692E2-69A0-703C-604E-EAAC4BBAC2CC}"/>
+          </ac:spMkLst>
+        </pc:spChg>
+        <pc:picChg chg="mod">
+          <ac:chgData name="Chidera Kenechukwu Onwumbiko" userId="daf1a6a2efafaa9c" providerId="LiveId" clId="{BBFB9850-D346-44B4-BDA4-401B4394484E}" dt="2024-12-06T09:45:18.496" v="4090" actId="1035"/>
+          <ac:picMkLst>
+            <pc:docMk/>
+            <pc:sldMk cId="3940196120" sldId="273"/>
+            <ac:picMk id="15" creationId="{56ED6E9A-CB54-E149-5120-62087353D18B}"/>
           </ac:picMkLst>
         </pc:picChg>
       </pc:sldChg>
@@ -8503,6 +8607,5048 @@
         <p:cNvPr id="1" name="">
           <a:extLst>
             <a:ext uri="{FF2B5EF4-FFF2-40B4-BE49-F238E27FC236}">
+              <a16:creationId xmlns:a16="http://schemas.microsoft.com/office/drawing/2014/main" id="{23B851A8-FDC7-0B53-7561-4F447E43E0F3}"/>
+            </a:ext>
+          </a:extLst>
+        </p:cNvPr>
+        <p:cNvGrpSpPr/>
+        <p:nvPr/>
+      </p:nvGrpSpPr>
+      <p:grpSpPr>
+        <a:xfrm>
+          <a:off x="0" y="0"/>
+          <a:ext cx="0" cy="0"/>
+          <a:chOff x="0" y="0"/>
+          <a:chExt cx="0" cy="0"/>
+        </a:xfrm>
+      </p:grpSpPr>
+      <p:sp>
+        <p:nvSpPr>
+          <p:cNvPr id="20" name="Freeform: Shape 19">
+            <a:extLst>
+              <a:ext uri="{FF2B5EF4-FFF2-40B4-BE49-F238E27FC236}">
+                <a16:creationId xmlns:a16="http://schemas.microsoft.com/office/drawing/2014/main" id="{5B2DDBAB-A5C3-327B-0EBF-EE48BB32F265}"/>
+              </a:ext>
+              <a:ext uri="{C183D7F6-B498-43B3-948B-1728B52AA6E4}">
+                <adec:decorative xmlns:adec="http://schemas.microsoft.com/office/drawing/2017/decorative" val="1"/>
+              </a:ext>
+            </a:extLst>
+          </p:cNvPr>
+          <p:cNvSpPr>
+            <a:spLocks noGrp="1" noRot="1" noChangeAspect="1" noMove="1" noResize="1" noEditPoints="1" noAdjustHandles="1" noChangeArrowheads="1" noChangeShapeType="1" noTextEdit="1"/>
+          </p:cNvSpPr>
+          <p:nvPr>
+            <p:extLst>
+              <p:ext uri="{386F3935-93C4-4BCD-93E2-E3B085C9AB24}">
+                <p16:designElem xmlns:p16="http://schemas.microsoft.com/office/powerpoint/2015/main" val="1"/>
+              </p:ext>
+            </p:extLst>
+          </p:nvPr>
+        </p:nvSpPr>
+        <p:spPr>
+          <a:xfrm>
+            <a:off x="0" y="0"/>
+            <a:ext cx="3496422" cy="6858000"/>
+          </a:xfrm>
+          <a:custGeom>
+            <a:avLst/>
+            <a:gdLst/>
+            <a:ahLst/>
+            <a:cxnLst/>
+            <a:rect l="l" t="t" r="r" b="b"/>
+            <a:pathLst>
+              <a:path w="3496422" h="6858000">
+                <a:moveTo>
+                  <a:pt x="0" y="0"/>
+                </a:moveTo>
+                <a:lnTo>
+                  <a:pt x="1873399" y="0"/>
+                </a:lnTo>
+                <a:lnTo>
+                  <a:pt x="1895523" y="14997"/>
+                </a:lnTo>
+                <a:cubicBezTo>
+                  <a:pt x="2922686" y="754641"/>
+                  <a:pt x="3496422" y="2093192"/>
+                  <a:pt x="3496422" y="3621656"/>
+                </a:cubicBezTo>
+                <a:cubicBezTo>
+                  <a:pt x="3496422" y="4969131"/>
+                  <a:pt x="2567697" y="5602839"/>
+                  <a:pt x="1622072" y="6374814"/>
+                </a:cubicBezTo>
+                <a:cubicBezTo>
+                  <a:pt x="1449869" y="6515397"/>
+                  <a:pt x="1279242" y="6653108"/>
+                  <a:pt x="1105424" y="6780599"/>
+                </a:cubicBezTo>
+                <a:lnTo>
+                  <a:pt x="993668" y="6858000"/>
+                </a:lnTo>
+                <a:lnTo>
+                  <a:pt x="0" y="6858000"/>
+                </a:lnTo>
+                <a:close/>
+              </a:path>
+            </a:pathLst>
+          </a:custGeom>
+          <a:solidFill>
+            <a:srgbClr val="FFFFFF">
+              <a:alpha val="60000"/>
+            </a:srgbClr>
+          </a:solidFill>
+          <a:ln>
+            <a:noFill/>
+          </a:ln>
+        </p:spPr>
+        <p:style>
+          <a:lnRef idx="2">
+            <a:schemeClr val="accent1">
+              <a:shade val="50000"/>
+            </a:schemeClr>
+          </a:lnRef>
+          <a:fillRef idx="1">
+            <a:schemeClr val="accent1"/>
+          </a:fillRef>
+          <a:effectRef idx="0">
+            <a:schemeClr val="accent1"/>
+          </a:effectRef>
+          <a:fontRef idx="minor">
+            <a:schemeClr val="lt1"/>
+          </a:fontRef>
+        </p:style>
+        <p:txBody>
+          <a:bodyPr wrap="square" rtlCol="0" anchor="ctr">
+            <a:noAutofit/>
+          </a:bodyPr>
+          <a:lstStyle/>
+          <a:p>
+            <a:pPr algn="ctr"/>
+            <a:endParaRPr lang="en-US" dirty="0"/>
+          </a:p>
+        </p:txBody>
+      </p:sp>
+      <p:sp>
+        <p:nvSpPr>
+          <p:cNvPr id="22" name="Freeform: Shape 21">
+            <a:extLst>
+              <a:ext uri="{FF2B5EF4-FFF2-40B4-BE49-F238E27FC236}">
+                <a16:creationId xmlns:a16="http://schemas.microsoft.com/office/drawing/2014/main" id="{732BBA34-42A3-B0A6-57D4-2B974A869C2A}"/>
+              </a:ext>
+              <a:ext uri="{C183D7F6-B498-43B3-948B-1728B52AA6E4}">
+                <adec:decorative xmlns:adec="http://schemas.microsoft.com/office/drawing/2017/decorative" val="1"/>
+              </a:ext>
+            </a:extLst>
+          </p:cNvPr>
+          <p:cNvSpPr>
+            <a:spLocks noGrp="1" noRot="1" noChangeAspect="1" noMove="1" noResize="1" noEditPoints="1" noAdjustHandles="1" noChangeArrowheads="1" noChangeShapeType="1" noTextEdit="1"/>
+          </p:cNvSpPr>
+          <p:nvPr>
+            <p:extLst>
+              <p:ext uri="{386F3935-93C4-4BCD-93E2-E3B085C9AB24}">
+                <p16:designElem xmlns:p16="http://schemas.microsoft.com/office/powerpoint/2015/main" val="1"/>
+              </p:ext>
+            </p:extLst>
+          </p:nvPr>
+        </p:nvSpPr>
+        <p:spPr>
+          <a:xfrm>
+            <a:off x="1375409" y="0"/>
+            <a:ext cx="2529723" cy="6858000"/>
+          </a:xfrm>
+          <a:custGeom>
+            <a:avLst/>
+            <a:gdLst/>
+            <a:ahLst/>
+            <a:cxnLst/>
+            <a:rect l="l" t="t" r="r" b="b"/>
+            <a:pathLst>
+              <a:path w="2529723" h="6858000">
+                <a:moveTo>
+                  <a:pt x="1258269" y="0"/>
+                </a:moveTo>
+                <a:lnTo>
+                  <a:pt x="1275627" y="0"/>
+                </a:lnTo>
+                <a:lnTo>
+                  <a:pt x="1302560" y="24338"/>
+                </a:lnTo>
+                <a:cubicBezTo>
+                  <a:pt x="2156831" y="855667"/>
+                  <a:pt x="2590622" y="2191755"/>
+                  <a:pt x="2522825" y="3678515"/>
+                </a:cubicBezTo>
+                <a:cubicBezTo>
+                  <a:pt x="2459072" y="5076606"/>
+                  <a:pt x="1519830" y="5692656"/>
+                  <a:pt x="557500" y="6451411"/>
+                </a:cubicBezTo>
+                <a:cubicBezTo>
+                  <a:pt x="382255" y="6589587"/>
+                  <a:pt x="208689" y="6724853"/>
+                  <a:pt x="32482" y="6849373"/>
+                </a:cubicBezTo>
+                <a:lnTo>
+                  <a:pt x="19531" y="6858000"/>
+                </a:lnTo>
+                <a:lnTo>
+                  <a:pt x="0" y="6858000"/>
+                </a:lnTo>
+                <a:lnTo>
+                  <a:pt x="14202" y="6848540"/>
+                </a:lnTo>
+                <a:cubicBezTo>
+                  <a:pt x="190409" y="6724020"/>
+                  <a:pt x="363976" y="6588754"/>
+                  <a:pt x="539221" y="6450578"/>
+                </a:cubicBezTo>
+                <a:cubicBezTo>
+                  <a:pt x="1501550" y="5691822"/>
+                  <a:pt x="2440792" y="5075773"/>
+                  <a:pt x="2504546" y="3677682"/>
+                </a:cubicBezTo>
+                <a:cubicBezTo>
+                  <a:pt x="2572343" y="2190921"/>
+                  <a:pt x="2138551" y="854834"/>
+                  <a:pt x="1284280" y="23504"/>
+                </a:cubicBezTo>
+                <a:close/>
+              </a:path>
+            </a:pathLst>
+          </a:custGeom>
+          <a:solidFill>
+            <a:srgbClr val="FFFFFF"/>
+          </a:solidFill>
+          <a:ln>
+            <a:noFill/>
+          </a:ln>
+        </p:spPr>
+        <p:style>
+          <a:lnRef idx="2">
+            <a:schemeClr val="accent1">
+              <a:shade val="50000"/>
+            </a:schemeClr>
+          </a:lnRef>
+          <a:fillRef idx="1">
+            <a:schemeClr val="accent1"/>
+          </a:fillRef>
+          <a:effectRef idx="0">
+            <a:schemeClr val="accent1"/>
+          </a:effectRef>
+          <a:fontRef idx="minor">
+            <a:schemeClr val="lt1"/>
+          </a:fontRef>
+        </p:style>
+        <p:txBody>
+          <a:bodyPr wrap="square" rtlCol="0" anchor="ctr">
+            <a:noAutofit/>
+          </a:bodyPr>
+          <a:lstStyle/>
+          <a:p>
+            <a:pPr marL="0" marR="0" lvl="0" indent="0" algn="ctr" defTabSz="457200" rtl="0" eaLnBrk="1" fontAlgn="auto" latinLnBrk="0" hangingPunct="1">
+              <a:lnSpc>
+                <a:spcPct val="100000"/>
+              </a:lnSpc>
+              <a:spcBef>
+                <a:spcPts val="0"/>
+              </a:spcBef>
+              <a:spcAft>
+                <a:spcPts val="0"/>
+              </a:spcAft>
+              <a:buClrTx/>
+              <a:buSzTx/>
+              <a:buFontTx/>
+              <a:buNone/>
+              <a:tabLst/>
+              <a:defRPr/>
+            </a:pPr>
+            <a:endParaRPr kumimoji="0" lang="en-US" sz="1800" b="0" i="0" u="none" strike="noStrike" kern="1200" cap="none" spc="0" normalizeH="0" baseline="0" noProof="0" dirty="0">
+              <a:ln>
+                <a:noFill/>
+              </a:ln>
+              <a:solidFill>
+                <a:prstClr val="white"/>
+              </a:solidFill>
+              <a:effectLst/>
+              <a:uLnTx/>
+              <a:uFillTx/>
+              <a:latin typeface="Meiryo"/>
+              <a:ea typeface="+mn-ea"/>
+              <a:cs typeface="+mn-cs"/>
+            </a:endParaRPr>
+          </a:p>
+        </p:txBody>
+      </p:sp>
+      <p:sp>
+        <p:nvSpPr>
+          <p:cNvPr id="19" name="Freeform: Shape 18">
+            <a:extLst>
+              <a:ext uri="{FF2B5EF4-FFF2-40B4-BE49-F238E27FC236}">
+                <a16:creationId xmlns:a16="http://schemas.microsoft.com/office/drawing/2014/main" id="{4A080D40-3716-18A0-A6A1-C1540F761CB2}"/>
+              </a:ext>
+              <a:ext uri="{C183D7F6-B498-43B3-948B-1728B52AA6E4}">
+                <adec:decorative xmlns:adec="http://schemas.microsoft.com/office/drawing/2017/decorative" val="1"/>
+              </a:ext>
+            </a:extLst>
+          </p:cNvPr>
+          <p:cNvSpPr>
+            <a:spLocks noGrp="1" noRot="1" noChangeAspect="1" noMove="1" noResize="1" noEditPoints="1" noAdjustHandles="1" noChangeArrowheads="1" noChangeShapeType="1" noTextEdit="1"/>
+          </p:cNvSpPr>
+          <p:nvPr>
+            <p:extLst>
+              <p:ext uri="{386F3935-93C4-4BCD-93E2-E3B085C9AB24}">
+                <p16:designElem xmlns:p16="http://schemas.microsoft.com/office/powerpoint/2015/main" val="1"/>
+              </p:ext>
+            </p:extLst>
+          </p:nvPr>
+        </p:nvSpPr>
+        <p:spPr>
+          <a:xfrm>
+            <a:off x="1155402" y="0"/>
+            <a:ext cx="2536434" cy="6858000"/>
+          </a:xfrm>
+          <a:custGeom>
+            <a:avLst/>
+            <a:gdLst/>
+            <a:ahLst/>
+            <a:cxnLst/>
+            <a:rect l="l" t="t" r="r" b="b"/>
+            <a:pathLst>
+              <a:path w="2536434" h="6858000">
+                <a:moveTo>
+                  <a:pt x="879731" y="0"/>
+                </a:moveTo>
+                <a:lnTo>
+                  <a:pt x="913411" y="0"/>
+                </a:lnTo>
+                <a:lnTo>
+                  <a:pt x="935535" y="14997"/>
+                </a:lnTo>
+                <a:cubicBezTo>
+                  <a:pt x="1962698" y="754641"/>
+                  <a:pt x="2536434" y="2093192"/>
+                  <a:pt x="2536434" y="3621656"/>
+                </a:cubicBezTo>
+                <a:cubicBezTo>
+                  <a:pt x="2536434" y="4969131"/>
+                  <a:pt x="1607709" y="5602839"/>
+                  <a:pt x="662084" y="6374814"/>
+                </a:cubicBezTo>
+                <a:cubicBezTo>
+                  <a:pt x="489881" y="6515397"/>
+                  <a:pt x="319254" y="6653108"/>
+                  <a:pt x="145436" y="6780599"/>
+                </a:cubicBezTo>
+                <a:lnTo>
+                  <a:pt x="33680" y="6858000"/>
+                </a:lnTo>
+                <a:lnTo>
+                  <a:pt x="0" y="6858000"/>
+                </a:lnTo>
+                <a:lnTo>
+                  <a:pt x="111756" y="6780599"/>
+                </a:lnTo>
+                <a:cubicBezTo>
+                  <a:pt x="285574" y="6653108"/>
+                  <a:pt x="456201" y="6515397"/>
+                  <a:pt x="628404" y="6374814"/>
+                </a:cubicBezTo>
+                <a:cubicBezTo>
+                  <a:pt x="1574029" y="5602839"/>
+                  <a:pt x="2502754" y="4969131"/>
+                  <a:pt x="2502754" y="3621656"/>
+                </a:cubicBezTo>
+                <a:cubicBezTo>
+                  <a:pt x="2502754" y="2093192"/>
+                  <a:pt x="1929018" y="754641"/>
+                  <a:pt x="901855" y="14997"/>
+                </a:cubicBezTo>
+                <a:close/>
+              </a:path>
+            </a:pathLst>
+          </a:custGeom>
+          <a:solidFill>
+            <a:schemeClr val="bg1"/>
+          </a:solidFill>
+          <a:ln>
+            <a:noFill/>
+          </a:ln>
+        </p:spPr>
+        <p:style>
+          <a:lnRef idx="2">
+            <a:schemeClr val="accent1">
+              <a:shade val="50000"/>
+            </a:schemeClr>
+          </a:lnRef>
+          <a:fillRef idx="1">
+            <a:schemeClr val="accent1"/>
+          </a:fillRef>
+          <a:effectRef idx="0">
+            <a:schemeClr val="accent1"/>
+          </a:effectRef>
+          <a:fontRef idx="minor">
+            <a:schemeClr val="lt1"/>
+          </a:fontRef>
+        </p:style>
+        <p:txBody>
+          <a:bodyPr wrap="square" rtlCol="0" anchor="ctr">
+            <a:noAutofit/>
+          </a:bodyPr>
+          <a:lstStyle/>
+          <a:p>
+            <a:pPr marL="0" marR="0" lvl="0" indent="0" algn="ctr" defTabSz="914400" rtl="0" eaLnBrk="1" fontAlgn="auto" latinLnBrk="0" hangingPunct="1">
+              <a:lnSpc>
+                <a:spcPct val="100000"/>
+              </a:lnSpc>
+              <a:spcBef>
+                <a:spcPts val="0"/>
+              </a:spcBef>
+              <a:spcAft>
+                <a:spcPts val="0"/>
+              </a:spcAft>
+              <a:buClrTx/>
+              <a:buSzTx/>
+              <a:buFontTx/>
+              <a:buNone/>
+              <a:tabLst/>
+              <a:defRPr/>
+            </a:pPr>
+            <a:endParaRPr kumimoji="0" lang="en-US" sz="1800" b="0" i="0" u="none" strike="noStrike" kern="1200" cap="none" spc="0" normalizeH="0" baseline="0" noProof="0" dirty="0">
+              <a:ln>
+                <a:noFill/>
+              </a:ln>
+              <a:solidFill>
+                <a:prstClr val="white"/>
+              </a:solidFill>
+              <a:effectLst/>
+              <a:uLnTx/>
+              <a:uFillTx/>
+              <a:latin typeface="Meiryo"/>
+              <a:ea typeface="+mn-ea"/>
+              <a:cs typeface="+mn-cs"/>
+            </a:endParaRPr>
+          </a:p>
+        </p:txBody>
+      </p:sp>
+      <p:sp>
+        <p:nvSpPr>
+          <p:cNvPr id="21" name="Freeform: Shape 20">
+            <a:extLst>
+              <a:ext uri="{FF2B5EF4-FFF2-40B4-BE49-F238E27FC236}">
+                <a16:creationId xmlns:a16="http://schemas.microsoft.com/office/drawing/2014/main" id="{A97C8C11-2465-037F-4E5E-43A71DE91297}"/>
+              </a:ext>
+              <a:ext uri="{C183D7F6-B498-43B3-948B-1728B52AA6E4}">
+                <adec:decorative xmlns:adec="http://schemas.microsoft.com/office/drawing/2017/decorative" val="1"/>
+              </a:ext>
+            </a:extLst>
+          </p:cNvPr>
+          <p:cNvSpPr>
+            <a:spLocks noGrp="1" noRot="1" noChangeAspect="1" noMove="1" noResize="1" noEditPoints="1" noAdjustHandles="1" noChangeArrowheads="1" noChangeShapeType="1" noTextEdit="1"/>
+          </p:cNvSpPr>
+          <p:nvPr>
+            <p:extLst>
+              <p:ext uri="{386F3935-93C4-4BCD-93E2-E3B085C9AB24}">
+                <p16:designElem xmlns:p16="http://schemas.microsoft.com/office/powerpoint/2015/main" val="1"/>
+              </p:ext>
+            </p:extLst>
+          </p:nvPr>
+        </p:nvSpPr>
+        <p:spPr>
+          <a:xfrm>
+            <a:off x="924161" y="0"/>
+            <a:ext cx="2261351" cy="6858000"/>
+          </a:xfrm>
+          <a:custGeom>
+            <a:avLst/>
+            <a:gdLst/>
+            <a:ahLst/>
+            <a:cxnLst/>
+            <a:rect l="l" t="t" r="r" b="b"/>
+            <a:pathLst>
+              <a:path w="2521425" h="6858000">
+                <a:moveTo>
+                  <a:pt x="879731" y="0"/>
+                </a:moveTo>
+                <a:lnTo>
+                  <a:pt x="898402" y="0"/>
+                </a:lnTo>
+                <a:lnTo>
+                  <a:pt x="920526" y="14997"/>
+                </a:lnTo>
+                <a:cubicBezTo>
+                  <a:pt x="1947689" y="754641"/>
+                  <a:pt x="2521425" y="2093192"/>
+                  <a:pt x="2521425" y="3621656"/>
+                </a:cubicBezTo>
+                <a:cubicBezTo>
+                  <a:pt x="2521425" y="4969131"/>
+                  <a:pt x="1592700" y="5602839"/>
+                  <a:pt x="647075" y="6374814"/>
+                </a:cubicBezTo>
+                <a:cubicBezTo>
+                  <a:pt x="474872" y="6515397"/>
+                  <a:pt x="304245" y="6653108"/>
+                  <a:pt x="130427" y="6780599"/>
+                </a:cubicBezTo>
+                <a:lnTo>
+                  <a:pt x="18671" y="6858000"/>
+                </a:lnTo>
+                <a:lnTo>
+                  <a:pt x="0" y="6858000"/>
+                </a:lnTo>
+                <a:lnTo>
+                  <a:pt x="111756" y="6780599"/>
+                </a:lnTo>
+                <a:cubicBezTo>
+                  <a:pt x="285574" y="6653108"/>
+                  <a:pt x="456201" y="6515397"/>
+                  <a:pt x="628404" y="6374814"/>
+                </a:cubicBezTo>
+                <a:cubicBezTo>
+                  <a:pt x="1574029" y="5602839"/>
+                  <a:pt x="2502754" y="4969131"/>
+                  <a:pt x="2502754" y="3621656"/>
+                </a:cubicBezTo>
+                <a:cubicBezTo>
+                  <a:pt x="2502754" y="2093192"/>
+                  <a:pt x="1929018" y="754641"/>
+                  <a:pt x="901855" y="14997"/>
+                </a:cubicBezTo>
+                <a:close/>
+              </a:path>
+            </a:pathLst>
+          </a:custGeom>
+          <a:solidFill>
+            <a:schemeClr val="bg2">
+              <a:lumMod val="90000"/>
+            </a:schemeClr>
+          </a:solidFill>
+          <a:ln>
+            <a:noFill/>
+          </a:ln>
+        </p:spPr>
+        <p:style>
+          <a:lnRef idx="2">
+            <a:schemeClr val="accent1">
+              <a:shade val="50000"/>
+            </a:schemeClr>
+          </a:lnRef>
+          <a:fillRef idx="1">
+            <a:schemeClr val="accent1"/>
+          </a:fillRef>
+          <a:effectRef idx="0">
+            <a:schemeClr val="accent1"/>
+          </a:effectRef>
+          <a:fontRef idx="minor">
+            <a:schemeClr val="lt1"/>
+          </a:fontRef>
+        </p:style>
+        <p:txBody>
+          <a:bodyPr wrap="square" rtlCol="0" anchor="ctr">
+            <a:noAutofit/>
+          </a:bodyPr>
+          <a:lstStyle/>
+          <a:p>
+            <a:pPr marL="0" marR="0" lvl="0" indent="0" algn="ctr" defTabSz="914400" rtl="0" eaLnBrk="1" fontAlgn="auto" latinLnBrk="0" hangingPunct="1">
+              <a:lnSpc>
+                <a:spcPct val="100000"/>
+              </a:lnSpc>
+              <a:spcBef>
+                <a:spcPts val="0"/>
+              </a:spcBef>
+              <a:spcAft>
+                <a:spcPts val="0"/>
+              </a:spcAft>
+              <a:buClrTx/>
+              <a:buSzTx/>
+              <a:buFontTx/>
+              <a:buNone/>
+              <a:tabLst/>
+              <a:defRPr/>
+            </a:pPr>
+            <a:endParaRPr kumimoji="0" lang="en-US" sz="1800" b="0" i="0" u="none" strike="noStrike" kern="1200" cap="none" spc="0" normalizeH="0" baseline="0" noProof="0">
+              <a:ln>
+                <a:noFill/>
+              </a:ln>
+              <a:solidFill>
+                <a:prstClr val="white"/>
+              </a:solidFill>
+              <a:effectLst/>
+              <a:uLnTx/>
+              <a:uFillTx/>
+              <a:latin typeface="Meiryo"/>
+              <a:ea typeface="+mn-ea"/>
+              <a:cs typeface="+mn-cs"/>
+            </a:endParaRPr>
+          </a:p>
+        </p:txBody>
+      </p:sp>
+      <p:sp>
+        <p:nvSpPr>
+          <p:cNvPr id="23" name="Freeform: Shape 22">
+            <a:extLst>
+              <a:ext uri="{FF2B5EF4-FFF2-40B4-BE49-F238E27FC236}">
+                <a16:creationId xmlns:a16="http://schemas.microsoft.com/office/drawing/2014/main" id="{AEE7D9A7-37EA-5BE3-A9AC-89B02A4E36DE}"/>
+              </a:ext>
+              <a:ext uri="{C183D7F6-B498-43B3-948B-1728B52AA6E4}">
+                <adec:decorative xmlns:adec="http://schemas.microsoft.com/office/drawing/2017/decorative" val="1"/>
+              </a:ext>
+            </a:extLst>
+          </p:cNvPr>
+          <p:cNvSpPr>
+            <a:spLocks noGrp="1" noRot="1" noChangeAspect="1" noMove="1" noResize="1" noEditPoints="1" noAdjustHandles="1" noChangeArrowheads="1" noChangeShapeType="1" noTextEdit="1"/>
+          </p:cNvSpPr>
+          <p:nvPr>
+            <p:extLst>
+              <p:ext uri="{386F3935-93C4-4BCD-93E2-E3B085C9AB24}">
+                <p16:designElem xmlns:p16="http://schemas.microsoft.com/office/powerpoint/2015/main" val="1"/>
+              </p:ext>
+            </p:extLst>
+          </p:nvPr>
+        </p:nvSpPr>
+        <p:spPr>
+          <a:xfrm>
+            <a:off x="0" y="0"/>
+            <a:ext cx="3496422" cy="6858000"/>
+          </a:xfrm>
+          <a:custGeom>
+            <a:avLst/>
+            <a:gdLst/>
+            <a:ahLst/>
+            <a:cxnLst/>
+            <a:rect l="l" t="t" r="r" b="b"/>
+            <a:pathLst>
+              <a:path w="3496422" h="6858000">
+                <a:moveTo>
+                  <a:pt x="0" y="0"/>
+                </a:moveTo>
+                <a:lnTo>
+                  <a:pt x="1873399" y="0"/>
+                </a:lnTo>
+                <a:lnTo>
+                  <a:pt x="1895523" y="14997"/>
+                </a:lnTo>
+                <a:cubicBezTo>
+                  <a:pt x="2922686" y="754641"/>
+                  <a:pt x="3496422" y="2093192"/>
+                  <a:pt x="3496422" y="3621656"/>
+                </a:cubicBezTo>
+                <a:cubicBezTo>
+                  <a:pt x="3496422" y="4969131"/>
+                  <a:pt x="2567697" y="5602839"/>
+                  <a:pt x="1622072" y="6374814"/>
+                </a:cubicBezTo>
+                <a:cubicBezTo>
+                  <a:pt x="1449869" y="6515397"/>
+                  <a:pt x="1279242" y="6653108"/>
+                  <a:pt x="1105424" y="6780599"/>
+                </a:cubicBezTo>
+                <a:lnTo>
+                  <a:pt x="993668" y="6858000"/>
+                </a:lnTo>
+                <a:lnTo>
+                  <a:pt x="0" y="6858000"/>
+                </a:lnTo>
+                <a:close/>
+              </a:path>
+            </a:pathLst>
+          </a:custGeom>
+          <a:solidFill>
+            <a:srgbClr val="FFFFFF">
+              <a:alpha val="60000"/>
+            </a:srgbClr>
+          </a:solidFill>
+          <a:ln>
+            <a:noFill/>
+          </a:ln>
+        </p:spPr>
+        <p:style>
+          <a:lnRef idx="2">
+            <a:schemeClr val="accent1">
+              <a:shade val="50000"/>
+            </a:schemeClr>
+          </a:lnRef>
+          <a:fillRef idx="1">
+            <a:schemeClr val="accent1"/>
+          </a:fillRef>
+          <a:effectRef idx="0">
+            <a:schemeClr val="accent1"/>
+          </a:effectRef>
+          <a:fontRef idx="minor">
+            <a:schemeClr val="lt1"/>
+          </a:fontRef>
+        </p:style>
+        <p:txBody>
+          <a:bodyPr wrap="square" rtlCol="0" anchor="ctr">
+            <a:noAutofit/>
+          </a:bodyPr>
+          <a:lstStyle/>
+          <a:p>
+            <a:pPr algn="ctr"/>
+            <a:endParaRPr lang="en-US" dirty="0"/>
+          </a:p>
+        </p:txBody>
+      </p:sp>
+      <p:sp>
+        <p:nvSpPr>
+          <p:cNvPr id="25" name="Freeform: Shape 24">
+            <a:extLst>
+              <a:ext uri="{FF2B5EF4-FFF2-40B4-BE49-F238E27FC236}">
+                <a16:creationId xmlns:a16="http://schemas.microsoft.com/office/drawing/2014/main" id="{E6B3F58C-3CE5-D828-2131-450CD0C59C15}"/>
+              </a:ext>
+              <a:ext uri="{C183D7F6-B498-43B3-948B-1728B52AA6E4}">
+                <adec:decorative xmlns:adec="http://schemas.microsoft.com/office/drawing/2017/decorative" val="1"/>
+              </a:ext>
+            </a:extLst>
+          </p:cNvPr>
+          <p:cNvSpPr>
+            <a:spLocks noGrp="1" noRot="1" noChangeAspect="1" noMove="1" noResize="1" noEditPoints="1" noAdjustHandles="1" noChangeArrowheads="1" noChangeShapeType="1" noTextEdit="1"/>
+          </p:cNvSpPr>
+          <p:nvPr>
+            <p:extLst>
+              <p:ext uri="{386F3935-93C4-4BCD-93E2-E3B085C9AB24}">
+                <p16:designElem xmlns:p16="http://schemas.microsoft.com/office/powerpoint/2015/main" val="1"/>
+              </p:ext>
+            </p:extLst>
+          </p:nvPr>
+        </p:nvSpPr>
+        <p:spPr>
+          <a:xfrm>
+            <a:off x="1375409" y="0"/>
+            <a:ext cx="2529723" cy="6858000"/>
+          </a:xfrm>
+          <a:custGeom>
+            <a:avLst/>
+            <a:gdLst/>
+            <a:ahLst/>
+            <a:cxnLst/>
+            <a:rect l="l" t="t" r="r" b="b"/>
+            <a:pathLst>
+              <a:path w="2529723" h="6858000">
+                <a:moveTo>
+                  <a:pt x="1258269" y="0"/>
+                </a:moveTo>
+                <a:lnTo>
+                  <a:pt x="1275627" y="0"/>
+                </a:lnTo>
+                <a:lnTo>
+                  <a:pt x="1302560" y="24338"/>
+                </a:lnTo>
+                <a:cubicBezTo>
+                  <a:pt x="2156831" y="855667"/>
+                  <a:pt x="2590622" y="2191755"/>
+                  <a:pt x="2522825" y="3678515"/>
+                </a:cubicBezTo>
+                <a:cubicBezTo>
+                  <a:pt x="2459072" y="5076606"/>
+                  <a:pt x="1519830" y="5692656"/>
+                  <a:pt x="557500" y="6451411"/>
+                </a:cubicBezTo>
+                <a:cubicBezTo>
+                  <a:pt x="382255" y="6589587"/>
+                  <a:pt x="208689" y="6724853"/>
+                  <a:pt x="32482" y="6849373"/>
+                </a:cubicBezTo>
+                <a:lnTo>
+                  <a:pt x="19531" y="6858000"/>
+                </a:lnTo>
+                <a:lnTo>
+                  <a:pt x="0" y="6858000"/>
+                </a:lnTo>
+                <a:lnTo>
+                  <a:pt x="14202" y="6848540"/>
+                </a:lnTo>
+                <a:cubicBezTo>
+                  <a:pt x="190409" y="6724020"/>
+                  <a:pt x="363976" y="6588754"/>
+                  <a:pt x="539221" y="6450578"/>
+                </a:cubicBezTo>
+                <a:cubicBezTo>
+                  <a:pt x="1501550" y="5691822"/>
+                  <a:pt x="2440792" y="5075773"/>
+                  <a:pt x="2504546" y="3677682"/>
+                </a:cubicBezTo>
+                <a:cubicBezTo>
+                  <a:pt x="2572343" y="2190921"/>
+                  <a:pt x="2138551" y="854834"/>
+                  <a:pt x="1284280" y="23504"/>
+                </a:cubicBezTo>
+                <a:close/>
+              </a:path>
+            </a:pathLst>
+          </a:custGeom>
+          <a:solidFill>
+            <a:srgbClr val="FFFFFF"/>
+          </a:solidFill>
+          <a:ln>
+            <a:noFill/>
+          </a:ln>
+        </p:spPr>
+        <p:style>
+          <a:lnRef idx="2">
+            <a:schemeClr val="accent1">
+              <a:shade val="50000"/>
+            </a:schemeClr>
+          </a:lnRef>
+          <a:fillRef idx="1">
+            <a:schemeClr val="accent1"/>
+          </a:fillRef>
+          <a:effectRef idx="0">
+            <a:schemeClr val="accent1"/>
+          </a:effectRef>
+          <a:fontRef idx="minor">
+            <a:schemeClr val="lt1"/>
+          </a:fontRef>
+        </p:style>
+        <p:txBody>
+          <a:bodyPr wrap="square" rtlCol="0" anchor="ctr">
+            <a:noAutofit/>
+          </a:bodyPr>
+          <a:lstStyle/>
+          <a:p>
+            <a:pPr marL="0" marR="0" lvl="0" indent="0" algn="ctr" defTabSz="457200" rtl="0" eaLnBrk="1" fontAlgn="auto" latinLnBrk="0" hangingPunct="1">
+              <a:lnSpc>
+                <a:spcPct val="100000"/>
+              </a:lnSpc>
+              <a:spcBef>
+                <a:spcPts val="0"/>
+              </a:spcBef>
+              <a:spcAft>
+                <a:spcPts val="0"/>
+              </a:spcAft>
+              <a:buClrTx/>
+              <a:buSzTx/>
+              <a:buFontTx/>
+              <a:buNone/>
+              <a:tabLst/>
+              <a:defRPr/>
+            </a:pPr>
+            <a:endParaRPr kumimoji="0" lang="en-US" sz="1800" b="0" i="0" u="none" strike="noStrike" kern="1200" cap="none" spc="0" normalizeH="0" baseline="0" noProof="0" dirty="0">
+              <a:ln>
+                <a:noFill/>
+              </a:ln>
+              <a:solidFill>
+                <a:prstClr val="white"/>
+              </a:solidFill>
+              <a:effectLst/>
+              <a:uLnTx/>
+              <a:uFillTx/>
+              <a:latin typeface="Meiryo"/>
+              <a:ea typeface="+mn-ea"/>
+              <a:cs typeface="+mn-cs"/>
+            </a:endParaRPr>
+          </a:p>
+        </p:txBody>
+      </p:sp>
+      <p:sp>
+        <p:nvSpPr>
+          <p:cNvPr id="32" name="Freeform: Shape 31">
+            <a:extLst>
+              <a:ext uri="{FF2B5EF4-FFF2-40B4-BE49-F238E27FC236}">
+                <a16:creationId xmlns:a16="http://schemas.microsoft.com/office/drawing/2014/main" id="{9AE1F042-4C40-5FAB-F886-8BAE1D12DEBB}"/>
+              </a:ext>
+              <a:ext uri="{C183D7F6-B498-43B3-948B-1728B52AA6E4}">
+                <adec:decorative xmlns:adec="http://schemas.microsoft.com/office/drawing/2017/decorative" val="1"/>
+              </a:ext>
+            </a:extLst>
+          </p:cNvPr>
+          <p:cNvSpPr>
+            <a:spLocks noGrp="1" noRot="1" noChangeAspect="1" noMove="1" noResize="1" noEditPoints="1" noAdjustHandles="1" noChangeArrowheads="1" noChangeShapeType="1" noTextEdit="1"/>
+          </p:cNvSpPr>
+          <p:nvPr>
+            <p:extLst>
+              <p:ext uri="{386F3935-93C4-4BCD-93E2-E3B085C9AB24}">
+                <p16:designElem xmlns:p16="http://schemas.microsoft.com/office/powerpoint/2015/main" val="1"/>
+              </p:ext>
+            </p:extLst>
+          </p:nvPr>
+        </p:nvSpPr>
+        <p:spPr>
+          <a:xfrm>
+            <a:off x="1155402" y="0"/>
+            <a:ext cx="2536434" cy="6858000"/>
+          </a:xfrm>
+          <a:custGeom>
+            <a:avLst/>
+            <a:gdLst/>
+            <a:ahLst/>
+            <a:cxnLst/>
+            <a:rect l="l" t="t" r="r" b="b"/>
+            <a:pathLst>
+              <a:path w="2536434" h="6858000">
+                <a:moveTo>
+                  <a:pt x="879731" y="0"/>
+                </a:moveTo>
+                <a:lnTo>
+                  <a:pt x="913411" y="0"/>
+                </a:lnTo>
+                <a:lnTo>
+                  <a:pt x="935535" y="14997"/>
+                </a:lnTo>
+                <a:cubicBezTo>
+                  <a:pt x="1962698" y="754641"/>
+                  <a:pt x="2536434" y="2093192"/>
+                  <a:pt x="2536434" y="3621656"/>
+                </a:cubicBezTo>
+                <a:cubicBezTo>
+                  <a:pt x="2536434" y="4969131"/>
+                  <a:pt x="1607709" y="5602839"/>
+                  <a:pt x="662084" y="6374814"/>
+                </a:cubicBezTo>
+                <a:cubicBezTo>
+                  <a:pt x="489881" y="6515397"/>
+                  <a:pt x="319254" y="6653108"/>
+                  <a:pt x="145436" y="6780599"/>
+                </a:cubicBezTo>
+                <a:lnTo>
+                  <a:pt x="33680" y="6858000"/>
+                </a:lnTo>
+                <a:lnTo>
+                  <a:pt x="0" y="6858000"/>
+                </a:lnTo>
+                <a:lnTo>
+                  <a:pt x="111756" y="6780599"/>
+                </a:lnTo>
+                <a:cubicBezTo>
+                  <a:pt x="285574" y="6653108"/>
+                  <a:pt x="456201" y="6515397"/>
+                  <a:pt x="628404" y="6374814"/>
+                </a:cubicBezTo>
+                <a:cubicBezTo>
+                  <a:pt x="1574029" y="5602839"/>
+                  <a:pt x="2502754" y="4969131"/>
+                  <a:pt x="2502754" y="3621656"/>
+                </a:cubicBezTo>
+                <a:cubicBezTo>
+                  <a:pt x="2502754" y="2093192"/>
+                  <a:pt x="1929018" y="754641"/>
+                  <a:pt x="901855" y="14997"/>
+                </a:cubicBezTo>
+                <a:close/>
+              </a:path>
+            </a:pathLst>
+          </a:custGeom>
+          <a:solidFill>
+            <a:schemeClr val="bg1"/>
+          </a:solidFill>
+          <a:ln>
+            <a:noFill/>
+          </a:ln>
+        </p:spPr>
+        <p:style>
+          <a:lnRef idx="2">
+            <a:schemeClr val="accent1">
+              <a:shade val="50000"/>
+            </a:schemeClr>
+          </a:lnRef>
+          <a:fillRef idx="1">
+            <a:schemeClr val="accent1"/>
+          </a:fillRef>
+          <a:effectRef idx="0">
+            <a:schemeClr val="accent1"/>
+          </a:effectRef>
+          <a:fontRef idx="minor">
+            <a:schemeClr val="lt1"/>
+          </a:fontRef>
+        </p:style>
+        <p:txBody>
+          <a:bodyPr wrap="square" rtlCol="0" anchor="ctr">
+            <a:noAutofit/>
+          </a:bodyPr>
+          <a:lstStyle/>
+          <a:p>
+            <a:pPr marL="0" marR="0" lvl="0" indent="0" algn="ctr" defTabSz="914400" rtl="0" eaLnBrk="1" fontAlgn="auto" latinLnBrk="0" hangingPunct="1">
+              <a:lnSpc>
+                <a:spcPct val="100000"/>
+              </a:lnSpc>
+              <a:spcBef>
+                <a:spcPts val="0"/>
+              </a:spcBef>
+              <a:spcAft>
+                <a:spcPts val="0"/>
+              </a:spcAft>
+              <a:buClrTx/>
+              <a:buSzTx/>
+              <a:buFontTx/>
+              <a:buNone/>
+              <a:tabLst/>
+              <a:defRPr/>
+            </a:pPr>
+            <a:endParaRPr kumimoji="0" lang="en-US" sz="1800" b="0" i="0" u="none" strike="noStrike" kern="1200" cap="none" spc="0" normalizeH="0" baseline="0" noProof="0" dirty="0">
+              <a:ln>
+                <a:noFill/>
+              </a:ln>
+              <a:solidFill>
+                <a:prstClr val="white"/>
+              </a:solidFill>
+              <a:effectLst/>
+              <a:uLnTx/>
+              <a:uFillTx/>
+              <a:latin typeface="Meiryo"/>
+              <a:ea typeface="+mn-ea"/>
+              <a:cs typeface="+mn-cs"/>
+            </a:endParaRPr>
+          </a:p>
+        </p:txBody>
+      </p:sp>
+      <p:sp>
+        <p:nvSpPr>
+          <p:cNvPr id="34" name="Freeform: Shape 33">
+            <a:extLst>
+              <a:ext uri="{FF2B5EF4-FFF2-40B4-BE49-F238E27FC236}">
+                <a16:creationId xmlns:a16="http://schemas.microsoft.com/office/drawing/2014/main" id="{0A46BDED-0634-CD80-BD9F-33EAF2311F9F}"/>
+              </a:ext>
+              <a:ext uri="{C183D7F6-B498-43B3-948B-1728B52AA6E4}">
+                <adec:decorative xmlns:adec="http://schemas.microsoft.com/office/drawing/2017/decorative" val="1"/>
+              </a:ext>
+            </a:extLst>
+          </p:cNvPr>
+          <p:cNvSpPr>
+            <a:spLocks noGrp="1" noRot="1" noChangeAspect="1" noMove="1" noResize="1" noEditPoints="1" noAdjustHandles="1" noChangeArrowheads="1" noChangeShapeType="1" noTextEdit="1"/>
+          </p:cNvSpPr>
+          <p:nvPr>
+            <p:extLst>
+              <p:ext uri="{386F3935-93C4-4BCD-93E2-E3B085C9AB24}">
+                <p16:designElem xmlns:p16="http://schemas.microsoft.com/office/powerpoint/2015/main" val="1"/>
+              </p:ext>
+            </p:extLst>
+          </p:nvPr>
+        </p:nvSpPr>
+        <p:spPr>
+          <a:xfrm>
+            <a:off x="924161" y="0"/>
+            <a:ext cx="2261351" cy="6858000"/>
+          </a:xfrm>
+          <a:custGeom>
+            <a:avLst/>
+            <a:gdLst/>
+            <a:ahLst/>
+            <a:cxnLst/>
+            <a:rect l="l" t="t" r="r" b="b"/>
+            <a:pathLst>
+              <a:path w="2521425" h="6858000">
+                <a:moveTo>
+                  <a:pt x="879731" y="0"/>
+                </a:moveTo>
+                <a:lnTo>
+                  <a:pt x="898402" y="0"/>
+                </a:lnTo>
+                <a:lnTo>
+                  <a:pt x="920526" y="14997"/>
+                </a:lnTo>
+                <a:cubicBezTo>
+                  <a:pt x="1947689" y="754641"/>
+                  <a:pt x="2521425" y="2093192"/>
+                  <a:pt x="2521425" y="3621656"/>
+                </a:cubicBezTo>
+                <a:cubicBezTo>
+                  <a:pt x="2521425" y="4969131"/>
+                  <a:pt x="1592700" y="5602839"/>
+                  <a:pt x="647075" y="6374814"/>
+                </a:cubicBezTo>
+                <a:cubicBezTo>
+                  <a:pt x="474872" y="6515397"/>
+                  <a:pt x="304245" y="6653108"/>
+                  <a:pt x="130427" y="6780599"/>
+                </a:cubicBezTo>
+                <a:lnTo>
+                  <a:pt x="18671" y="6858000"/>
+                </a:lnTo>
+                <a:lnTo>
+                  <a:pt x="0" y="6858000"/>
+                </a:lnTo>
+                <a:lnTo>
+                  <a:pt x="111756" y="6780599"/>
+                </a:lnTo>
+                <a:cubicBezTo>
+                  <a:pt x="285574" y="6653108"/>
+                  <a:pt x="456201" y="6515397"/>
+                  <a:pt x="628404" y="6374814"/>
+                </a:cubicBezTo>
+                <a:cubicBezTo>
+                  <a:pt x="1574029" y="5602839"/>
+                  <a:pt x="2502754" y="4969131"/>
+                  <a:pt x="2502754" y="3621656"/>
+                </a:cubicBezTo>
+                <a:cubicBezTo>
+                  <a:pt x="2502754" y="2093192"/>
+                  <a:pt x="1929018" y="754641"/>
+                  <a:pt x="901855" y="14997"/>
+                </a:cubicBezTo>
+                <a:close/>
+              </a:path>
+            </a:pathLst>
+          </a:custGeom>
+          <a:solidFill>
+            <a:schemeClr val="bg2">
+              <a:lumMod val="90000"/>
+            </a:schemeClr>
+          </a:solidFill>
+          <a:ln>
+            <a:noFill/>
+          </a:ln>
+        </p:spPr>
+        <p:style>
+          <a:lnRef idx="2">
+            <a:schemeClr val="accent1">
+              <a:shade val="50000"/>
+            </a:schemeClr>
+          </a:lnRef>
+          <a:fillRef idx="1">
+            <a:schemeClr val="accent1"/>
+          </a:fillRef>
+          <a:effectRef idx="0">
+            <a:schemeClr val="accent1"/>
+          </a:effectRef>
+          <a:fontRef idx="minor">
+            <a:schemeClr val="lt1"/>
+          </a:fontRef>
+        </p:style>
+        <p:txBody>
+          <a:bodyPr wrap="square" rtlCol="0" anchor="ctr">
+            <a:noAutofit/>
+          </a:bodyPr>
+          <a:lstStyle/>
+          <a:p>
+            <a:pPr marL="0" marR="0" lvl="0" indent="0" algn="ctr" defTabSz="914400" rtl="0" eaLnBrk="1" fontAlgn="auto" latinLnBrk="0" hangingPunct="1">
+              <a:lnSpc>
+                <a:spcPct val="100000"/>
+              </a:lnSpc>
+              <a:spcBef>
+                <a:spcPts val="0"/>
+              </a:spcBef>
+              <a:spcAft>
+                <a:spcPts val="0"/>
+              </a:spcAft>
+              <a:buClrTx/>
+              <a:buSzTx/>
+              <a:buFontTx/>
+              <a:buNone/>
+              <a:tabLst/>
+              <a:defRPr/>
+            </a:pPr>
+            <a:endParaRPr kumimoji="0" lang="en-US" sz="1800" b="0" i="0" u="none" strike="noStrike" kern="1200" cap="none" spc="0" normalizeH="0" baseline="0" noProof="0">
+              <a:ln>
+                <a:noFill/>
+              </a:ln>
+              <a:solidFill>
+                <a:prstClr val="white"/>
+              </a:solidFill>
+              <a:effectLst/>
+              <a:uLnTx/>
+              <a:uFillTx/>
+              <a:latin typeface="Meiryo"/>
+              <a:ea typeface="+mn-ea"/>
+              <a:cs typeface="+mn-cs"/>
+            </a:endParaRPr>
+          </a:p>
+        </p:txBody>
+      </p:sp>
+      <p:sp useBgFill="1">
+        <p:nvSpPr>
+          <p:cNvPr id="36" name="Rectangle 35">
+            <a:extLst>
+              <a:ext uri="{FF2B5EF4-FFF2-40B4-BE49-F238E27FC236}">
+                <a16:creationId xmlns:a16="http://schemas.microsoft.com/office/drawing/2014/main" id="{792A76B6-7E74-6240-602B-3C570DA6314B}"/>
+              </a:ext>
+              <a:ext uri="{C183D7F6-B498-43B3-948B-1728B52AA6E4}">
+                <adec:decorative xmlns:adec="http://schemas.microsoft.com/office/drawing/2017/decorative" val="1"/>
+              </a:ext>
+            </a:extLst>
+          </p:cNvPr>
+          <p:cNvSpPr>
+            <a:spLocks noGrp="1" noRot="1" noChangeAspect="1" noMove="1" noResize="1" noEditPoints="1" noAdjustHandles="1" noChangeArrowheads="1" noChangeShapeType="1" noTextEdit="1"/>
+          </p:cNvSpPr>
+          <p:nvPr>
+            <p:extLst>
+              <p:ext uri="{386F3935-93C4-4BCD-93E2-E3B085C9AB24}">
+                <p16:designElem xmlns:p16="http://schemas.microsoft.com/office/powerpoint/2015/main" val="1"/>
+              </p:ext>
+            </p:extLst>
+          </p:nvPr>
+        </p:nvSpPr>
+        <p:spPr>
+          <a:xfrm>
+            <a:off x="305" y="0"/>
+            <a:ext cx="12191695" cy="6858000"/>
+          </a:xfrm>
+          <a:prstGeom prst="rect">
+            <a:avLst/>
+          </a:prstGeom>
+          <a:ln>
+            <a:noFill/>
+          </a:ln>
+        </p:spPr>
+        <p:style>
+          <a:lnRef idx="2">
+            <a:schemeClr val="accent1">
+              <a:shade val="50000"/>
+            </a:schemeClr>
+          </a:lnRef>
+          <a:fillRef idx="1">
+            <a:schemeClr val="accent1"/>
+          </a:fillRef>
+          <a:effectRef idx="0">
+            <a:schemeClr val="accent1"/>
+          </a:effectRef>
+          <a:fontRef idx="minor">
+            <a:schemeClr val="lt1"/>
+          </a:fontRef>
+        </p:style>
+        <p:txBody>
+          <a:bodyPr rtlCol="0" anchor="ctr"/>
+          <a:lstStyle/>
+          <a:p>
+            <a:pPr marL="0" marR="0" lvl="0" indent="0" algn="ctr" defTabSz="457200" rtl="0" eaLnBrk="1" fontAlgn="auto" latinLnBrk="0" hangingPunct="1">
+              <a:lnSpc>
+                <a:spcPct val="100000"/>
+              </a:lnSpc>
+              <a:spcBef>
+                <a:spcPts val="0"/>
+              </a:spcBef>
+              <a:spcAft>
+                <a:spcPts val="0"/>
+              </a:spcAft>
+              <a:buClrTx/>
+              <a:buSzTx/>
+              <a:buFontTx/>
+              <a:buNone/>
+              <a:tabLst/>
+              <a:defRPr/>
+            </a:pPr>
+            <a:endParaRPr kumimoji="0" lang="en-US" sz="1800" b="0" i="0" u="none" strike="noStrike" kern="1200" cap="none" spc="0" normalizeH="0" baseline="0" noProof="0" dirty="0">
+              <a:ln>
+                <a:noFill/>
+              </a:ln>
+              <a:solidFill>
+                <a:prstClr val="white"/>
+              </a:solidFill>
+              <a:effectLst/>
+              <a:uLnTx/>
+              <a:uFillTx/>
+              <a:latin typeface="Meiryo"/>
+              <a:ea typeface="+mn-ea"/>
+              <a:cs typeface="+mn-cs"/>
+            </a:endParaRPr>
+          </a:p>
+        </p:txBody>
+      </p:sp>
+      <p:pic>
+        <p:nvPicPr>
+          <p:cNvPr id="15" name="Picture 14" descr="Network Technology Background">
+            <a:extLst>
+              <a:ext uri="{FF2B5EF4-FFF2-40B4-BE49-F238E27FC236}">
+                <a16:creationId xmlns:a16="http://schemas.microsoft.com/office/drawing/2014/main" id="{BF48FC6B-E0F2-6728-672A-20A37B2EC247}"/>
+              </a:ext>
+            </a:extLst>
+          </p:cNvPr>
+          <p:cNvPicPr>
+            <a:picLocks noChangeAspect="1"/>
+          </p:cNvPicPr>
+          <p:nvPr/>
+        </p:nvPicPr>
+        <p:blipFill>
+          <a:blip r:embed="rId2"/>
+          <a:srcRect r="-1" b="3408"/>
+          <a:stretch/>
+        </p:blipFill>
+        <p:spPr>
+          <a:xfrm>
+            <a:off x="1524" y="10"/>
+            <a:ext cx="12188952" cy="6857990"/>
+          </a:xfrm>
+          <a:prstGeom prst="rect">
+            <a:avLst/>
+          </a:prstGeom>
+        </p:spPr>
+      </p:pic>
+      <p:sp>
+        <p:nvSpPr>
+          <p:cNvPr id="38" name="Freeform: Shape 37">
+            <a:extLst>
+              <a:ext uri="{FF2B5EF4-FFF2-40B4-BE49-F238E27FC236}">
+                <a16:creationId xmlns:a16="http://schemas.microsoft.com/office/drawing/2014/main" id="{CFCB2584-560A-1A57-175D-0DC6D1EC3E54}"/>
+              </a:ext>
+              <a:ext uri="{C183D7F6-B498-43B3-948B-1728B52AA6E4}">
+                <adec:decorative xmlns:adec="http://schemas.microsoft.com/office/drawing/2017/decorative" val="1"/>
+              </a:ext>
+            </a:extLst>
+          </p:cNvPr>
+          <p:cNvSpPr>
+            <a:spLocks noGrp="1" noRot="1" noChangeAspect="1" noMove="1" noResize="1" noEditPoints="1" noAdjustHandles="1" noChangeArrowheads="1" noChangeShapeType="1" noTextEdit="1"/>
+          </p:cNvSpPr>
+          <p:nvPr>
+            <p:extLst>
+              <p:ext uri="{386F3935-93C4-4BCD-93E2-E3B085C9AB24}">
+                <p16:designElem xmlns:p16="http://schemas.microsoft.com/office/powerpoint/2015/main" val="1"/>
+              </p:ext>
+            </p:extLst>
+          </p:nvPr>
+        </p:nvSpPr>
+        <p:spPr>
+          <a:xfrm flipH="1">
+            <a:off x="966083" y="0"/>
+            <a:ext cx="9841377" cy="6858000"/>
+          </a:xfrm>
+          <a:custGeom>
+            <a:avLst/>
+            <a:gdLst>
+              <a:gd name="connsiteX0" fmla="*/ 8218354 w 9841377"/>
+              <a:gd name="connsiteY0" fmla="*/ 0 h 6858000"/>
+              <a:gd name="connsiteX1" fmla="*/ 5551962 w 9841377"/>
+              <a:gd name="connsiteY1" fmla="*/ 0 h 6858000"/>
+              <a:gd name="connsiteX2" fmla="*/ 5482342 w 9841377"/>
+              <a:gd name="connsiteY2" fmla="*/ 0 h 6858000"/>
+              <a:gd name="connsiteX3" fmla="*/ 4359035 w 9841377"/>
+              <a:gd name="connsiteY3" fmla="*/ 0 h 6858000"/>
+              <a:gd name="connsiteX4" fmla="*/ 4289415 w 9841377"/>
+              <a:gd name="connsiteY4" fmla="*/ 0 h 6858000"/>
+              <a:gd name="connsiteX5" fmla="*/ 1623023 w 9841377"/>
+              <a:gd name="connsiteY5" fmla="*/ 0 h 6858000"/>
+              <a:gd name="connsiteX6" fmla="*/ 1600899 w 9841377"/>
+              <a:gd name="connsiteY6" fmla="*/ 14997 h 6858000"/>
+              <a:gd name="connsiteX7" fmla="*/ 0 w 9841377"/>
+              <a:gd name="connsiteY7" fmla="*/ 3621656 h 6858000"/>
+              <a:gd name="connsiteX8" fmla="*/ 1874350 w 9841377"/>
+              <a:gd name="connsiteY8" fmla="*/ 6374814 h 6858000"/>
+              <a:gd name="connsiteX9" fmla="*/ 2390998 w 9841377"/>
+              <a:gd name="connsiteY9" fmla="*/ 6780599 h 6858000"/>
+              <a:gd name="connsiteX10" fmla="*/ 2502754 w 9841377"/>
+              <a:gd name="connsiteY10" fmla="*/ 6858000 h 6858000"/>
+              <a:gd name="connsiteX11" fmla="*/ 4289415 w 9841377"/>
+              <a:gd name="connsiteY11" fmla="*/ 6858000 h 6858000"/>
+              <a:gd name="connsiteX12" fmla="*/ 4359035 w 9841377"/>
+              <a:gd name="connsiteY12" fmla="*/ 6858000 h 6858000"/>
+              <a:gd name="connsiteX13" fmla="*/ 5482342 w 9841377"/>
+              <a:gd name="connsiteY13" fmla="*/ 6858000 h 6858000"/>
+              <a:gd name="connsiteX14" fmla="*/ 5551962 w 9841377"/>
+              <a:gd name="connsiteY14" fmla="*/ 6858000 h 6858000"/>
+              <a:gd name="connsiteX15" fmla="*/ 7338623 w 9841377"/>
+              <a:gd name="connsiteY15" fmla="*/ 6858000 h 6858000"/>
+              <a:gd name="connsiteX16" fmla="*/ 7450379 w 9841377"/>
+              <a:gd name="connsiteY16" fmla="*/ 6780599 h 6858000"/>
+              <a:gd name="connsiteX17" fmla="*/ 7967027 w 9841377"/>
+              <a:gd name="connsiteY17" fmla="*/ 6374814 h 6858000"/>
+              <a:gd name="connsiteX18" fmla="*/ 9841377 w 9841377"/>
+              <a:gd name="connsiteY18" fmla="*/ 3621656 h 6858000"/>
+              <a:gd name="connsiteX19" fmla="*/ 8240478 w 9841377"/>
+              <a:gd name="connsiteY19" fmla="*/ 14997 h 6858000"/>
+            </a:gdLst>
+            <a:ahLst/>
+            <a:cxnLst>
+              <a:cxn ang="0">
+                <a:pos x="connsiteX0" y="connsiteY0"/>
+              </a:cxn>
+              <a:cxn ang="0">
+                <a:pos x="connsiteX1" y="connsiteY1"/>
+              </a:cxn>
+              <a:cxn ang="0">
+                <a:pos x="connsiteX2" y="connsiteY2"/>
+              </a:cxn>
+              <a:cxn ang="0">
+                <a:pos x="connsiteX3" y="connsiteY3"/>
+              </a:cxn>
+              <a:cxn ang="0">
+                <a:pos x="connsiteX4" y="connsiteY4"/>
+              </a:cxn>
+              <a:cxn ang="0">
+                <a:pos x="connsiteX5" y="connsiteY5"/>
+              </a:cxn>
+              <a:cxn ang="0">
+                <a:pos x="connsiteX6" y="connsiteY6"/>
+              </a:cxn>
+              <a:cxn ang="0">
+                <a:pos x="connsiteX7" y="connsiteY7"/>
+              </a:cxn>
+              <a:cxn ang="0">
+                <a:pos x="connsiteX8" y="connsiteY8"/>
+              </a:cxn>
+              <a:cxn ang="0">
+                <a:pos x="connsiteX9" y="connsiteY9"/>
+              </a:cxn>
+              <a:cxn ang="0">
+                <a:pos x="connsiteX10" y="connsiteY10"/>
+              </a:cxn>
+              <a:cxn ang="0">
+                <a:pos x="connsiteX11" y="connsiteY11"/>
+              </a:cxn>
+              <a:cxn ang="0">
+                <a:pos x="connsiteX12" y="connsiteY12"/>
+              </a:cxn>
+              <a:cxn ang="0">
+                <a:pos x="connsiteX13" y="connsiteY13"/>
+              </a:cxn>
+              <a:cxn ang="0">
+                <a:pos x="connsiteX14" y="connsiteY14"/>
+              </a:cxn>
+              <a:cxn ang="0">
+                <a:pos x="connsiteX15" y="connsiteY15"/>
+              </a:cxn>
+              <a:cxn ang="0">
+                <a:pos x="connsiteX16" y="connsiteY16"/>
+              </a:cxn>
+              <a:cxn ang="0">
+                <a:pos x="connsiteX17" y="connsiteY17"/>
+              </a:cxn>
+              <a:cxn ang="0">
+                <a:pos x="connsiteX18" y="connsiteY18"/>
+              </a:cxn>
+              <a:cxn ang="0">
+                <a:pos x="connsiteX19" y="connsiteY19"/>
+              </a:cxn>
+            </a:cxnLst>
+            <a:rect l="l" t="t" r="r" b="b"/>
+            <a:pathLst>
+              <a:path w="9841377" h="6858000">
+                <a:moveTo>
+                  <a:pt x="8218354" y="0"/>
+                </a:moveTo>
+                <a:lnTo>
+                  <a:pt x="5551962" y="0"/>
+                </a:lnTo>
+                <a:lnTo>
+                  <a:pt x="5482342" y="0"/>
+                </a:lnTo>
+                <a:lnTo>
+                  <a:pt x="4359035" y="0"/>
+                </a:lnTo>
+                <a:lnTo>
+                  <a:pt x="4289415" y="0"/>
+                </a:lnTo>
+                <a:lnTo>
+                  <a:pt x="1623023" y="0"/>
+                </a:lnTo>
+                <a:lnTo>
+                  <a:pt x="1600899" y="14997"/>
+                </a:lnTo>
+                <a:cubicBezTo>
+                  <a:pt x="573736" y="754641"/>
+                  <a:pt x="0" y="2093192"/>
+                  <a:pt x="0" y="3621656"/>
+                </a:cubicBezTo>
+                <a:cubicBezTo>
+                  <a:pt x="0" y="4969131"/>
+                  <a:pt x="928725" y="5602839"/>
+                  <a:pt x="1874350" y="6374814"/>
+                </a:cubicBezTo>
+                <a:cubicBezTo>
+                  <a:pt x="2046553" y="6515397"/>
+                  <a:pt x="2217180" y="6653108"/>
+                  <a:pt x="2390998" y="6780599"/>
+                </a:cubicBezTo>
+                <a:lnTo>
+                  <a:pt x="2502754" y="6858000"/>
+                </a:lnTo>
+                <a:lnTo>
+                  <a:pt x="4289415" y="6858000"/>
+                </a:lnTo>
+                <a:lnTo>
+                  <a:pt x="4359035" y="6858000"/>
+                </a:lnTo>
+                <a:lnTo>
+                  <a:pt x="5482342" y="6858000"/>
+                </a:lnTo>
+                <a:lnTo>
+                  <a:pt x="5551962" y="6858000"/>
+                </a:lnTo>
+                <a:lnTo>
+                  <a:pt x="7338623" y="6858000"/>
+                </a:lnTo>
+                <a:lnTo>
+                  <a:pt x="7450379" y="6780599"/>
+                </a:lnTo>
+                <a:cubicBezTo>
+                  <a:pt x="7624197" y="6653108"/>
+                  <a:pt x="7794824" y="6515397"/>
+                  <a:pt x="7967027" y="6374814"/>
+                </a:cubicBezTo>
+                <a:cubicBezTo>
+                  <a:pt x="8912652" y="5602839"/>
+                  <a:pt x="9841377" y="4969131"/>
+                  <a:pt x="9841377" y="3621656"/>
+                </a:cubicBezTo>
+                <a:cubicBezTo>
+                  <a:pt x="9841377" y="2093192"/>
+                  <a:pt x="9267641" y="754641"/>
+                  <a:pt x="8240478" y="14997"/>
+                </a:cubicBezTo>
+                <a:close/>
+              </a:path>
+            </a:pathLst>
+          </a:custGeom>
+          <a:solidFill>
+            <a:schemeClr val="bg1">
+              <a:alpha val="85000"/>
+            </a:schemeClr>
+          </a:solidFill>
+          <a:ln>
+            <a:noFill/>
+          </a:ln>
+        </p:spPr>
+        <p:style>
+          <a:lnRef idx="2">
+            <a:schemeClr val="accent1">
+              <a:shade val="50000"/>
+            </a:schemeClr>
+          </a:lnRef>
+          <a:fillRef idx="1">
+            <a:schemeClr val="accent1"/>
+          </a:fillRef>
+          <a:effectRef idx="0">
+            <a:schemeClr val="accent1"/>
+          </a:effectRef>
+          <a:fontRef idx="minor">
+            <a:schemeClr val="lt1"/>
+          </a:fontRef>
+        </p:style>
+        <p:txBody>
+          <a:bodyPr wrap="square" rtlCol="0" anchor="ctr">
+            <a:noAutofit/>
+          </a:bodyPr>
+          <a:lstStyle/>
+          <a:p>
+            <a:pPr algn="ctr"/>
+            <a:endParaRPr lang="en-US"/>
+          </a:p>
+        </p:txBody>
+      </p:sp>
+      <p:sp>
+        <p:nvSpPr>
+          <p:cNvPr id="40" name="Freeform: Shape 39">
+            <a:extLst>
+              <a:ext uri="{FF2B5EF4-FFF2-40B4-BE49-F238E27FC236}">
+                <a16:creationId xmlns:a16="http://schemas.microsoft.com/office/drawing/2014/main" id="{E00AB06B-CFF2-A954-D1D3-2F9760F136BC}"/>
+              </a:ext>
+              <a:ext uri="{C183D7F6-B498-43B3-948B-1728B52AA6E4}">
+                <adec:decorative xmlns:adec="http://schemas.microsoft.com/office/drawing/2017/decorative" val="1"/>
+              </a:ext>
+            </a:extLst>
+          </p:cNvPr>
+          <p:cNvSpPr>
+            <a:spLocks noGrp="1" noRot="1" noChangeAspect="1" noMove="1" noResize="1" noEditPoints="1" noAdjustHandles="1" noChangeArrowheads="1" noChangeShapeType="1" noTextEdit="1"/>
+          </p:cNvSpPr>
+          <p:nvPr>
+            <p:extLst>
+              <p:ext uri="{386F3935-93C4-4BCD-93E2-E3B085C9AB24}">
+                <p16:designElem xmlns:p16="http://schemas.microsoft.com/office/powerpoint/2015/main" val="1"/>
+              </p:ext>
+            </p:extLst>
+          </p:nvPr>
+        </p:nvSpPr>
+        <p:spPr>
+          <a:xfrm flipH="1">
+            <a:off x="643035" y="0"/>
+            <a:ext cx="2265453" cy="6858000"/>
+          </a:xfrm>
+          <a:custGeom>
+            <a:avLst/>
+            <a:gdLst>
+              <a:gd name="connsiteX0" fmla="*/ 1117108 w 2265453"/>
+              <a:gd name="connsiteY0" fmla="*/ 0 h 6858000"/>
+              <a:gd name="connsiteX1" fmla="*/ 1099628 w 2265453"/>
+              <a:gd name="connsiteY1" fmla="*/ 0 h 6858000"/>
+              <a:gd name="connsiteX2" fmla="*/ 1175238 w 2265453"/>
+              <a:gd name="connsiteY2" fmla="*/ 82371 h 6858000"/>
+              <a:gd name="connsiteX3" fmla="*/ 2240276 w 2265453"/>
+              <a:gd name="connsiteY3" fmla="*/ 3734791 h 6858000"/>
+              <a:gd name="connsiteX4" fmla="*/ 274951 w 2265453"/>
+              <a:gd name="connsiteY4" fmla="*/ 6634678 h 6858000"/>
+              <a:gd name="connsiteX5" fmla="*/ 12802 w 2265453"/>
+              <a:gd name="connsiteY5" fmla="*/ 6848127 h 6858000"/>
+              <a:gd name="connsiteX6" fmla="*/ 0 w 2265453"/>
+              <a:gd name="connsiteY6" fmla="*/ 6858000 h 6858000"/>
+              <a:gd name="connsiteX7" fmla="*/ 19410 w 2265453"/>
+              <a:gd name="connsiteY7" fmla="*/ 6858000 h 6858000"/>
+              <a:gd name="connsiteX8" fmla="*/ 31082 w 2265453"/>
+              <a:gd name="connsiteY8" fmla="*/ 6848998 h 6858000"/>
+              <a:gd name="connsiteX9" fmla="*/ 293230 w 2265453"/>
+              <a:gd name="connsiteY9" fmla="*/ 6635549 h 6858000"/>
+              <a:gd name="connsiteX10" fmla="*/ 2258555 w 2265453"/>
+              <a:gd name="connsiteY10" fmla="*/ 3735662 h 6858000"/>
+              <a:gd name="connsiteX11" fmla="*/ 1193518 w 2265453"/>
+              <a:gd name="connsiteY11" fmla="*/ 83243 h 6858000"/>
+            </a:gdLst>
+            <a:ahLst/>
+            <a:cxnLst>
+              <a:cxn ang="0">
+                <a:pos x="connsiteX0" y="connsiteY0"/>
+              </a:cxn>
+              <a:cxn ang="0">
+                <a:pos x="connsiteX1" y="connsiteY1"/>
+              </a:cxn>
+              <a:cxn ang="0">
+                <a:pos x="connsiteX2" y="connsiteY2"/>
+              </a:cxn>
+              <a:cxn ang="0">
+                <a:pos x="connsiteX3" y="connsiteY3"/>
+              </a:cxn>
+              <a:cxn ang="0">
+                <a:pos x="connsiteX4" y="connsiteY4"/>
+              </a:cxn>
+              <a:cxn ang="0">
+                <a:pos x="connsiteX5" y="connsiteY5"/>
+              </a:cxn>
+              <a:cxn ang="0">
+                <a:pos x="connsiteX6" y="connsiteY6"/>
+              </a:cxn>
+              <a:cxn ang="0">
+                <a:pos x="connsiteX7" y="connsiteY7"/>
+              </a:cxn>
+              <a:cxn ang="0">
+                <a:pos x="connsiteX8" y="connsiteY8"/>
+              </a:cxn>
+              <a:cxn ang="0">
+                <a:pos x="connsiteX9" y="connsiteY9"/>
+              </a:cxn>
+              <a:cxn ang="0">
+                <a:pos x="connsiteX10" y="connsiteY10"/>
+              </a:cxn>
+              <a:cxn ang="0">
+                <a:pos x="connsiteX11" y="connsiteY11"/>
+              </a:cxn>
+            </a:cxnLst>
+            <a:rect l="l" t="t" r="r" b="b"/>
+            <a:pathLst>
+              <a:path w="2265453" h="6858000">
+                <a:moveTo>
+                  <a:pt x="1117108" y="0"/>
+                </a:moveTo>
+                <a:lnTo>
+                  <a:pt x="1099628" y="0"/>
+                </a:lnTo>
+                <a:lnTo>
+                  <a:pt x="1175238" y="82371"/>
+                </a:lnTo>
+                <a:cubicBezTo>
+                  <a:pt x="1926546" y="957940"/>
+                  <a:pt x="2303836" y="2277119"/>
+                  <a:pt x="2240276" y="3734791"/>
+                </a:cubicBezTo>
+                <a:cubicBezTo>
+                  <a:pt x="2176522" y="5196911"/>
+                  <a:pt x="1237280" y="5841173"/>
+                  <a:pt x="274951" y="6634678"/>
+                </a:cubicBezTo>
+                <a:cubicBezTo>
+                  <a:pt x="187328" y="6706930"/>
+                  <a:pt x="100126" y="6778421"/>
+                  <a:pt x="12802" y="6848127"/>
+                </a:cubicBezTo>
+                <a:lnTo>
+                  <a:pt x="0" y="6858000"/>
+                </a:lnTo>
+                <a:lnTo>
+                  <a:pt x="19410" y="6858000"/>
+                </a:lnTo>
+                <a:lnTo>
+                  <a:pt x="31082" y="6848998"/>
+                </a:lnTo>
+                <a:cubicBezTo>
+                  <a:pt x="118405" y="6779292"/>
+                  <a:pt x="205608" y="6707801"/>
+                  <a:pt x="293230" y="6635549"/>
+                </a:cubicBezTo>
+                <a:cubicBezTo>
+                  <a:pt x="1255560" y="5842045"/>
+                  <a:pt x="2194802" y="5197782"/>
+                  <a:pt x="2258555" y="3735662"/>
+                </a:cubicBezTo>
+                <a:cubicBezTo>
+                  <a:pt x="2322115" y="2277991"/>
+                  <a:pt x="1944825" y="958811"/>
+                  <a:pt x="1193518" y="83243"/>
+                </a:cubicBezTo>
+                <a:close/>
+              </a:path>
+            </a:pathLst>
+          </a:custGeom>
+          <a:solidFill>
+            <a:srgbClr val="FFFFFF"/>
+          </a:solidFill>
+          <a:ln>
+            <a:noFill/>
+          </a:ln>
+        </p:spPr>
+        <p:style>
+          <a:lnRef idx="2">
+            <a:schemeClr val="accent1">
+              <a:shade val="50000"/>
+            </a:schemeClr>
+          </a:lnRef>
+          <a:fillRef idx="1">
+            <a:schemeClr val="accent1"/>
+          </a:fillRef>
+          <a:effectRef idx="0">
+            <a:schemeClr val="accent1"/>
+          </a:effectRef>
+          <a:fontRef idx="minor">
+            <a:schemeClr val="lt1"/>
+          </a:fontRef>
+        </p:style>
+        <p:txBody>
+          <a:bodyPr wrap="square" rtlCol="0" anchor="ctr">
+            <a:noAutofit/>
+          </a:bodyPr>
+          <a:lstStyle/>
+          <a:p>
+            <a:pPr marL="0" marR="0" lvl="0" indent="0" algn="ctr" defTabSz="457200" rtl="0" eaLnBrk="1" fontAlgn="auto" latinLnBrk="0" hangingPunct="1">
+              <a:lnSpc>
+                <a:spcPct val="100000"/>
+              </a:lnSpc>
+              <a:spcBef>
+                <a:spcPts val="0"/>
+              </a:spcBef>
+              <a:spcAft>
+                <a:spcPts val="0"/>
+              </a:spcAft>
+              <a:buClrTx/>
+              <a:buSzTx/>
+              <a:buFontTx/>
+              <a:buNone/>
+              <a:tabLst/>
+              <a:defRPr/>
+            </a:pPr>
+            <a:endParaRPr kumimoji="0" lang="en-US" sz="1800" b="0" i="0" u="none" strike="noStrike" kern="1200" cap="none" spc="0" normalizeH="0" baseline="0" noProof="0" dirty="0">
+              <a:ln>
+                <a:noFill/>
+              </a:ln>
+              <a:solidFill>
+                <a:prstClr val="white"/>
+              </a:solidFill>
+              <a:effectLst/>
+              <a:uLnTx/>
+              <a:uFillTx/>
+              <a:latin typeface="Meiryo"/>
+              <a:ea typeface="+mn-ea"/>
+              <a:cs typeface="+mn-cs"/>
+            </a:endParaRPr>
+          </a:p>
+        </p:txBody>
+      </p:sp>
+      <p:sp>
+        <p:nvSpPr>
+          <p:cNvPr id="42" name="Freeform: Shape 41">
+            <a:extLst>
+              <a:ext uri="{FF2B5EF4-FFF2-40B4-BE49-F238E27FC236}">
+                <a16:creationId xmlns:a16="http://schemas.microsoft.com/office/drawing/2014/main" id="{F7D85877-0850-DA7A-1A9E-BC10401075C6}"/>
+              </a:ext>
+              <a:ext uri="{C183D7F6-B498-43B3-948B-1728B52AA6E4}">
+                <adec:decorative xmlns:adec="http://schemas.microsoft.com/office/drawing/2017/decorative" val="1"/>
+              </a:ext>
+            </a:extLst>
+          </p:cNvPr>
+          <p:cNvSpPr>
+            <a:spLocks noGrp="1" noRot="1" noChangeAspect="1" noMove="1" noResize="1" noEditPoints="1" noAdjustHandles="1" noChangeArrowheads="1" noChangeShapeType="1" noTextEdit="1"/>
+          </p:cNvSpPr>
+          <p:nvPr>
+            <p:extLst>
+              <p:ext uri="{386F3935-93C4-4BCD-93E2-E3B085C9AB24}">
+                <p16:designElem xmlns:p16="http://schemas.microsoft.com/office/powerpoint/2015/main" val="1"/>
+              </p:ext>
+            </p:extLst>
+          </p:nvPr>
+        </p:nvSpPr>
+        <p:spPr>
+          <a:xfrm flipH="1">
+            <a:off x="811033" y="0"/>
+            <a:ext cx="2486322" cy="6858000"/>
+          </a:xfrm>
+          <a:custGeom>
+            <a:avLst/>
+            <a:gdLst>
+              <a:gd name="connsiteX0" fmla="*/ 879731 w 2521425"/>
+              <a:gd name="connsiteY0" fmla="*/ 0 h 6858000"/>
+              <a:gd name="connsiteX1" fmla="*/ 898402 w 2521425"/>
+              <a:gd name="connsiteY1" fmla="*/ 0 h 6858000"/>
+              <a:gd name="connsiteX2" fmla="*/ 920526 w 2521425"/>
+              <a:gd name="connsiteY2" fmla="*/ 14997 h 6858000"/>
+              <a:gd name="connsiteX3" fmla="*/ 2521425 w 2521425"/>
+              <a:gd name="connsiteY3" fmla="*/ 3621656 h 6858000"/>
+              <a:gd name="connsiteX4" fmla="*/ 647075 w 2521425"/>
+              <a:gd name="connsiteY4" fmla="*/ 6374814 h 6858000"/>
+              <a:gd name="connsiteX5" fmla="*/ 130427 w 2521425"/>
+              <a:gd name="connsiteY5" fmla="*/ 6780599 h 6858000"/>
+              <a:gd name="connsiteX6" fmla="*/ 18671 w 2521425"/>
+              <a:gd name="connsiteY6" fmla="*/ 6858000 h 6858000"/>
+              <a:gd name="connsiteX7" fmla="*/ 0 w 2521425"/>
+              <a:gd name="connsiteY7" fmla="*/ 6858000 h 6858000"/>
+              <a:gd name="connsiteX8" fmla="*/ 111756 w 2521425"/>
+              <a:gd name="connsiteY8" fmla="*/ 6780599 h 6858000"/>
+              <a:gd name="connsiteX9" fmla="*/ 628404 w 2521425"/>
+              <a:gd name="connsiteY9" fmla="*/ 6374814 h 6858000"/>
+              <a:gd name="connsiteX10" fmla="*/ 2502754 w 2521425"/>
+              <a:gd name="connsiteY10" fmla="*/ 3621656 h 6858000"/>
+              <a:gd name="connsiteX11" fmla="*/ 901855 w 2521425"/>
+              <a:gd name="connsiteY11" fmla="*/ 14997 h 6858000"/>
+            </a:gdLst>
+            <a:ahLst/>
+            <a:cxnLst>
+              <a:cxn ang="0">
+                <a:pos x="connsiteX0" y="connsiteY0"/>
+              </a:cxn>
+              <a:cxn ang="0">
+                <a:pos x="connsiteX1" y="connsiteY1"/>
+              </a:cxn>
+              <a:cxn ang="0">
+                <a:pos x="connsiteX2" y="connsiteY2"/>
+              </a:cxn>
+              <a:cxn ang="0">
+                <a:pos x="connsiteX3" y="connsiteY3"/>
+              </a:cxn>
+              <a:cxn ang="0">
+                <a:pos x="connsiteX4" y="connsiteY4"/>
+              </a:cxn>
+              <a:cxn ang="0">
+                <a:pos x="connsiteX5" y="connsiteY5"/>
+              </a:cxn>
+              <a:cxn ang="0">
+                <a:pos x="connsiteX6" y="connsiteY6"/>
+              </a:cxn>
+              <a:cxn ang="0">
+                <a:pos x="connsiteX7" y="connsiteY7"/>
+              </a:cxn>
+              <a:cxn ang="0">
+                <a:pos x="connsiteX8" y="connsiteY8"/>
+              </a:cxn>
+              <a:cxn ang="0">
+                <a:pos x="connsiteX9" y="connsiteY9"/>
+              </a:cxn>
+              <a:cxn ang="0">
+                <a:pos x="connsiteX10" y="connsiteY10"/>
+              </a:cxn>
+              <a:cxn ang="0">
+                <a:pos x="connsiteX11" y="connsiteY11"/>
+              </a:cxn>
+            </a:cxnLst>
+            <a:rect l="l" t="t" r="r" b="b"/>
+            <a:pathLst>
+              <a:path w="2521425" h="6858000">
+                <a:moveTo>
+                  <a:pt x="879731" y="0"/>
+                </a:moveTo>
+                <a:lnTo>
+                  <a:pt x="898402" y="0"/>
+                </a:lnTo>
+                <a:lnTo>
+                  <a:pt x="920526" y="14997"/>
+                </a:lnTo>
+                <a:cubicBezTo>
+                  <a:pt x="1947689" y="754641"/>
+                  <a:pt x="2521425" y="2093192"/>
+                  <a:pt x="2521425" y="3621656"/>
+                </a:cubicBezTo>
+                <a:cubicBezTo>
+                  <a:pt x="2521425" y="4969131"/>
+                  <a:pt x="1592700" y="5602839"/>
+                  <a:pt x="647075" y="6374814"/>
+                </a:cubicBezTo>
+                <a:cubicBezTo>
+                  <a:pt x="474872" y="6515397"/>
+                  <a:pt x="304245" y="6653108"/>
+                  <a:pt x="130427" y="6780599"/>
+                </a:cubicBezTo>
+                <a:lnTo>
+                  <a:pt x="18671" y="6858000"/>
+                </a:lnTo>
+                <a:lnTo>
+                  <a:pt x="0" y="6858000"/>
+                </a:lnTo>
+                <a:lnTo>
+                  <a:pt x="111756" y="6780599"/>
+                </a:lnTo>
+                <a:cubicBezTo>
+                  <a:pt x="285574" y="6653108"/>
+                  <a:pt x="456201" y="6515397"/>
+                  <a:pt x="628404" y="6374814"/>
+                </a:cubicBezTo>
+                <a:cubicBezTo>
+                  <a:pt x="1574029" y="5602839"/>
+                  <a:pt x="2502754" y="4969131"/>
+                  <a:pt x="2502754" y="3621656"/>
+                </a:cubicBezTo>
+                <a:cubicBezTo>
+                  <a:pt x="2502754" y="2093192"/>
+                  <a:pt x="1929018" y="754641"/>
+                  <a:pt x="901855" y="14997"/>
+                </a:cubicBezTo>
+                <a:close/>
+              </a:path>
+            </a:pathLst>
+          </a:custGeom>
+          <a:solidFill>
+            <a:srgbClr val="FFFFFF"/>
+          </a:solidFill>
+          <a:ln>
+            <a:noFill/>
+          </a:ln>
+        </p:spPr>
+        <p:style>
+          <a:lnRef idx="2">
+            <a:schemeClr val="accent1">
+              <a:shade val="50000"/>
+            </a:schemeClr>
+          </a:lnRef>
+          <a:fillRef idx="1">
+            <a:schemeClr val="accent1"/>
+          </a:fillRef>
+          <a:effectRef idx="0">
+            <a:schemeClr val="accent1"/>
+          </a:effectRef>
+          <a:fontRef idx="minor">
+            <a:schemeClr val="lt1"/>
+          </a:fontRef>
+        </p:style>
+        <p:txBody>
+          <a:bodyPr wrap="square" rtlCol="0" anchor="ctr">
+            <a:noAutofit/>
+          </a:bodyPr>
+          <a:lstStyle/>
+          <a:p>
+            <a:pPr marL="0" marR="0" lvl="0" indent="0" algn="ctr" defTabSz="914400" rtl="0" eaLnBrk="1" fontAlgn="auto" latinLnBrk="0" hangingPunct="1">
+              <a:lnSpc>
+                <a:spcPct val="100000"/>
+              </a:lnSpc>
+              <a:spcBef>
+                <a:spcPts val="0"/>
+              </a:spcBef>
+              <a:spcAft>
+                <a:spcPts val="0"/>
+              </a:spcAft>
+              <a:buClrTx/>
+              <a:buSzTx/>
+              <a:buFontTx/>
+              <a:buNone/>
+              <a:tabLst/>
+              <a:defRPr/>
+            </a:pPr>
+            <a:endParaRPr kumimoji="0" lang="en-US" sz="1800" b="0" i="0" u="none" strike="noStrike" kern="1200" cap="none" spc="0" normalizeH="0" baseline="0" noProof="0" dirty="0">
+              <a:ln>
+                <a:noFill/>
+              </a:ln>
+              <a:solidFill>
+                <a:prstClr val="white"/>
+              </a:solidFill>
+              <a:effectLst/>
+              <a:uLnTx/>
+              <a:uFillTx/>
+              <a:latin typeface="Meiryo"/>
+              <a:ea typeface="+mn-ea"/>
+              <a:cs typeface="+mn-cs"/>
+            </a:endParaRPr>
+          </a:p>
+        </p:txBody>
+      </p:sp>
+      <p:sp>
+        <p:nvSpPr>
+          <p:cNvPr id="44" name="Freeform: Shape 43">
+            <a:extLst>
+              <a:ext uri="{FF2B5EF4-FFF2-40B4-BE49-F238E27FC236}">
+                <a16:creationId xmlns:a16="http://schemas.microsoft.com/office/drawing/2014/main" id="{F32FFA27-534B-DD06-8C3D-A4784088BDCB}"/>
+              </a:ext>
+              <a:ext uri="{C183D7F6-B498-43B3-948B-1728B52AA6E4}">
+                <adec:decorative xmlns:adec="http://schemas.microsoft.com/office/drawing/2017/decorative" val="1"/>
+              </a:ext>
+            </a:extLst>
+          </p:cNvPr>
+          <p:cNvSpPr>
+            <a:spLocks noGrp="1" noRot="1" noChangeAspect="1" noMove="1" noResize="1" noEditPoints="1" noAdjustHandles="1" noChangeArrowheads="1" noChangeShapeType="1" noTextEdit="1"/>
+          </p:cNvSpPr>
+          <p:nvPr>
+            <p:extLst>
+              <p:ext uri="{386F3935-93C4-4BCD-93E2-E3B085C9AB24}">
+                <p16:designElem xmlns:p16="http://schemas.microsoft.com/office/powerpoint/2015/main" val="1"/>
+              </p:ext>
+            </p:extLst>
+          </p:nvPr>
+        </p:nvSpPr>
+        <p:spPr>
+          <a:xfrm>
+            <a:off x="8696194" y="0"/>
+            <a:ext cx="2529723" cy="6858000"/>
+          </a:xfrm>
+          <a:custGeom>
+            <a:avLst/>
+            <a:gdLst>
+              <a:gd name="connsiteX0" fmla="*/ 1258269 w 2529723"/>
+              <a:gd name="connsiteY0" fmla="*/ 0 h 6858000"/>
+              <a:gd name="connsiteX1" fmla="*/ 1275627 w 2529723"/>
+              <a:gd name="connsiteY1" fmla="*/ 0 h 6858000"/>
+              <a:gd name="connsiteX2" fmla="*/ 1302560 w 2529723"/>
+              <a:gd name="connsiteY2" fmla="*/ 24338 h 6858000"/>
+              <a:gd name="connsiteX3" fmla="*/ 2522825 w 2529723"/>
+              <a:gd name="connsiteY3" fmla="*/ 3678515 h 6858000"/>
+              <a:gd name="connsiteX4" fmla="*/ 557500 w 2529723"/>
+              <a:gd name="connsiteY4" fmla="*/ 6451411 h 6858000"/>
+              <a:gd name="connsiteX5" fmla="*/ 32482 w 2529723"/>
+              <a:gd name="connsiteY5" fmla="*/ 6849373 h 6858000"/>
+              <a:gd name="connsiteX6" fmla="*/ 19531 w 2529723"/>
+              <a:gd name="connsiteY6" fmla="*/ 6858000 h 6858000"/>
+              <a:gd name="connsiteX7" fmla="*/ 0 w 2529723"/>
+              <a:gd name="connsiteY7" fmla="*/ 6858000 h 6858000"/>
+              <a:gd name="connsiteX8" fmla="*/ 14202 w 2529723"/>
+              <a:gd name="connsiteY8" fmla="*/ 6848540 h 6858000"/>
+              <a:gd name="connsiteX9" fmla="*/ 539221 w 2529723"/>
+              <a:gd name="connsiteY9" fmla="*/ 6450578 h 6858000"/>
+              <a:gd name="connsiteX10" fmla="*/ 2504546 w 2529723"/>
+              <a:gd name="connsiteY10" fmla="*/ 3677682 h 6858000"/>
+              <a:gd name="connsiteX11" fmla="*/ 1284280 w 2529723"/>
+              <a:gd name="connsiteY11" fmla="*/ 23504 h 6858000"/>
+            </a:gdLst>
+            <a:ahLst/>
+            <a:cxnLst>
+              <a:cxn ang="0">
+                <a:pos x="connsiteX0" y="connsiteY0"/>
+              </a:cxn>
+              <a:cxn ang="0">
+                <a:pos x="connsiteX1" y="connsiteY1"/>
+              </a:cxn>
+              <a:cxn ang="0">
+                <a:pos x="connsiteX2" y="connsiteY2"/>
+              </a:cxn>
+              <a:cxn ang="0">
+                <a:pos x="connsiteX3" y="connsiteY3"/>
+              </a:cxn>
+              <a:cxn ang="0">
+                <a:pos x="connsiteX4" y="connsiteY4"/>
+              </a:cxn>
+              <a:cxn ang="0">
+                <a:pos x="connsiteX5" y="connsiteY5"/>
+              </a:cxn>
+              <a:cxn ang="0">
+                <a:pos x="connsiteX6" y="connsiteY6"/>
+              </a:cxn>
+              <a:cxn ang="0">
+                <a:pos x="connsiteX7" y="connsiteY7"/>
+              </a:cxn>
+              <a:cxn ang="0">
+                <a:pos x="connsiteX8" y="connsiteY8"/>
+              </a:cxn>
+              <a:cxn ang="0">
+                <a:pos x="connsiteX9" y="connsiteY9"/>
+              </a:cxn>
+              <a:cxn ang="0">
+                <a:pos x="connsiteX10" y="connsiteY10"/>
+              </a:cxn>
+              <a:cxn ang="0">
+                <a:pos x="connsiteX11" y="connsiteY11"/>
+              </a:cxn>
+            </a:cxnLst>
+            <a:rect l="l" t="t" r="r" b="b"/>
+            <a:pathLst>
+              <a:path w="2529723" h="6858000">
+                <a:moveTo>
+                  <a:pt x="1258269" y="0"/>
+                </a:moveTo>
+                <a:lnTo>
+                  <a:pt x="1275627" y="0"/>
+                </a:lnTo>
+                <a:lnTo>
+                  <a:pt x="1302560" y="24338"/>
+                </a:lnTo>
+                <a:cubicBezTo>
+                  <a:pt x="2156831" y="855667"/>
+                  <a:pt x="2590622" y="2191755"/>
+                  <a:pt x="2522825" y="3678515"/>
+                </a:cubicBezTo>
+                <a:cubicBezTo>
+                  <a:pt x="2459072" y="5076606"/>
+                  <a:pt x="1519830" y="5692656"/>
+                  <a:pt x="557500" y="6451411"/>
+                </a:cubicBezTo>
+                <a:cubicBezTo>
+                  <a:pt x="382255" y="6589587"/>
+                  <a:pt x="208689" y="6724853"/>
+                  <a:pt x="32482" y="6849373"/>
+                </a:cubicBezTo>
+                <a:lnTo>
+                  <a:pt x="19531" y="6858000"/>
+                </a:lnTo>
+                <a:lnTo>
+                  <a:pt x="0" y="6858000"/>
+                </a:lnTo>
+                <a:lnTo>
+                  <a:pt x="14202" y="6848540"/>
+                </a:lnTo>
+                <a:cubicBezTo>
+                  <a:pt x="190409" y="6724020"/>
+                  <a:pt x="363976" y="6588754"/>
+                  <a:pt x="539221" y="6450578"/>
+                </a:cubicBezTo>
+                <a:cubicBezTo>
+                  <a:pt x="1501550" y="5691822"/>
+                  <a:pt x="2440792" y="5075773"/>
+                  <a:pt x="2504546" y="3677682"/>
+                </a:cubicBezTo>
+                <a:cubicBezTo>
+                  <a:pt x="2572343" y="2190921"/>
+                  <a:pt x="2138551" y="854834"/>
+                  <a:pt x="1284280" y="23504"/>
+                </a:cubicBezTo>
+                <a:close/>
+              </a:path>
+            </a:pathLst>
+          </a:custGeom>
+          <a:solidFill>
+            <a:srgbClr val="FFFFFF"/>
+          </a:solidFill>
+          <a:ln>
+            <a:noFill/>
+          </a:ln>
+        </p:spPr>
+        <p:style>
+          <a:lnRef idx="2">
+            <a:schemeClr val="accent1">
+              <a:shade val="50000"/>
+            </a:schemeClr>
+          </a:lnRef>
+          <a:fillRef idx="1">
+            <a:schemeClr val="accent1"/>
+          </a:fillRef>
+          <a:effectRef idx="0">
+            <a:schemeClr val="accent1"/>
+          </a:effectRef>
+          <a:fontRef idx="minor">
+            <a:schemeClr val="lt1"/>
+          </a:fontRef>
+        </p:style>
+        <p:txBody>
+          <a:bodyPr wrap="square" rtlCol="0" anchor="ctr">
+            <a:noAutofit/>
+          </a:bodyPr>
+          <a:lstStyle/>
+          <a:p>
+            <a:pPr marL="0" marR="0" lvl="0" indent="0" algn="ctr" defTabSz="457200" rtl="0" eaLnBrk="1" fontAlgn="auto" latinLnBrk="0" hangingPunct="1">
+              <a:lnSpc>
+                <a:spcPct val="100000"/>
+              </a:lnSpc>
+              <a:spcBef>
+                <a:spcPts val="0"/>
+              </a:spcBef>
+              <a:spcAft>
+                <a:spcPts val="0"/>
+              </a:spcAft>
+              <a:buClrTx/>
+              <a:buSzTx/>
+              <a:buFontTx/>
+              <a:buNone/>
+              <a:tabLst/>
+              <a:defRPr/>
+            </a:pPr>
+            <a:endParaRPr kumimoji="0" lang="en-US" sz="1800" b="0" i="0" u="none" strike="noStrike" kern="1200" cap="none" spc="0" normalizeH="0" baseline="0" noProof="0" dirty="0">
+              <a:ln>
+                <a:noFill/>
+              </a:ln>
+              <a:solidFill>
+                <a:prstClr val="white"/>
+              </a:solidFill>
+              <a:effectLst/>
+              <a:uLnTx/>
+              <a:uFillTx/>
+              <a:latin typeface="Meiryo"/>
+              <a:ea typeface="+mn-ea"/>
+              <a:cs typeface="+mn-cs"/>
+            </a:endParaRPr>
+          </a:p>
+        </p:txBody>
+      </p:sp>
+      <p:sp>
+        <p:nvSpPr>
+          <p:cNvPr id="46" name="Freeform: Shape 45">
+            <a:extLst>
+              <a:ext uri="{FF2B5EF4-FFF2-40B4-BE49-F238E27FC236}">
+                <a16:creationId xmlns:a16="http://schemas.microsoft.com/office/drawing/2014/main" id="{78CA0A06-90FE-FAAA-5560-9D23DF6A07FF}"/>
+              </a:ext>
+              <a:ext uri="{C183D7F6-B498-43B3-948B-1728B52AA6E4}">
+                <adec:decorative xmlns:adec="http://schemas.microsoft.com/office/drawing/2017/decorative" val="1"/>
+              </a:ext>
+            </a:extLst>
+          </p:cNvPr>
+          <p:cNvSpPr>
+            <a:spLocks noGrp="1" noRot="1" noChangeAspect="1" noMove="1" noResize="1" noEditPoints="1" noAdjustHandles="1" noChangeArrowheads="1" noChangeShapeType="1" noTextEdit="1"/>
+          </p:cNvSpPr>
+          <p:nvPr>
+            <p:extLst>
+              <p:ext uri="{386F3935-93C4-4BCD-93E2-E3B085C9AB24}">
+                <p16:designElem xmlns:p16="http://schemas.microsoft.com/office/powerpoint/2015/main" val="1"/>
+              </p:ext>
+            </p:extLst>
+          </p:nvPr>
+        </p:nvSpPr>
+        <p:spPr>
+          <a:xfrm>
+            <a:off x="8523292" y="0"/>
+            <a:ext cx="2486322" cy="6858000"/>
+          </a:xfrm>
+          <a:custGeom>
+            <a:avLst/>
+            <a:gdLst>
+              <a:gd name="connsiteX0" fmla="*/ 879731 w 2521425"/>
+              <a:gd name="connsiteY0" fmla="*/ 0 h 6858000"/>
+              <a:gd name="connsiteX1" fmla="*/ 898402 w 2521425"/>
+              <a:gd name="connsiteY1" fmla="*/ 0 h 6858000"/>
+              <a:gd name="connsiteX2" fmla="*/ 920526 w 2521425"/>
+              <a:gd name="connsiteY2" fmla="*/ 14997 h 6858000"/>
+              <a:gd name="connsiteX3" fmla="*/ 2521425 w 2521425"/>
+              <a:gd name="connsiteY3" fmla="*/ 3621656 h 6858000"/>
+              <a:gd name="connsiteX4" fmla="*/ 647075 w 2521425"/>
+              <a:gd name="connsiteY4" fmla="*/ 6374814 h 6858000"/>
+              <a:gd name="connsiteX5" fmla="*/ 130427 w 2521425"/>
+              <a:gd name="connsiteY5" fmla="*/ 6780599 h 6858000"/>
+              <a:gd name="connsiteX6" fmla="*/ 18671 w 2521425"/>
+              <a:gd name="connsiteY6" fmla="*/ 6858000 h 6858000"/>
+              <a:gd name="connsiteX7" fmla="*/ 0 w 2521425"/>
+              <a:gd name="connsiteY7" fmla="*/ 6858000 h 6858000"/>
+              <a:gd name="connsiteX8" fmla="*/ 111756 w 2521425"/>
+              <a:gd name="connsiteY8" fmla="*/ 6780599 h 6858000"/>
+              <a:gd name="connsiteX9" fmla="*/ 628404 w 2521425"/>
+              <a:gd name="connsiteY9" fmla="*/ 6374814 h 6858000"/>
+              <a:gd name="connsiteX10" fmla="*/ 2502754 w 2521425"/>
+              <a:gd name="connsiteY10" fmla="*/ 3621656 h 6858000"/>
+              <a:gd name="connsiteX11" fmla="*/ 901855 w 2521425"/>
+              <a:gd name="connsiteY11" fmla="*/ 14997 h 6858000"/>
+            </a:gdLst>
+            <a:ahLst/>
+            <a:cxnLst>
+              <a:cxn ang="0">
+                <a:pos x="connsiteX0" y="connsiteY0"/>
+              </a:cxn>
+              <a:cxn ang="0">
+                <a:pos x="connsiteX1" y="connsiteY1"/>
+              </a:cxn>
+              <a:cxn ang="0">
+                <a:pos x="connsiteX2" y="connsiteY2"/>
+              </a:cxn>
+              <a:cxn ang="0">
+                <a:pos x="connsiteX3" y="connsiteY3"/>
+              </a:cxn>
+              <a:cxn ang="0">
+                <a:pos x="connsiteX4" y="connsiteY4"/>
+              </a:cxn>
+              <a:cxn ang="0">
+                <a:pos x="connsiteX5" y="connsiteY5"/>
+              </a:cxn>
+              <a:cxn ang="0">
+                <a:pos x="connsiteX6" y="connsiteY6"/>
+              </a:cxn>
+              <a:cxn ang="0">
+                <a:pos x="connsiteX7" y="connsiteY7"/>
+              </a:cxn>
+              <a:cxn ang="0">
+                <a:pos x="connsiteX8" y="connsiteY8"/>
+              </a:cxn>
+              <a:cxn ang="0">
+                <a:pos x="connsiteX9" y="connsiteY9"/>
+              </a:cxn>
+              <a:cxn ang="0">
+                <a:pos x="connsiteX10" y="connsiteY10"/>
+              </a:cxn>
+              <a:cxn ang="0">
+                <a:pos x="connsiteX11" y="connsiteY11"/>
+              </a:cxn>
+            </a:cxnLst>
+            <a:rect l="l" t="t" r="r" b="b"/>
+            <a:pathLst>
+              <a:path w="2521425" h="6858000">
+                <a:moveTo>
+                  <a:pt x="879731" y="0"/>
+                </a:moveTo>
+                <a:lnTo>
+                  <a:pt x="898402" y="0"/>
+                </a:lnTo>
+                <a:lnTo>
+                  <a:pt x="920526" y="14997"/>
+                </a:lnTo>
+                <a:cubicBezTo>
+                  <a:pt x="1947689" y="754641"/>
+                  <a:pt x="2521425" y="2093192"/>
+                  <a:pt x="2521425" y="3621656"/>
+                </a:cubicBezTo>
+                <a:cubicBezTo>
+                  <a:pt x="2521425" y="4969131"/>
+                  <a:pt x="1592700" y="5602839"/>
+                  <a:pt x="647075" y="6374814"/>
+                </a:cubicBezTo>
+                <a:cubicBezTo>
+                  <a:pt x="474872" y="6515397"/>
+                  <a:pt x="304245" y="6653108"/>
+                  <a:pt x="130427" y="6780599"/>
+                </a:cubicBezTo>
+                <a:lnTo>
+                  <a:pt x="18671" y="6858000"/>
+                </a:lnTo>
+                <a:lnTo>
+                  <a:pt x="0" y="6858000"/>
+                </a:lnTo>
+                <a:lnTo>
+                  <a:pt x="111756" y="6780599"/>
+                </a:lnTo>
+                <a:cubicBezTo>
+                  <a:pt x="285574" y="6653108"/>
+                  <a:pt x="456201" y="6515397"/>
+                  <a:pt x="628404" y="6374814"/>
+                </a:cubicBezTo>
+                <a:cubicBezTo>
+                  <a:pt x="1574029" y="5602839"/>
+                  <a:pt x="2502754" y="4969131"/>
+                  <a:pt x="2502754" y="3621656"/>
+                </a:cubicBezTo>
+                <a:cubicBezTo>
+                  <a:pt x="2502754" y="2093192"/>
+                  <a:pt x="1929018" y="754641"/>
+                  <a:pt x="901855" y="14997"/>
+                </a:cubicBezTo>
+                <a:close/>
+              </a:path>
+            </a:pathLst>
+          </a:custGeom>
+          <a:solidFill>
+            <a:srgbClr val="FFFFFF"/>
+          </a:solidFill>
+          <a:ln>
+            <a:noFill/>
+          </a:ln>
+        </p:spPr>
+        <p:style>
+          <a:lnRef idx="2">
+            <a:schemeClr val="accent1">
+              <a:shade val="50000"/>
+            </a:schemeClr>
+          </a:lnRef>
+          <a:fillRef idx="1">
+            <a:schemeClr val="accent1"/>
+          </a:fillRef>
+          <a:effectRef idx="0">
+            <a:schemeClr val="accent1"/>
+          </a:effectRef>
+          <a:fontRef idx="minor">
+            <a:schemeClr val="lt1"/>
+          </a:fontRef>
+        </p:style>
+        <p:txBody>
+          <a:bodyPr wrap="square" rtlCol="0" anchor="ctr">
+            <a:noAutofit/>
+          </a:bodyPr>
+          <a:lstStyle/>
+          <a:p>
+            <a:pPr marL="0" marR="0" lvl="0" indent="0" algn="ctr" defTabSz="914400" rtl="0" eaLnBrk="1" fontAlgn="auto" latinLnBrk="0" hangingPunct="1">
+              <a:lnSpc>
+                <a:spcPct val="100000"/>
+              </a:lnSpc>
+              <a:spcBef>
+                <a:spcPts val="0"/>
+              </a:spcBef>
+              <a:spcAft>
+                <a:spcPts val="0"/>
+              </a:spcAft>
+              <a:buClrTx/>
+              <a:buSzTx/>
+              <a:buFontTx/>
+              <a:buNone/>
+              <a:tabLst/>
+              <a:defRPr/>
+            </a:pPr>
+            <a:endParaRPr kumimoji="0" lang="en-US" sz="1800" b="0" i="0" u="none" strike="noStrike" kern="1200" cap="none" spc="0" normalizeH="0" baseline="0" noProof="0" dirty="0">
+              <a:ln>
+                <a:noFill/>
+              </a:ln>
+              <a:solidFill>
+                <a:prstClr val="white"/>
+              </a:solidFill>
+              <a:effectLst/>
+              <a:uLnTx/>
+              <a:uFillTx/>
+              <a:latin typeface="Meiryo"/>
+              <a:ea typeface="+mn-ea"/>
+              <a:cs typeface="+mn-cs"/>
+            </a:endParaRPr>
+          </a:p>
+        </p:txBody>
+      </p:sp>
+      <p:sp>
+        <p:nvSpPr>
+          <p:cNvPr id="7" name="Title 6">
+            <a:extLst>
+              <a:ext uri="{FF2B5EF4-FFF2-40B4-BE49-F238E27FC236}">
+                <a16:creationId xmlns:a16="http://schemas.microsoft.com/office/drawing/2014/main" id="{17628EED-7F77-E99A-BD22-59D8ECA1CA08}"/>
+              </a:ext>
+            </a:extLst>
+          </p:cNvPr>
+          <p:cNvSpPr>
+            <a:spLocks noGrp="1"/>
+          </p:cNvSpPr>
+          <p:nvPr>
+            <p:ph type="title"/>
+          </p:nvPr>
+        </p:nvSpPr>
+        <p:spPr>
+          <a:xfrm>
+            <a:off x="2190750" y="1346268"/>
+            <a:ext cx="7810500" cy="3125338"/>
+          </a:xfrm>
+        </p:spPr>
+        <p:txBody>
+          <a:bodyPr vert="horz" lIns="109728" tIns="109728" rIns="109728" bIns="91440" rtlCol="0" anchor="b">
+            <a:normAutofit/>
+          </a:bodyPr>
+          <a:lstStyle/>
+          <a:p>
+            <a:pPr algn="ctr">
+              <a:lnSpc>
+                <a:spcPct val="120000"/>
+              </a:lnSpc>
+            </a:pPr>
+            <a:r>
+              <a:rPr lang="en-NG" sz="7200" dirty="0">
+                <a:solidFill>
+                  <a:schemeClr val="tx1">
+                    <a:lumMod val="85000"/>
+                    <a:lumOff val="15000"/>
+                  </a:schemeClr>
+                </a:solidFill>
+              </a:rPr>
+              <a:t>Demonstration</a:t>
+            </a:r>
+            <a:endParaRPr lang="en-US" sz="7200" dirty="0">
+              <a:solidFill>
+                <a:schemeClr val="tx1">
+                  <a:lumMod val="85000"/>
+                  <a:lumOff val="15000"/>
+                </a:schemeClr>
+              </a:solidFill>
+            </a:endParaRPr>
+          </a:p>
+        </p:txBody>
+      </p:sp>
+      <p:sp>
+        <p:nvSpPr>
+          <p:cNvPr id="3" name="Text Placeholder 2">
+            <a:extLst>
+              <a:ext uri="{FF2B5EF4-FFF2-40B4-BE49-F238E27FC236}">
+                <a16:creationId xmlns:a16="http://schemas.microsoft.com/office/drawing/2014/main" id="{D0DF694E-16D6-1A7C-944C-493D35FA2C29}"/>
+              </a:ext>
+            </a:extLst>
+          </p:cNvPr>
+          <p:cNvSpPr>
+            <a:spLocks noGrp="1"/>
+          </p:cNvSpPr>
+          <p:nvPr>
+            <p:ph type="body" idx="1"/>
+          </p:nvPr>
+        </p:nvSpPr>
+        <p:spPr>
+          <a:xfrm>
+            <a:off x="2619375" y="4471607"/>
+            <a:ext cx="6953250" cy="862394"/>
+          </a:xfrm>
+        </p:spPr>
+        <p:txBody>
+          <a:bodyPr vert="horz" lIns="109728" tIns="109728" rIns="109728" bIns="91440" rtlCol="0" anchor="t">
+            <a:normAutofit/>
+          </a:bodyPr>
+          <a:lstStyle/>
+          <a:p>
+            <a:pPr algn="ctr">
+              <a:spcBef>
+                <a:spcPts val="930"/>
+              </a:spcBef>
+            </a:pPr>
+            <a:endParaRPr lang="en-US" sz="2400" dirty="0">
+              <a:solidFill>
+                <a:schemeClr val="tx1">
+                  <a:lumMod val="85000"/>
+                  <a:lumOff val="15000"/>
+                </a:schemeClr>
+              </a:solidFill>
+            </a:endParaRPr>
+          </a:p>
+        </p:txBody>
+      </p:sp>
+      <p:pic>
+        <p:nvPicPr>
+          <p:cNvPr id="4" name="Picture 3" descr="A cartoon of a person holding a sign and a megaphone&#10;&#10;Description automatically generated">
+            <a:extLst>
+              <a:ext uri="{FF2B5EF4-FFF2-40B4-BE49-F238E27FC236}">
+                <a16:creationId xmlns:a16="http://schemas.microsoft.com/office/drawing/2014/main" id="{A2CC1878-82A1-CEDC-FE8B-6621E4BC89AC}"/>
+              </a:ext>
+            </a:extLst>
+          </p:cNvPr>
+          <p:cNvPicPr>
+            <a:picLocks noChangeAspect="1"/>
+          </p:cNvPicPr>
+          <p:nvPr/>
+        </p:nvPicPr>
+        <p:blipFill>
+          <a:blip r:embed="rId3">
+            <a:extLst>
+              <a:ext uri="{28A0092B-C50C-407E-A947-70E740481C1C}">
+                <a14:useLocalDpi xmlns:a14="http://schemas.microsoft.com/office/drawing/2010/main" val="0"/>
+              </a:ext>
+            </a:extLst>
+          </a:blip>
+          <a:stretch>
+            <a:fillRect/>
+          </a:stretch>
+        </p:blipFill>
+        <p:spPr>
+          <a:xfrm>
+            <a:off x="1616698" y="-122476"/>
+            <a:ext cx="5780957" cy="3292950"/>
+          </a:xfrm>
+          <a:prstGeom prst="rect">
+            <a:avLst/>
+          </a:prstGeom>
+        </p:spPr>
+      </p:pic>
+    </p:spTree>
+    <p:extLst>
+      <p:ext uri="{BB962C8B-B14F-4D97-AF65-F5344CB8AC3E}">
+        <p14:creationId xmlns:p14="http://schemas.microsoft.com/office/powerpoint/2010/main" val="1268788739"/>
+      </p:ext>
+    </p:extLst>
+  </p:cSld>
+  <p:clrMapOvr>
+    <a:masterClrMapping/>
+  </p:clrMapOvr>
+</p:sld>
+</file>
+
+<file path=ppt/slides/slide11.xml><?xml version="1.0" encoding="utf-8"?>
+<p:sld xmlns:a="http://schemas.openxmlformats.org/drawingml/2006/main" xmlns:r="http://schemas.openxmlformats.org/officeDocument/2006/relationships" xmlns:p="http://schemas.openxmlformats.org/presentationml/2006/main">
+  <p:cSld>
+    <p:bg>
+      <p:bgPr>
+        <a:solidFill>
+          <a:schemeClr val="bg2"/>
+        </a:solidFill>
+        <a:effectLst/>
+      </p:bgPr>
+    </p:bg>
+    <p:spTree>
+      <p:nvGrpSpPr>
+        <p:cNvPr id="1" name="">
+          <a:extLst>
+            <a:ext uri="{FF2B5EF4-FFF2-40B4-BE49-F238E27FC236}">
+              <a16:creationId xmlns:a16="http://schemas.microsoft.com/office/drawing/2014/main" id="{6BCB0A7E-7D70-04E8-9DF3-128E404ACEFF}"/>
+            </a:ext>
+          </a:extLst>
+        </p:cNvPr>
+        <p:cNvGrpSpPr/>
+        <p:nvPr/>
+      </p:nvGrpSpPr>
+      <p:grpSpPr>
+        <a:xfrm>
+          <a:off x="0" y="0"/>
+          <a:ext cx="0" cy="0"/>
+          <a:chOff x="0" y="0"/>
+          <a:chExt cx="0" cy="0"/>
+        </a:xfrm>
+      </p:grpSpPr>
+      <p:sp>
+        <p:nvSpPr>
+          <p:cNvPr id="20" name="Freeform: Shape 19">
+            <a:extLst>
+              <a:ext uri="{FF2B5EF4-FFF2-40B4-BE49-F238E27FC236}">
+                <a16:creationId xmlns:a16="http://schemas.microsoft.com/office/drawing/2014/main" id="{9B0F7D69-D93C-4C38-A23D-76E000D691CD}"/>
+              </a:ext>
+              <a:ext uri="{C183D7F6-B498-43B3-948B-1728B52AA6E4}">
+                <adec:decorative xmlns:adec="http://schemas.microsoft.com/office/drawing/2017/decorative" val="1"/>
+              </a:ext>
+            </a:extLst>
+          </p:cNvPr>
+          <p:cNvSpPr>
+            <a:spLocks noGrp="1" noRot="1" noChangeAspect="1" noMove="1" noResize="1" noEditPoints="1" noAdjustHandles="1" noChangeArrowheads="1" noChangeShapeType="1" noTextEdit="1"/>
+          </p:cNvSpPr>
+          <p:nvPr>
+            <p:extLst>
+              <p:ext uri="{386F3935-93C4-4BCD-93E2-E3B085C9AB24}">
+                <p16:designElem xmlns:p16="http://schemas.microsoft.com/office/powerpoint/2015/main" val="1"/>
+              </p:ext>
+            </p:extLst>
+          </p:nvPr>
+        </p:nvSpPr>
+        <p:spPr>
+          <a:xfrm>
+            <a:off x="0" y="0"/>
+            <a:ext cx="3496422" cy="6858000"/>
+          </a:xfrm>
+          <a:custGeom>
+            <a:avLst/>
+            <a:gdLst/>
+            <a:ahLst/>
+            <a:cxnLst/>
+            <a:rect l="l" t="t" r="r" b="b"/>
+            <a:pathLst>
+              <a:path w="3496422" h="6858000">
+                <a:moveTo>
+                  <a:pt x="0" y="0"/>
+                </a:moveTo>
+                <a:lnTo>
+                  <a:pt x="1873399" y="0"/>
+                </a:lnTo>
+                <a:lnTo>
+                  <a:pt x="1895523" y="14997"/>
+                </a:lnTo>
+                <a:cubicBezTo>
+                  <a:pt x="2922686" y="754641"/>
+                  <a:pt x="3496422" y="2093192"/>
+                  <a:pt x="3496422" y="3621656"/>
+                </a:cubicBezTo>
+                <a:cubicBezTo>
+                  <a:pt x="3496422" y="4969131"/>
+                  <a:pt x="2567697" y="5602839"/>
+                  <a:pt x="1622072" y="6374814"/>
+                </a:cubicBezTo>
+                <a:cubicBezTo>
+                  <a:pt x="1449869" y="6515397"/>
+                  <a:pt x="1279242" y="6653108"/>
+                  <a:pt x="1105424" y="6780599"/>
+                </a:cubicBezTo>
+                <a:lnTo>
+                  <a:pt x="993668" y="6858000"/>
+                </a:lnTo>
+                <a:lnTo>
+                  <a:pt x="0" y="6858000"/>
+                </a:lnTo>
+                <a:close/>
+              </a:path>
+            </a:pathLst>
+          </a:custGeom>
+          <a:solidFill>
+            <a:srgbClr val="FFFFFF">
+              <a:alpha val="60000"/>
+            </a:srgbClr>
+          </a:solidFill>
+          <a:ln>
+            <a:noFill/>
+          </a:ln>
+        </p:spPr>
+        <p:style>
+          <a:lnRef idx="2">
+            <a:schemeClr val="accent1">
+              <a:shade val="50000"/>
+            </a:schemeClr>
+          </a:lnRef>
+          <a:fillRef idx="1">
+            <a:schemeClr val="accent1"/>
+          </a:fillRef>
+          <a:effectRef idx="0">
+            <a:schemeClr val="accent1"/>
+          </a:effectRef>
+          <a:fontRef idx="minor">
+            <a:schemeClr val="lt1"/>
+          </a:fontRef>
+        </p:style>
+        <p:txBody>
+          <a:bodyPr wrap="square" rtlCol="0" anchor="ctr">
+            <a:noAutofit/>
+          </a:bodyPr>
+          <a:lstStyle/>
+          <a:p>
+            <a:pPr algn="ctr"/>
+            <a:endParaRPr lang="en-US" dirty="0"/>
+          </a:p>
+        </p:txBody>
+      </p:sp>
+      <p:sp>
+        <p:nvSpPr>
+          <p:cNvPr id="22" name="Freeform: Shape 21">
+            <a:extLst>
+              <a:ext uri="{FF2B5EF4-FFF2-40B4-BE49-F238E27FC236}">
+                <a16:creationId xmlns:a16="http://schemas.microsoft.com/office/drawing/2014/main" id="{8CD419D4-EA9D-42D9-BF62-B07F0B7B672B}"/>
+              </a:ext>
+              <a:ext uri="{C183D7F6-B498-43B3-948B-1728B52AA6E4}">
+                <adec:decorative xmlns:adec="http://schemas.microsoft.com/office/drawing/2017/decorative" val="1"/>
+              </a:ext>
+            </a:extLst>
+          </p:cNvPr>
+          <p:cNvSpPr>
+            <a:spLocks noGrp="1" noRot="1" noChangeAspect="1" noMove="1" noResize="1" noEditPoints="1" noAdjustHandles="1" noChangeArrowheads="1" noChangeShapeType="1" noTextEdit="1"/>
+          </p:cNvSpPr>
+          <p:nvPr>
+            <p:extLst>
+              <p:ext uri="{386F3935-93C4-4BCD-93E2-E3B085C9AB24}">
+                <p16:designElem xmlns:p16="http://schemas.microsoft.com/office/powerpoint/2015/main" val="1"/>
+              </p:ext>
+            </p:extLst>
+          </p:nvPr>
+        </p:nvSpPr>
+        <p:spPr>
+          <a:xfrm>
+            <a:off x="1375409" y="0"/>
+            <a:ext cx="2529723" cy="6858000"/>
+          </a:xfrm>
+          <a:custGeom>
+            <a:avLst/>
+            <a:gdLst/>
+            <a:ahLst/>
+            <a:cxnLst/>
+            <a:rect l="l" t="t" r="r" b="b"/>
+            <a:pathLst>
+              <a:path w="2529723" h="6858000">
+                <a:moveTo>
+                  <a:pt x="1258269" y="0"/>
+                </a:moveTo>
+                <a:lnTo>
+                  <a:pt x="1275627" y="0"/>
+                </a:lnTo>
+                <a:lnTo>
+                  <a:pt x="1302560" y="24338"/>
+                </a:lnTo>
+                <a:cubicBezTo>
+                  <a:pt x="2156831" y="855667"/>
+                  <a:pt x="2590622" y="2191755"/>
+                  <a:pt x="2522825" y="3678515"/>
+                </a:cubicBezTo>
+                <a:cubicBezTo>
+                  <a:pt x="2459072" y="5076606"/>
+                  <a:pt x="1519830" y="5692656"/>
+                  <a:pt x="557500" y="6451411"/>
+                </a:cubicBezTo>
+                <a:cubicBezTo>
+                  <a:pt x="382255" y="6589587"/>
+                  <a:pt x="208689" y="6724853"/>
+                  <a:pt x="32482" y="6849373"/>
+                </a:cubicBezTo>
+                <a:lnTo>
+                  <a:pt x="19531" y="6858000"/>
+                </a:lnTo>
+                <a:lnTo>
+                  <a:pt x="0" y="6858000"/>
+                </a:lnTo>
+                <a:lnTo>
+                  <a:pt x="14202" y="6848540"/>
+                </a:lnTo>
+                <a:cubicBezTo>
+                  <a:pt x="190409" y="6724020"/>
+                  <a:pt x="363976" y="6588754"/>
+                  <a:pt x="539221" y="6450578"/>
+                </a:cubicBezTo>
+                <a:cubicBezTo>
+                  <a:pt x="1501550" y="5691822"/>
+                  <a:pt x="2440792" y="5075773"/>
+                  <a:pt x="2504546" y="3677682"/>
+                </a:cubicBezTo>
+                <a:cubicBezTo>
+                  <a:pt x="2572343" y="2190921"/>
+                  <a:pt x="2138551" y="854834"/>
+                  <a:pt x="1284280" y="23504"/>
+                </a:cubicBezTo>
+                <a:close/>
+              </a:path>
+            </a:pathLst>
+          </a:custGeom>
+          <a:solidFill>
+            <a:srgbClr val="FFFFFF"/>
+          </a:solidFill>
+          <a:ln>
+            <a:noFill/>
+          </a:ln>
+        </p:spPr>
+        <p:style>
+          <a:lnRef idx="2">
+            <a:schemeClr val="accent1">
+              <a:shade val="50000"/>
+            </a:schemeClr>
+          </a:lnRef>
+          <a:fillRef idx="1">
+            <a:schemeClr val="accent1"/>
+          </a:fillRef>
+          <a:effectRef idx="0">
+            <a:schemeClr val="accent1"/>
+          </a:effectRef>
+          <a:fontRef idx="minor">
+            <a:schemeClr val="lt1"/>
+          </a:fontRef>
+        </p:style>
+        <p:txBody>
+          <a:bodyPr wrap="square" rtlCol="0" anchor="ctr">
+            <a:noAutofit/>
+          </a:bodyPr>
+          <a:lstStyle/>
+          <a:p>
+            <a:pPr marL="0" marR="0" lvl="0" indent="0" algn="ctr" defTabSz="457200" rtl="0" eaLnBrk="1" fontAlgn="auto" latinLnBrk="0" hangingPunct="1">
+              <a:lnSpc>
+                <a:spcPct val="100000"/>
+              </a:lnSpc>
+              <a:spcBef>
+                <a:spcPts val="0"/>
+              </a:spcBef>
+              <a:spcAft>
+                <a:spcPts val="0"/>
+              </a:spcAft>
+              <a:buClrTx/>
+              <a:buSzTx/>
+              <a:buFontTx/>
+              <a:buNone/>
+              <a:tabLst/>
+              <a:defRPr/>
+            </a:pPr>
+            <a:endParaRPr kumimoji="0" lang="en-US" sz="1800" b="0" i="0" u="none" strike="noStrike" kern="1200" cap="none" spc="0" normalizeH="0" baseline="0" noProof="0" dirty="0">
+              <a:ln>
+                <a:noFill/>
+              </a:ln>
+              <a:solidFill>
+                <a:prstClr val="white"/>
+              </a:solidFill>
+              <a:effectLst/>
+              <a:uLnTx/>
+              <a:uFillTx/>
+              <a:latin typeface="Meiryo"/>
+              <a:ea typeface="+mn-ea"/>
+              <a:cs typeface="+mn-cs"/>
+            </a:endParaRPr>
+          </a:p>
+        </p:txBody>
+      </p:sp>
+      <p:sp>
+        <p:nvSpPr>
+          <p:cNvPr id="19" name="Freeform: Shape 18">
+            <a:extLst>
+              <a:ext uri="{FF2B5EF4-FFF2-40B4-BE49-F238E27FC236}">
+                <a16:creationId xmlns:a16="http://schemas.microsoft.com/office/drawing/2014/main" id="{1C6FEC9B-9608-4181-A9E5-A1B80E72021C}"/>
+              </a:ext>
+              <a:ext uri="{C183D7F6-B498-43B3-948B-1728B52AA6E4}">
+                <adec:decorative xmlns:adec="http://schemas.microsoft.com/office/drawing/2017/decorative" val="1"/>
+              </a:ext>
+            </a:extLst>
+          </p:cNvPr>
+          <p:cNvSpPr>
+            <a:spLocks noGrp="1" noRot="1" noChangeAspect="1" noMove="1" noResize="1" noEditPoints="1" noAdjustHandles="1" noChangeArrowheads="1" noChangeShapeType="1" noTextEdit="1"/>
+          </p:cNvSpPr>
+          <p:nvPr>
+            <p:extLst>
+              <p:ext uri="{386F3935-93C4-4BCD-93E2-E3B085C9AB24}">
+                <p16:designElem xmlns:p16="http://schemas.microsoft.com/office/powerpoint/2015/main" val="1"/>
+              </p:ext>
+            </p:extLst>
+          </p:nvPr>
+        </p:nvSpPr>
+        <p:spPr>
+          <a:xfrm>
+            <a:off x="1155402" y="0"/>
+            <a:ext cx="2536434" cy="6858000"/>
+          </a:xfrm>
+          <a:custGeom>
+            <a:avLst/>
+            <a:gdLst/>
+            <a:ahLst/>
+            <a:cxnLst/>
+            <a:rect l="l" t="t" r="r" b="b"/>
+            <a:pathLst>
+              <a:path w="2536434" h="6858000">
+                <a:moveTo>
+                  <a:pt x="879731" y="0"/>
+                </a:moveTo>
+                <a:lnTo>
+                  <a:pt x="913411" y="0"/>
+                </a:lnTo>
+                <a:lnTo>
+                  <a:pt x="935535" y="14997"/>
+                </a:lnTo>
+                <a:cubicBezTo>
+                  <a:pt x="1962698" y="754641"/>
+                  <a:pt x="2536434" y="2093192"/>
+                  <a:pt x="2536434" y="3621656"/>
+                </a:cubicBezTo>
+                <a:cubicBezTo>
+                  <a:pt x="2536434" y="4969131"/>
+                  <a:pt x="1607709" y="5602839"/>
+                  <a:pt x="662084" y="6374814"/>
+                </a:cubicBezTo>
+                <a:cubicBezTo>
+                  <a:pt x="489881" y="6515397"/>
+                  <a:pt x="319254" y="6653108"/>
+                  <a:pt x="145436" y="6780599"/>
+                </a:cubicBezTo>
+                <a:lnTo>
+                  <a:pt x="33680" y="6858000"/>
+                </a:lnTo>
+                <a:lnTo>
+                  <a:pt x="0" y="6858000"/>
+                </a:lnTo>
+                <a:lnTo>
+                  <a:pt x="111756" y="6780599"/>
+                </a:lnTo>
+                <a:cubicBezTo>
+                  <a:pt x="285574" y="6653108"/>
+                  <a:pt x="456201" y="6515397"/>
+                  <a:pt x="628404" y="6374814"/>
+                </a:cubicBezTo>
+                <a:cubicBezTo>
+                  <a:pt x="1574029" y="5602839"/>
+                  <a:pt x="2502754" y="4969131"/>
+                  <a:pt x="2502754" y="3621656"/>
+                </a:cubicBezTo>
+                <a:cubicBezTo>
+                  <a:pt x="2502754" y="2093192"/>
+                  <a:pt x="1929018" y="754641"/>
+                  <a:pt x="901855" y="14997"/>
+                </a:cubicBezTo>
+                <a:close/>
+              </a:path>
+            </a:pathLst>
+          </a:custGeom>
+          <a:solidFill>
+            <a:schemeClr val="bg1"/>
+          </a:solidFill>
+          <a:ln>
+            <a:noFill/>
+          </a:ln>
+        </p:spPr>
+        <p:style>
+          <a:lnRef idx="2">
+            <a:schemeClr val="accent1">
+              <a:shade val="50000"/>
+            </a:schemeClr>
+          </a:lnRef>
+          <a:fillRef idx="1">
+            <a:schemeClr val="accent1"/>
+          </a:fillRef>
+          <a:effectRef idx="0">
+            <a:schemeClr val="accent1"/>
+          </a:effectRef>
+          <a:fontRef idx="minor">
+            <a:schemeClr val="lt1"/>
+          </a:fontRef>
+        </p:style>
+        <p:txBody>
+          <a:bodyPr wrap="square" rtlCol="0" anchor="ctr">
+            <a:noAutofit/>
+          </a:bodyPr>
+          <a:lstStyle/>
+          <a:p>
+            <a:pPr marL="0" marR="0" lvl="0" indent="0" algn="ctr" defTabSz="914400" rtl="0" eaLnBrk="1" fontAlgn="auto" latinLnBrk="0" hangingPunct="1">
+              <a:lnSpc>
+                <a:spcPct val="100000"/>
+              </a:lnSpc>
+              <a:spcBef>
+                <a:spcPts val="0"/>
+              </a:spcBef>
+              <a:spcAft>
+                <a:spcPts val="0"/>
+              </a:spcAft>
+              <a:buClrTx/>
+              <a:buSzTx/>
+              <a:buFontTx/>
+              <a:buNone/>
+              <a:tabLst/>
+              <a:defRPr/>
+            </a:pPr>
+            <a:endParaRPr kumimoji="0" lang="en-US" sz="1800" b="0" i="0" u="none" strike="noStrike" kern="1200" cap="none" spc="0" normalizeH="0" baseline="0" noProof="0" dirty="0">
+              <a:ln>
+                <a:noFill/>
+              </a:ln>
+              <a:solidFill>
+                <a:prstClr val="white"/>
+              </a:solidFill>
+              <a:effectLst/>
+              <a:uLnTx/>
+              <a:uFillTx/>
+              <a:latin typeface="Meiryo"/>
+              <a:ea typeface="+mn-ea"/>
+              <a:cs typeface="+mn-cs"/>
+            </a:endParaRPr>
+          </a:p>
+        </p:txBody>
+      </p:sp>
+      <p:sp>
+        <p:nvSpPr>
+          <p:cNvPr id="21" name="Freeform: Shape 20">
+            <a:extLst>
+              <a:ext uri="{FF2B5EF4-FFF2-40B4-BE49-F238E27FC236}">
+                <a16:creationId xmlns:a16="http://schemas.microsoft.com/office/drawing/2014/main" id="{AB1564ED-F26F-451D-97D6-A6EC3E83FD55}"/>
+              </a:ext>
+              <a:ext uri="{C183D7F6-B498-43B3-948B-1728B52AA6E4}">
+                <adec:decorative xmlns:adec="http://schemas.microsoft.com/office/drawing/2017/decorative" val="1"/>
+              </a:ext>
+            </a:extLst>
+          </p:cNvPr>
+          <p:cNvSpPr>
+            <a:spLocks noGrp="1" noRot="1" noChangeAspect="1" noMove="1" noResize="1" noEditPoints="1" noAdjustHandles="1" noChangeArrowheads="1" noChangeShapeType="1" noTextEdit="1"/>
+          </p:cNvSpPr>
+          <p:nvPr>
+            <p:extLst>
+              <p:ext uri="{386F3935-93C4-4BCD-93E2-E3B085C9AB24}">
+                <p16:designElem xmlns:p16="http://schemas.microsoft.com/office/powerpoint/2015/main" val="1"/>
+              </p:ext>
+            </p:extLst>
+          </p:nvPr>
+        </p:nvSpPr>
+        <p:spPr>
+          <a:xfrm>
+            <a:off x="924161" y="0"/>
+            <a:ext cx="2261351" cy="6858000"/>
+          </a:xfrm>
+          <a:custGeom>
+            <a:avLst/>
+            <a:gdLst/>
+            <a:ahLst/>
+            <a:cxnLst/>
+            <a:rect l="l" t="t" r="r" b="b"/>
+            <a:pathLst>
+              <a:path w="2521425" h="6858000">
+                <a:moveTo>
+                  <a:pt x="879731" y="0"/>
+                </a:moveTo>
+                <a:lnTo>
+                  <a:pt x="898402" y="0"/>
+                </a:lnTo>
+                <a:lnTo>
+                  <a:pt x="920526" y="14997"/>
+                </a:lnTo>
+                <a:cubicBezTo>
+                  <a:pt x="1947689" y="754641"/>
+                  <a:pt x="2521425" y="2093192"/>
+                  <a:pt x="2521425" y="3621656"/>
+                </a:cubicBezTo>
+                <a:cubicBezTo>
+                  <a:pt x="2521425" y="4969131"/>
+                  <a:pt x="1592700" y="5602839"/>
+                  <a:pt x="647075" y="6374814"/>
+                </a:cubicBezTo>
+                <a:cubicBezTo>
+                  <a:pt x="474872" y="6515397"/>
+                  <a:pt x="304245" y="6653108"/>
+                  <a:pt x="130427" y="6780599"/>
+                </a:cubicBezTo>
+                <a:lnTo>
+                  <a:pt x="18671" y="6858000"/>
+                </a:lnTo>
+                <a:lnTo>
+                  <a:pt x="0" y="6858000"/>
+                </a:lnTo>
+                <a:lnTo>
+                  <a:pt x="111756" y="6780599"/>
+                </a:lnTo>
+                <a:cubicBezTo>
+                  <a:pt x="285574" y="6653108"/>
+                  <a:pt x="456201" y="6515397"/>
+                  <a:pt x="628404" y="6374814"/>
+                </a:cubicBezTo>
+                <a:cubicBezTo>
+                  <a:pt x="1574029" y="5602839"/>
+                  <a:pt x="2502754" y="4969131"/>
+                  <a:pt x="2502754" y="3621656"/>
+                </a:cubicBezTo>
+                <a:cubicBezTo>
+                  <a:pt x="2502754" y="2093192"/>
+                  <a:pt x="1929018" y="754641"/>
+                  <a:pt x="901855" y="14997"/>
+                </a:cubicBezTo>
+                <a:close/>
+              </a:path>
+            </a:pathLst>
+          </a:custGeom>
+          <a:solidFill>
+            <a:schemeClr val="bg2">
+              <a:lumMod val="90000"/>
+            </a:schemeClr>
+          </a:solidFill>
+          <a:ln>
+            <a:noFill/>
+          </a:ln>
+        </p:spPr>
+        <p:style>
+          <a:lnRef idx="2">
+            <a:schemeClr val="accent1">
+              <a:shade val="50000"/>
+            </a:schemeClr>
+          </a:lnRef>
+          <a:fillRef idx="1">
+            <a:schemeClr val="accent1"/>
+          </a:fillRef>
+          <a:effectRef idx="0">
+            <a:schemeClr val="accent1"/>
+          </a:effectRef>
+          <a:fontRef idx="minor">
+            <a:schemeClr val="lt1"/>
+          </a:fontRef>
+        </p:style>
+        <p:txBody>
+          <a:bodyPr wrap="square" rtlCol="0" anchor="ctr">
+            <a:noAutofit/>
+          </a:bodyPr>
+          <a:lstStyle/>
+          <a:p>
+            <a:pPr marL="0" marR="0" lvl="0" indent="0" algn="ctr" defTabSz="914400" rtl="0" eaLnBrk="1" fontAlgn="auto" latinLnBrk="0" hangingPunct="1">
+              <a:lnSpc>
+                <a:spcPct val="100000"/>
+              </a:lnSpc>
+              <a:spcBef>
+                <a:spcPts val="0"/>
+              </a:spcBef>
+              <a:spcAft>
+                <a:spcPts val="0"/>
+              </a:spcAft>
+              <a:buClrTx/>
+              <a:buSzTx/>
+              <a:buFontTx/>
+              <a:buNone/>
+              <a:tabLst/>
+              <a:defRPr/>
+            </a:pPr>
+            <a:endParaRPr kumimoji="0" lang="en-US" sz="1800" b="0" i="0" u="none" strike="noStrike" kern="1200" cap="none" spc="0" normalizeH="0" baseline="0" noProof="0">
+              <a:ln>
+                <a:noFill/>
+              </a:ln>
+              <a:solidFill>
+                <a:prstClr val="white"/>
+              </a:solidFill>
+              <a:effectLst/>
+              <a:uLnTx/>
+              <a:uFillTx/>
+              <a:latin typeface="Meiryo"/>
+              <a:ea typeface="+mn-ea"/>
+              <a:cs typeface="+mn-cs"/>
+            </a:endParaRPr>
+          </a:p>
+        </p:txBody>
+      </p:sp>
+      <p:sp>
+        <p:nvSpPr>
+          <p:cNvPr id="23" name="Freeform: Shape 22">
+            <a:extLst>
+              <a:ext uri="{FF2B5EF4-FFF2-40B4-BE49-F238E27FC236}">
+                <a16:creationId xmlns:a16="http://schemas.microsoft.com/office/drawing/2014/main" id="{0CA184B6-3482-4F43-87F0-BC765DCFD8A8}"/>
+              </a:ext>
+              <a:ext uri="{C183D7F6-B498-43B3-948B-1728B52AA6E4}">
+                <adec:decorative xmlns:adec="http://schemas.microsoft.com/office/drawing/2017/decorative" val="1"/>
+              </a:ext>
+            </a:extLst>
+          </p:cNvPr>
+          <p:cNvSpPr>
+            <a:spLocks noGrp="1" noRot="1" noChangeAspect="1" noMove="1" noResize="1" noEditPoints="1" noAdjustHandles="1" noChangeArrowheads="1" noChangeShapeType="1" noTextEdit="1"/>
+          </p:cNvSpPr>
+          <p:nvPr>
+            <p:extLst>
+              <p:ext uri="{386F3935-93C4-4BCD-93E2-E3B085C9AB24}">
+                <p16:designElem xmlns:p16="http://schemas.microsoft.com/office/powerpoint/2015/main" val="1"/>
+              </p:ext>
+            </p:extLst>
+          </p:nvPr>
+        </p:nvSpPr>
+        <p:spPr>
+          <a:xfrm>
+            <a:off x="0" y="0"/>
+            <a:ext cx="3496422" cy="6858000"/>
+          </a:xfrm>
+          <a:custGeom>
+            <a:avLst/>
+            <a:gdLst/>
+            <a:ahLst/>
+            <a:cxnLst/>
+            <a:rect l="l" t="t" r="r" b="b"/>
+            <a:pathLst>
+              <a:path w="3496422" h="6858000">
+                <a:moveTo>
+                  <a:pt x="0" y="0"/>
+                </a:moveTo>
+                <a:lnTo>
+                  <a:pt x="1873399" y="0"/>
+                </a:lnTo>
+                <a:lnTo>
+                  <a:pt x="1895523" y="14997"/>
+                </a:lnTo>
+                <a:cubicBezTo>
+                  <a:pt x="2922686" y="754641"/>
+                  <a:pt x="3496422" y="2093192"/>
+                  <a:pt x="3496422" y="3621656"/>
+                </a:cubicBezTo>
+                <a:cubicBezTo>
+                  <a:pt x="3496422" y="4969131"/>
+                  <a:pt x="2567697" y="5602839"/>
+                  <a:pt x="1622072" y="6374814"/>
+                </a:cubicBezTo>
+                <a:cubicBezTo>
+                  <a:pt x="1449869" y="6515397"/>
+                  <a:pt x="1279242" y="6653108"/>
+                  <a:pt x="1105424" y="6780599"/>
+                </a:cubicBezTo>
+                <a:lnTo>
+                  <a:pt x="993668" y="6858000"/>
+                </a:lnTo>
+                <a:lnTo>
+                  <a:pt x="0" y="6858000"/>
+                </a:lnTo>
+                <a:close/>
+              </a:path>
+            </a:pathLst>
+          </a:custGeom>
+          <a:solidFill>
+            <a:srgbClr val="FFFFFF">
+              <a:alpha val="60000"/>
+            </a:srgbClr>
+          </a:solidFill>
+          <a:ln>
+            <a:noFill/>
+          </a:ln>
+        </p:spPr>
+        <p:style>
+          <a:lnRef idx="2">
+            <a:schemeClr val="accent1">
+              <a:shade val="50000"/>
+            </a:schemeClr>
+          </a:lnRef>
+          <a:fillRef idx="1">
+            <a:schemeClr val="accent1"/>
+          </a:fillRef>
+          <a:effectRef idx="0">
+            <a:schemeClr val="accent1"/>
+          </a:effectRef>
+          <a:fontRef idx="minor">
+            <a:schemeClr val="lt1"/>
+          </a:fontRef>
+        </p:style>
+        <p:txBody>
+          <a:bodyPr wrap="square" rtlCol="0" anchor="ctr">
+            <a:noAutofit/>
+          </a:bodyPr>
+          <a:lstStyle/>
+          <a:p>
+            <a:pPr algn="ctr"/>
+            <a:endParaRPr lang="en-US" dirty="0"/>
+          </a:p>
+        </p:txBody>
+      </p:sp>
+      <p:sp>
+        <p:nvSpPr>
+          <p:cNvPr id="25" name="Freeform: Shape 24">
+            <a:extLst>
+              <a:ext uri="{FF2B5EF4-FFF2-40B4-BE49-F238E27FC236}">
+                <a16:creationId xmlns:a16="http://schemas.microsoft.com/office/drawing/2014/main" id="{6C869923-8380-4244-9548-802C330638A0}"/>
+              </a:ext>
+              <a:ext uri="{C183D7F6-B498-43B3-948B-1728B52AA6E4}">
+                <adec:decorative xmlns:adec="http://schemas.microsoft.com/office/drawing/2017/decorative" val="1"/>
+              </a:ext>
+            </a:extLst>
+          </p:cNvPr>
+          <p:cNvSpPr>
+            <a:spLocks noGrp="1" noRot="1" noChangeAspect="1" noMove="1" noResize="1" noEditPoints="1" noAdjustHandles="1" noChangeArrowheads="1" noChangeShapeType="1" noTextEdit="1"/>
+          </p:cNvSpPr>
+          <p:nvPr>
+            <p:extLst>
+              <p:ext uri="{386F3935-93C4-4BCD-93E2-E3B085C9AB24}">
+                <p16:designElem xmlns:p16="http://schemas.microsoft.com/office/powerpoint/2015/main" val="1"/>
+              </p:ext>
+            </p:extLst>
+          </p:nvPr>
+        </p:nvSpPr>
+        <p:spPr>
+          <a:xfrm>
+            <a:off x="1375409" y="0"/>
+            <a:ext cx="2529723" cy="6858000"/>
+          </a:xfrm>
+          <a:custGeom>
+            <a:avLst/>
+            <a:gdLst/>
+            <a:ahLst/>
+            <a:cxnLst/>
+            <a:rect l="l" t="t" r="r" b="b"/>
+            <a:pathLst>
+              <a:path w="2529723" h="6858000">
+                <a:moveTo>
+                  <a:pt x="1258269" y="0"/>
+                </a:moveTo>
+                <a:lnTo>
+                  <a:pt x="1275627" y="0"/>
+                </a:lnTo>
+                <a:lnTo>
+                  <a:pt x="1302560" y="24338"/>
+                </a:lnTo>
+                <a:cubicBezTo>
+                  <a:pt x="2156831" y="855667"/>
+                  <a:pt x="2590622" y="2191755"/>
+                  <a:pt x="2522825" y="3678515"/>
+                </a:cubicBezTo>
+                <a:cubicBezTo>
+                  <a:pt x="2459072" y="5076606"/>
+                  <a:pt x="1519830" y="5692656"/>
+                  <a:pt x="557500" y="6451411"/>
+                </a:cubicBezTo>
+                <a:cubicBezTo>
+                  <a:pt x="382255" y="6589587"/>
+                  <a:pt x="208689" y="6724853"/>
+                  <a:pt x="32482" y="6849373"/>
+                </a:cubicBezTo>
+                <a:lnTo>
+                  <a:pt x="19531" y="6858000"/>
+                </a:lnTo>
+                <a:lnTo>
+                  <a:pt x="0" y="6858000"/>
+                </a:lnTo>
+                <a:lnTo>
+                  <a:pt x="14202" y="6848540"/>
+                </a:lnTo>
+                <a:cubicBezTo>
+                  <a:pt x="190409" y="6724020"/>
+                  <a:pt x="363976" y="6588754"/>
+                  <a:pt x="539221" y="6450578"/>
+                </a:cubicBezTo>
+                <a:cubicBezTo>
+                  <a:pt x="1501550" y="5691822"/>
+                  <a:pt x="2440792" y="5075773"/>
+                  <a:pt x="2504546" y="3677682"/>
+                </a:cubicBezTo>
+                <a:cubicBezTo>
+                  <a:pt x="2572343" y="2190921"/>
+                  <a:pt x="2138551" y="854834"/>
+                  <a:pt x="1284280" y="23504"/>
+                </a:cubicBezTo>
+                <a:close/>
+              </a:path>
+            </a:pathLst>
+          </a:custGeom>
+          <a:solidFill>
+            <a:srgbClr val="FFFFFF"/>
+          </a:solidFill>
+          <a:ln>
+            <a:noFill/>
+          </a:ln>
+        </p:spPr>
+        <p:style>
+          <a:lnRef idx="2">
+            <a:schemeClr val="accent1">
+              <a:shade val="50000"/>
+            </a:schemeClr>
+          </a:lnRef>
+          <a:fillRef idx="1">
+            <a:schemeClr val="accent1"/>
+          </a:fillRef>
+          <a:effectRef idx="0">
+            <a:schemeClr val="accent1"/>
+          </a:effectRef>
+          <a:fontRef idx="minor">
+            <a:schemeClr val="lt1"/>
+          </a:fontRef>
+        </p:style>
+        <p:txBody>
+          <a:bodyPr wrap="square" rtlCol="0" anchor="ctr">
+            <a:noAutofit/>
+          </a:bodyPr>
+          <a:lstStyle/>
+          <a:p>
+            <a:pPr marL="0" marR="0" lvl="0" indent="0" algn="ctr" defTabSz="457200" rtl="0" eaLnBrk="1" fontAlgn="auto" latinLnBrk="0" hangingPunct="1">
+              <a:lnSpc>
+                <a:spcPct val="100000"/>
+              </a:lnSpc>
+              <a:spcBef>
+                <a:spcPts val="0"/>
+              </a:spcBef>
+              <a:spcAft>
+                <a:spcPts val="0"/>
+              </a:spcAft>
+              <a:buClrTx/>
+              <a:buSzTx/>
+              <a:buFontTx/>
+              <a:buNone/>
+              <a:tabLst/>
+              <a:defRPr/>
+            </a:pPr>
+            <a:endParaRPr kumimoji="0" lang="en-US" sz="1800" b="0" i="0" u="none" strike="noStrike" kern="1200" cap="none" spc="0" normalizeH="0" baseline="0" noProof="0" dirty="0">
+              <a:ln>
+                <a:noFill/>
+              </a:ln>
+              <a:solidFill>
+                <a:prstClr val="white"/>
+              </a:solidFill>
+              <a:effectLst/>
+              <a:uLnTx/>
+              <a:uFillTx/>
+              <a:latin typeface="Meiryo"/>
+              <a:ea typeface="+mn-ea"/>
+              <a:cs typeface="+mn-cs"/>
+            </a:endParaRPr>
+          </a:p>
+        </p:txBody>
+      </p:sp>
+      <p:sp>
+        <p:nvSpPr>
+          <p:cNvPr id="32" name="Freeform: Shape 31">
+            <a:extLst>
+              <a:ext uri="{FF2B5EF4-FFF2-40B4-BE49-F238E27FC236}">
+                <a16:creationId xmlns:a16="http://schemas.microsoft.com/office/drawing/2014/main" id="{C06255F2-BC67-4DDE-B34E-AC4BA21838CC}"/>
+              </a:ext>
+              <a:ext uri="{C183D7F6-B498-43B3-948B-1728B52AA6E4}">
+                <adec:decorative xmlns:adec="http://schemas.microsoft.com/office/drawing/2017/decorative" val="1"/>
+              </a:ext>
+            </a:extLst>
+          </p:cNvPr>
+          <p:cNvSpPr>
+            <a:spLocks noGrp="1" noRot="1" noChangeAspect="1" noMove="1" noResize="1" noEditPoints="1" noAdjustHandles="1" noChangeArrowheads="1" noChangeShapeType="1" noTextEdit="1"/>
+          </p:cNvSpPr>
+          <p:nvPr>
+            <p:extLst>
+              <p:ext uri="{386F3935-93C4-4BCD-93E2-E3B085C9AB24}">
+                <p16:designElem xmlns:p16="http://schemas.microsoft.com/office/powerpoint/2015/main" val="1"/>
+              </p:ext>
+            </p:extLst>
+          </p:nvPr>
+        </p:nvSpPr>
+        <p:spPr>
+          <a:xfrm>
+            <a:off x="1155402" y="0"/>
+            <a:ext cx="2536434" cy="6858000"/>
+          </a:xfrm>
+          <a:custGeom>
+            <a:avLst/>
+            <a:gdLst/>
+            <a:ahLst/>
+            <a:cxnLst/>
+            <a:rect l="l" t="t" r="r" b="b"/>
+            <a:pathLst>
+              <a:path w="2536434" h="6858000">
+                <a:moveTo>
+                  <a:pt x="879731" y="0"/>
+                </a:moveTo>
+                <a:lnTo>
+                  <a:pt x="913411" y="0"/>
+                </a:lnTo>
+                <a:lnTo>
+                  <a:pt x="935535" y="14997"/>
+                </a:lnTo>
+                <a:cubicBezTo>
+                  <a:pt x="1962698" y="754641"/>
+                  <a:pt x="2536434" y="2093192"/>
+                  <a:pt x="2536434" y="3621656"/>
+                </a:cubicBezTo>
+                <a:cubicBezTo>
+                  <a:pt x="2536434" y="4969131"/>
+                  <a:pt x="1607709" y="5602839"/>
+                  <a:pt x="662084" y="6374814"/>
+                </a:cubicBezTo>
+                <a:cubicBezTo>
+                  <a:pt x="489881" y="6515397"/>
+                  <a:pt x="319254" y="6653108"/>
+                  <a:pt x="145436" y="6780599"/>
+                </a:cubicBezTo>
+                <a:lnTo>
+                  <a:pt x="33680" y="6858000"/>
+                </a:lnTo>
+                <a:lnTo>
+                  <a:pt x="0" y="6858000"/>
+                </a:lnTo>
+                <a:lnTo>
+                  <a:pt x="111756" y="6780599"/>
+                </a:lnTo>
+                <a:cubicBezTo>
+                  <a:pt x="285574" y="6653108"/>
+                  <a:pt x="456201" y="6515397"/>
+                  <a:pt x="628404" y="6374814"/>
+                </a:cubicBezTo>
+                <a:cubicBezTo>
+                  <a:pt x="1574029" y="5602839"/>
+                  <a:pt x="2502754" y="4969131"/>
+                  <a:pt x="2502754" y="3621656"/>
+                </a:cubicBezTo>
+                <a:cubicBezTo>
+                  <a:pt x="2502754" y="2093192"/>
+                  <a:pt x="1929018" y="754641"/>
+                  <a:pt x="901855" y="14997"/>
+                </a:cubicBezTo>
+                <a:close/>
+              </a:path>
+            </a:pathLst>
+          </a:custGeom>
+          <a:solidFill>
+            <a:schemeClr val="bg1"/>
+          </a:solidFill>
+          <a:ln>
+            <a:noFill/>
+          </a:ln>
+        </p:spPr>
+        <p:style>
+          <a:lnRef idx="2">
+            <a:schemeClr val="accent1">
+              <a:shade val="50000"/>
+            </a:schemeClr>
+          </a:lnRef>
+          <a:fillRef idx="1">
+            <a:schemeClr val="accent1"/>
+          </a:fillRef>
+          <a:effectRef idx="0">
+            <a:schemeClr val="accent1"/>
+          </a:effectRef>
+          <a:fontRef idx="minor">
+            <a:schemeClr val="lt1"/>
+          </a:fontRef>
+        </p:style>
+        <p:txBody>
+          <a:bodyPr wrap="square" rtlCol="0" anchor="ctr">
+            <a:noAutofit/>
+          </a:bodyPr>
+          <a:lstStyle/>
+          <a:p>
+            <a:pPr marL="0" marR="0" lvl="0" indent="0" algn="ctr" defTabSz="914400" rtl="0" eaLnBrk="1" fontAlgn="auto" latinLnBrk="0" hangingPunct="1">
+              <a:lnSpc>
+                <a:spcPct val="100000"/>
+              </a:lnSpc>
+              <a:spcBef>
+                <a:spcPts val="0"/>
+              </a:spcBef>
+              <a:spcAft>
+                <a:spcPts val="0"/>
+              </a:spcAft>
+              <a:buClrTx/>
+              <a:buSzTx/>
+              <a:buFontTx/>
+              <a:buNone/>
+              <a:tabLst/>
+              <a:defRPr/>
+            </a:pPr>
+            <a:endParaRPr kumimoji="0" lang="en-US" sz="1800" b="0" i="0" u="none" strike="noStrike" kern="1200" cap="none" spc="0" normalizeH="0" baseline="0" noProof="0" dirty="0">
+              <a:ln>
+                <a:noFill/>
+              </a:ln>
+              <a:solidFill>
+                <a:prstClr val="white"/>
+              </a:solidFill>
+              <a:effectLst/>
+              <a:uLnTx/>
+              <a:uFillTx/>
+              <a:latin typeface="Meiryo"/>
+              <a:ea typeface="+mn-ea"/>
+              <a:cs typeface="+mn-cs"/>
+            </a:endParaRPr>
+          </a:p>
+        </p:txBody>
+      </p:sp>
+      <p:sp>
+        <p:nvSpPr>
+          <p:cNvPr id="34" name="Freeform: Shape 33">
+            <a:extLst>
+              <a:ext uri="{FF2B5EF4-FFF2-40B4-BE49-F238E27FC236}">
+                <a16:creationId xmlns:a16="http://schemas.microsoft.com/office/drawing/2014/main" id="{55169443-FCCD-4C0A-8C69-18CD3FA0968D}"/>
+              </a:ext>
+              <a:ext uri="{C183D7F6-B498-43B3-948B-1728B52AA6E4}">
+                <adec:decorative xmlns:adec="http://schemas.microsoft.com/office/drawing/2017/decorative" val="1"/>
+              </a:ext>
+            </a:extLst>
+          </p:cNvPr>
+          <p:cNvSpPr>
+            <a:spLocks noGrp="1" noRot="1" noChangeAspect="1" noMove="1" noResize="1" noEditPoints="1" noAdjustHandles="1" noChangeArrowheads="1" noChangeShapeType="1" noTextEdit="1"/>
+          </p:cNvSpPr>
+          <p:nvPr>
+            <p:extLst>
+              <p:ext uri="{386F3935-93C4-4BCD-93E2-E3B085C9AB24}">
+                <p16:designElem xmlns:p16="http://schemas.microsoft.com/office/powerpoint/2015/main" val="1"/>
+              </p:ext>
+            </p:extLst>
+          </p:nvPr>
+        </p:nvSpPr>
+        <p:spPr>
+          <a:xfrm>
+            <a:off x="924161" y="0"/>
+            <a:ext cx="2261351" cy="6858000"/>
+          </a:xfrm>
+          <a:custGeom>
+            <a:avLst/>
+            <a:gdLst/>
+            <a:ahLst/>
+            <a:cxnLst/>
+            <a:rect l="l" t="t" r="r" b="b"/>
+            <a:pathLst>
+              <a:path w="2521425" h="6858000">
+                <a:moveTo>
+                  <a:pt x="879731" y="0"/>
+                </a:moveTo>
+                <a:lnTo>
+                  <a:pt x="898402" y="0"/>
+                </a:lnTo>
+                <a:lnTo>
+                  <a:pt x="920526" y="14997"/>
+                </a:lnTo>
+                <a:cubicBezTo>
+                  <a:pt x="1947689" y="754641"/>
+                  <a:pt x="2521425" y="2093192"/>
+                  <a:pt x="2521425" y="3621656"/>
+                </a:cubicBezTo>
+                <a:cubicBezTo>
+                  <a:pt x="2521425" y="4969131"/>
+                  <a:pt x="1592700" y="5602839"/>
+                  <a:pt x="647075" y="6374814"/>
+                </a:cubicBezTo>
+                <a:cubicBezTo>
+                  <a:pt x="474872" y="6515397"/>
+                  <a:pt x="304245" y="6653108"/>
+                  <a:pt x="130427" y="6780599"/>
+                </a:cubicBezTo>
+                <a:lnTo>
+                  <a:pt x="18671" y="6858000"/>
+                </a:lnTo>
+                <a:lnTo>
+                  <a:pt x="0" y="6858000"/>
+                </a:lnTo>
+                <a:lnTo>
+                  <a:pt x="111756" y="6780599"/>
+                </a:lnTo>
+                <a:cubicBezTo>
+                  <a:pt x="285574" y="6653108"/>
+                  <a:pt x="456201" y="6515397"/>
+                  <a:pt x="628404" y="6374814"/>
+                </a:cubicBezTo>
+                <a:cubicBezTo>
+                  <a:pt x="1574029" y="5602839"/>
+                  <a:pt x="2502754" y="4969131"/>
+                  <a:pt x="2502754" y="3621656"/>
+                </a:cubicBezTo>
+                <a:cubicBezTo>
+                  <a:pt x="2502754" y="2093192"/>
+                  <a:pt x="1929018" y="754641"/>
+                  <a:pt x="901855" y="14997"/>
+                </a:cubicBezTo>
+                <a:close/>
+              </a:path>
+            </a:pathLst>
+          </a:custGeom>
+          <a:solidFill>
+            <a:schemeClr val="bg2">
+              <a:lumMod val="90000"/>
+            </a:schemeClr>
+          </a:solidFill>
+          <a:ln>
+            <a:noFill/>
+          </a:ln>
+        </p:spPr>
+        <p:style>
+          <a:lnRef idx="2">
+            <a:schemeClr val="accent1">
+              <a:shade val="50000"/>
+            </a:schemeClr>
+          </a:lnRef>
+          <a:fillRef idx="1">
+            <a:schemeClr val="accent1"/>
+          </a:fillRef>
+          <a:effectRef idx="0">
+            <a:schemeClr val="accent1"/>
+          </a:effectRef>
+          <a:fontRef idx="minor">
+            <a:schemeClr val="lt1"/>
+          </a:fontRef>
+        </p:style>
+        <p:txBody>
+          <a:bodyPr wrap="square" rtlCol="0" anchor="ctr">
+            <a:noAutofit/>
+          </a:bodyPr>
+          <a:lstStyle/>
+          <a:p>
+            <a:pPr marL="0" marR="0" lvl="0" indent="0" algn="ctr" defTabSz="914400" rtl="0" eaLnBrk="1" fontAlgn="auto" latinLnBrk="0" hangingPunct="1">
+              <a:lnSpc>
+                <a:spcPct val="100000"/>
+              </a:lnSpc>
+              <a:spcBef>
+                <a:spcPts val="0"/>
+              </a:spcBef>
+              <a:spcAft>
+                <a:spcPts val="0"/>
+              </a:spcAft>
+              <a:buClrTx/>
+              <a:buSzTx/>
+              <a:buFontTx/>
+              <a:buNone/>
+              <a:tabLst/>
+              <a:defRPr/>
+            </a:pPr>
+            <a:endParaRPr kumimoji="0" lang="en-US" sz="1800" b="0" i="0" u="none" strike="noStrike" kern="1200" cap="none" spc="0" normalizeH="0" baseline="0" noProof="0">
+              <a:ln>
+                <a:noFill/>
+              </a:ln>
+              <a:solidFill>
+                <a:prstClr val="white"/>
+              </a:solidFill>
+              <a:effectLst/>
+              <a:uLnTx/>
+              <a:uFillTx/>
+              <a:latin typeface="Meiryo"/>
+              <a:ea typeface="+mn-ea"/>
+              <a:cs typeface="+mn-cs"/>
+            </a:endParaRPr>
+          </a:p>
+        </p:txBody>
+      </p:sp>
+      <p:sp useBgFill="1">
+        <p:nvSpPr>
+          <p:cNvPr id="36" name="Rectangle 35">
+            <a:extLst>
+              <a:ext uri="{FF2B5EF4-FFF2-40B4-BE49-F238E27FC236}">
+                <a16:creationId xmlns:a16="http://schemas.microsoft.com/office/drawing/2014/main" id="{0DBF1ABE-8590-450D-BB49-BDDCCF3EEA9E}"/>
+              </a:ext>
+              <a:ext uri="{C183D7F6-B498-43B3-948B-1728B52AA6E4}">
+                <adec:decorative xmlns:adec="http://schemas.microsoft.com/office/drawing/2017/decorative" val="1"/>
+              </a:ext>
+            </a:extLst>
+          </p:cNvPr>
+          <p:cNvSpPr>
+            <a:spLocks noGrp="1" noRot="1" noChangeAspect="1" noMove="1" noResize="1" noEditPoints="1" noAdjustHandles="1" noChangeArrowheads="1" noChangeShapeType="1" noTextEdit="1"/>
+          </p:cNvSpPr>
+          <p:nvPr>
+            <p:extLst>
+              <p:ext uri="{386F3935-93C4-4BCD-93E2-E3B085C9AB24}">
+                <p16:designElem xmlns:p16="http://schemas.microsoft.com/office/powerpoint/2015/main" val="1"/>
+              </p:ext>
+            </p:extLst>
+          </p:nvPr>
+        </p:nvSpPr>
+        <p:spPr>
+          <a:xfrm>
+            <a:off x="305" y="0"/>
+            <a:ext cx="12191695" cy="6858000"/>
+          </a:xfrm>
+          <a:prstGeom prst="rect">
+            <a:avLst/>
+          </a:prstGeom>
+          <a:ln>
+            <a:noFill/>
+          </a:ln>
+        </p:spPr>
+        <p:style>
+          <a:lnRef idx="2">
+            <a:schemeClr val="accent1">
+              <a:shade val="50000"/>
+            </a:schemeClr>
+          </a:lnRef>
+          <a:fillRef idx="1">
+            <a:schemeClr val="accent1"/>
+          </a:fillRef>
+          <a:effectRef idx="0">
+            <a:schemeClr val="accent1"/>
+          </a:effectRef>
+          <a:fontRef idx="minor">
+            <a:schemeClr val="lt1"/>
+          </a:fontRef>
+        </p:style>
+        <p:txBody>
+          <a:bodyPr rtlCol="0" anchor="ctr"/>
+          <a:lstStyle/>
+          <a:p>
+            <a:pPr marL="0" marR="0" lvl="0" indent="0" algn="ctr" defTabSz="457200" rtl="0" eaLnBrk="1" fontAlgn="auto" latinLnBrk="0" hangingPunct="1">
+              <a:lnSpc>
+                <a:spcPct val="100000"/>
+              </a:lnSpc>
+              <a:spcBef>
+                <a:spcPts val="0"/>
+              </a:spcBef>
+              <a:spcAft>
+                <a:spcPts val="0"/>
+              </a:spcAft>
+              <a:buClrTx/>
+              <a:buSzTx/>
+              <a:buFontTx/>
+              <a:buNone/>
+              <a:tabLst/>
+              <a:defRPr/>
+            </a:pPr>
+            <a:endParaRPr kumimoji="0" lang="en-US" sz="1800" b="0" i="0" u="none" strike="noStrike" kern="1200" cap="none" spc="0" normalizeH="0" baseline="0" noProof="0" dirty="0">
+              <a:ln>
+                <a:noFill/>
+              </a:ln>
+              <a:solidFill>
+                <a:prstClr val="white"/>
+              </a:solidFill>
+              <a:effectLst/>
+              <a:uLnTx/>
+              <a:uFillTx/>
+              <a:latin typeface="Meiryo"/>
+              <a:ea typeface="+mn-ea"/>
+              <a:cs typeface="+mn-cs"/>
+            </a:endParaRPr>
+          </a:p>
+        </p:txBody>
+      </p:sp>
+      <p:pic>
+        <p:nvPicPr>
+          <p:cNvPr id="15" name="Picture 14" descr="Network Technology Background">
+            <a:extLst>
+              <a:ext uri="{FF2B5EF4-FFF2-40B4-BE49-F238E27FC236}">
+                <a16:creationId xmlns:a16="http://schemas.microsoft.com/office/drawing/2014/main" id="{E9109016-76F0-3FA6-A51C-3A2F3EE04A06}"/>
+              </a:ext>
+            </a:extLst>
+          </p:cNvPr>
+          <p:cNvPicPr>
+            <a:picLocks noChangeAspect="1"/>
+          </p:cNvPicPr>
+          <p:nvPr/>
+        </p:nvPicPr>
+        <p:blipFill>
+          <a:blip r:embed="rId2"/>
+          <a:srcRect r="-1" b="3408"/>
+          <a:stretch/>
+        </p:blipFill>
+        <p:spPr>
+          <a:xfrm>
+            <a:off x="1524" y="10"/>
+            <a:ext cx="12188952" cy="6857990"/>
+          </a:xfrm>
+          <a:prstGeom prst="rect">
+            <a:avLst/>
+          </a:prstGeom>
+        </p:spPr>
+      </p:pic>
+      <p:sp>
+        <p:nvSpPr>
+          <p:cNvPr id="38" name="Freeform: Shape 37">
+            <a:extLst>
+              <a:ext uri="{FF2B5EF4-FFF2-40B4-BE49-F238E27FC236}">
+                <a16:creationId xmlns:a16="http://schemas.microsoft.com/office/drawing/2014/main" id="{391F8D69-709A-4575-A393-B4C26481AF3B}"/>
+              </a:ext>
+              <a:ext uri="{C183D7F6-B498-43B3-948B-1728B52AA6E4}">
+                <adec:decorative xmlns:adec="http://schemas.microsoft.com/office/drawing/2017/decorative" val="1"/>
+              </a:ext>
+            </a:extLst>
+          </p:cNvPr>
+          <p:cNvSpPr>
+            <a:spLocks noGrp="1" noRot="1" noChangeAspect="1" noMove="1" noResize="1" noEditPoints="1" noAdjustHandles="1" noChangeArrowheads="1" noChangeShapeType="1" noTextEdit="1"/>
+          </p:cNvSpPr>
+          <p:nvPr>
+            <p:extLst>
+              <p:ext uri="{386F3935-93C4-4BCD-93E2-E3B085C9AB24}">
+                <p16:designElem xmlns:p16="http://schemas.microsoft.com/office/powerpoint/2015/main" val="1"/>
+              </p:ext>
+            </p:extLst>
+          </p:nvPr>
+        </p:nvSpPr>
+        <p:spPr>
+          <a:xfrm flipH="1">
+            <a:off x="966083" y="0"/>
+            <a:ext cx="9841377" cy="6858000"/>
+          </a:xfrm>
+          <a:custGeom>
+            <a:avLst/>
+            <a:gdLst>
+              <a:gd name="connsiteX0" fmla="*/ 8218354 w 9841377"/>
+              <a:gd name="connsiteY0" fmla="*/ 0 h 6858000"/>
+              <a:gd name="connsiteX1" fmla="*/ 5551962 w 9841377"/>
+              <a:gd name="connsiteY1" fmla="*/ 0 h 6858000"/>
+              <a:gd name="connsiteX2" fmla="*/ 5482342 w 9841377"/>
+              <a:gd name="connsiteY2" fmla="*/ 0 h 6858000"/>
+              <a:gd name="connsiteX3" fmla="*/ 4359035 w 9841377"/>
+              <a:gd name="connsiteY3" fmla="*/ 0 h 6858000"/>
+              <a:gd name="connsiteX4" fmla="*/ 4289415 w 9841377"/>
+              <a:gd name="connsiteY4" fmla="*/ 0 h 6858000"/>
+              <a:gd name="connsiteX5" fmla="*/ 1623023 w 9841377"/>
+              <a:gd name="connsiteY5" fmla="*/ 0 h 6858000"/>
+              <a:gd name="connsiteX6" fmla="*/ 1600899 w 9841377"/>
+              <a:gd name="connsiteY6" fmla="*/ 14997 h 6858000"/>
+              <a:gd name="connsiteX7" fmla="*/ 0 w 9841377"/>
+              <a:gd name="connsiteY7" fmla="*/ 3621656 h 6858000"/>
+              <a:gd name="connsiteX8" fmla="*/ 1874350 w 9841377"/>
+              <a:gd name="connsiteY8" fmla="*/ 6374814 h 6858000"/>
+              <a:gd name="connsiteX9" fmla="*/ 2390998 w 9841377"/>
+              <a:gd name="connsiteY9" fmla="*/ 6780599 h 6858000"/>
+              <a:gd name="connsiteX10" fmla="*/ 2502754 w 9841377"/>
+              <a:gd name="connsiteY10" fmla="*/ 6858000 h 6858000"/>
+              <a:gd name="connsiteX11" fmla="*/ 4289415 w 9841377"/>
+              <a:gd name="connsiteY11" fmla="*/ 6858000 h 6858000"/>
+              <a:gd name="connsiteX12" fmla="*/ 4359035 w 9841377"/>
+              <a:gd name="connsiteY12" fmla="*/ 6858000 h 6858000"/>
+              <a:gd name="connsiteX13" fmla="*/ 5482342 w 9841377"/>
+              <a:gd name="connsiteY13" fmla="*/ 6858000 h 6858000"/>
+              <a:gd name="connsiteX14" fmla="*/ 5551962 w 9841377"/>
+              <a:gd name="connsiteY14" fmla="*/ 6858000 h 6858000"/>
+              <a:gd name="connsiteX15" fmla="*/ 7338623 w 9841377"/>
+              <a:gd name="connsiteY15" fmla="*/ 6858000 h 6858000"/>
+              <a:gd name="connsiteX16" fmla="*/ 7450379 w 9841377"/>
+              <a:gd name="connsiteY16" fmla="*/ 6780599 h 6858000"/>
+              <a:gd name="connsiteX17" fmla="*/ 7967027 w 9841377"/>
+              <a:gd name="connsiteY17" fmla="*/ 6374814 h 6858000"/>
+              <a:gd name="connsiteX18" fmla="*/ 9841377 w 9841377"/>
+              <a:gd name="connsiteY18" fmla="*/ 3621656 h 6858000"/>
+              <a:gd name="connsiteX19" fmla="*/ 8240478 w 9841377"/>
+              <a:gd name="connsiteY19" fmla="*/ 14997 h 6858000"/>
+            </a:gdLst>
+            <a:ahLst/>
+            <a:cxnLst>
+              <a:cxn ang="0">
+                <a:pos x="connsiteX0" y="connsiteY0"/>
+              </a:cxn>
+              <a:cxn ang="0">
+                <a:pos x="connsiteX1" y="connsiteY1"/>
+              </a:cxn>
+              <a:cxn ang="0">
+                <a:pos x="connsiteX2" y="connsiteY2"/>
+              </a:cxn>
+              <a:cxn ang="0">
+                <a:pos x="connsiteX3" y="connsiteY3"/>
+              </a:cxn>
+              <a:cxn ang="0">
+                <a:pos x="connsiteX4" y="connsiteY4"/>
+              </a:cxn>
+              <a:cxn ang="0">
+                <a:pos x="connsiteX5" y="connsiteY5"/>
+              </a:cxn>
+              <a:cxn ang="0">
+                <a:pos x="connsiteX6" y="connsiteY6"/>
+              </a:cxn>
+              <a:cxn ang="0">
+                <a:pos x="connsiteX7" y="connsiteY7"/>
+              </a:cxn>
+              <a:cxn ang="0">
+                <a:pos x="connsiteX8" y="connsiteY8"/>
+              </a:cxn>
+              <a:cxn ang="0">
+                <a:pos x="connsiteX9" y="connsiteY9"/>
+              </a:cxn>
+              <a:cxn ang="0">
+                <a:pos x="connsiteX10" y="connsiteY10"/>
+              </a:cxn>
+              <a:cxn ang="0">
+                <a:pos x="connsiteX11" y="connsiteY11"/>
+              </a:cxn>
+              <a:cxn ang="0">
+                <a:pos x="connsiteX12" y="connsiteY12"/>
+              </a:cxn>
+              <a:cxn ang="0">
+                <a:pos x="connsiteX13" y="connsiteY13"/>
+              </a:cxn>
+              <a:cxn ang="0">
+                <a:pos x="connsiteX14" y="connsiteY14"/>
+              </a:cxn>
+              <a:cxn ang="0">
+                <a:pos x="connsiteX15" y="connsiteY15"/>
+              </a:cxn>
+              <a:cxn ang="0">
+                <a:pos x="connsiteX16" y="connsiteY16"/>
+              </a:cxn>
+              <a:cxn ang="0">
+                <a:pos x="connsiteX17" y="connsiteY17"/>
+              </a:cxn>
+              <a:cxn ang="0">
+                <a:pos x="connsiteX18" y="connsiteY18"/>
+              </a:cxn>
+              <a:cxn ang="0">
+                <a:pos x="connsiteX19" y="connsiteY19"/>
+              </a:cxn>
+            </a:cxnLst>
+            <a:rect l="l" t="t" r="r" b="b"/>
+            <a:pathLst>
+              <a:path w="9841377" h="6858000">
+                <a:moveTo>
+                  <a:pt x="8218354" y="0"/>
+                </a:moveTo>
+                <a:lnTo>
+                  <a:pt x="5551962" y="0"/>
+                </a:lnTo>
+                <a:lnTo>
+                  <a:pt x="5482342" y="0"/>
+                </a:lnTo>
+                <a:lnTo>
+                  <a:pt x="4359035" y="0"/>
+                </a:lnTo>
+                <a:lnTo>
+                  <a:pt x="4289415" y="0"/>
+                </a:lnTo>
+                <a:lnTo>
+                  <a:pt x="1623023" y="0"/>
+                </a:lnTo>
+                <a:lnTo>
+                  <a:pt x="1600899" y="14997"/>
+                </a:lnTo>
+                <a:cubicBezTo>
+                  <a:pt x="573736" y="754641"/>
+                  <a:pt x="0" y="2093192"/>
+                  <a:pt x="0" y="3621656"/>
+                </a:cubicBezTo>
+                <a:cubicBezTo>
+                  <a:pt x="0" y="4969131"/>
+                  <a:pt x="928725" y="5602839"/>
+                  <a:pt x="1874350" y="6374814"/>
+                </a:cubicBezTo>
+                <a:cubicBezTo>
+                  <a:pt x="2046553" y="6515397"/>
+                  <a:pt x="2217180" y="6653108"/>
+                  <a:pt x="2390998" y="6780599"/>
+                </a:cubicBezTo>
+                <a:lnTo>
+                  <a:pt x="2502754" y="6858000"/>
+                </a:lnTo>
+                <a:lnTo>
+                  <a:pt x="4289415" y="6858000"/>
+                </a:lnTo>
+                <a:lnTo>
+                  <a:pt x="4359035" y="6858000"/>
+                </a:lnTo>
+                <a:lnTo>
+                  <a:pt x="5482342" y="6858000"/>
+                </a:lnTo>
+                <a:lnTo>
+                  <a:pt x="5551962" y="6858000"/>
+                </a:lnTo>
+                <a:lnTo>
+                  <a:pt x="7338623" y="6858000"/>
+                </a:lnTo>
+                <a:lnTo>
+                  <a:pt x="7450379" y="6780599"/>
+                </a:lnTo>
+                <a:cubicBezTo>
+                  <a:pt x="7624197" y="6653108"/>
+                  <a:pt x="7794824" y="6515397"/>
+                  <a:pt x="7967027" y="6374814"/>
+                </a:cubicBezTo>
+                <a:cubicBezTo>
+                  <a:pt x="8912652" y="5602839"/>
+                  <a:pt x="9841377" y="4969131"/>
+                  <a:pt x="9841377" y="3621656"/>
+                </a:cubicBezTo>
+                <a:cubicBezTo>
+                  <a:pt x="9841377" y="2093192"/>
+                  <a:pt x="9267641" y="754641"/>
+                  <a:pt x="8240478" y="14997"/>
+                </a:cubicBezTo>
+                <a:close/>
+              </a:path>
+            </a:pathLst>
+          </a:custGeom>
+          <a:solidFill>
+            <a:schemeClr val="bg1">
+              <a:alpha val="85000"/>
+            </a:schemeClr>
+          </a:solidFill>
+          <a:ln>
+            <a:noFill/>
+          </a:ln>
+        </p:spPr>
+        <p:style>
+          <a:lnRef idx="2">
+            <a:schemeClr val="accent1">
+              <a:shade val="50000"/>
+            </a:schemeClr>
+          </a:lnRef>
+          <a:fillRef idx="1">
+            <a:schemeClr val="accent1"/>
+          </a:fillRef>
+          <a:effectRef idx="0">
+            <a:schemeClr val="accent1"/>
+          </a:effectRef>
+          <a:fontRef idx="minor">
+            <a:schemeClr val="lt1"/>
+          </a:fontRef>
+        </p:style>
+        <p:txBody>
+          <a:bodyPr wrap="square" rtlCol="0" anchor="ctr">
+            <a:noAutofit/>
+          </a:bodyPr>
+          <a:lstStyle/>
+          <a:p>
+            <a:pPr algn="ctr"/>
+            <a:endParaRPr lang="en-US"/>
+          </a:p>
+        </p:txBody>
+      </p:sp>
+      <p:sp>
+        <p:nvSpPr>
+          <p:cNvPr id="40" name="Freeform: Shape 39">
+            <a:extLst>
+              <a:ext uri="{FF2B5EF4-FFF2-40B4-BE49-F238E27FC236}">
+                <a16:creationId xmlns:a16="http://schemas.microsoft.com/office/drawing/2014/main" id="{C87A50C4-1191-461A-9E09-C8057F2AF01F}"/>
+              </a:ext>
+              <a:ext uri="{C183D7F6-B498-43B3-948B-1728B52AA6E4}">
+                <adec:decorative xmlns:adec="http://schemas.microsoft.com/office/drawing/2017/decorative" val="1"/>
+              </a:ext>
+            </a:extLst>
+          </p:cNvPr>
+          <p:cNvSpPr>
+            <a:spLocks noGrp="1" noRot="1" noChangeAspect="1" noMove="1" noResize="1" noEditPoints="1" noAdjustHandles="1" noChangeArrowheads="1" noChangeShapeType="1" noTextEdit="1"/>
+          </p:cNvSpPr>
+          <p:nvPr>
+            <p:extLst>
+              <p:ext uri="{386F3935-93C4-4BCD-93E2-E3B085C9AB24}">
+                <p16:designElem xmlns:p16="http://schemas.microsoft.com/office/powerpoint/2015/main" val="1"/>
+              </p:ext>
+            </p:extLst>
+          </p:nvPr>
+        </p:nvSpPr>
+        <p:spPr>
+          <a:xfrm flipH="1">
+            <a:off x="643035" y="0"/>
+            <a:ext cx="2265453" cy="6858000"/>
+          </a:xfrm>
+          <a:custGeom>
+            <a:avLst/>
+            <a:gdLst>
+              <a:gd name="connsiteX0" fmla="*/ 1117108 w 2265453"/>
+              <a:gd name="connsiteY0" fmla="*/ 0 h 6858000"/>
+              <a:gd name="connsiteX1" fmla="*/ 1099628 w 2265453"/>
+              <a:gd name="connsiteY1" fmla="*/ 0 h 6858000"/>
+              <a:gd name="connsiteX2" fmla="*/ 1175238 w 2265453"/>
+              <a:gd name="connsiteY2" fmla="*/ 82371 h 6858000"/>
+              <a:gd name="connsiteX3" fmla="*/ 2240276 w 2265453"/>
+              <a:gd name="connsiteY3" fmla="*/ 3734791 h 6858000"/>
+              <a:gd name="connsiteX4" fmla="*/ 274951 w 2265453"/>
+              <a:gd name="connsiteY4" fmla="*/ 6634678 h 6858000"/>
+              <a:gd name="connsiteX5" fmla="*/ 12802 w 2265453"/>
+              <a:gd name="connsiteY5" fmla="*/ 6848127 h 6858000"/>
+              <a:gd name="connsiteX6" fmla="*/ 0 w 2265453"/>
+              <a:gd name="connsiteY6" fmla="*/ 6858000 h 6858000"/>
+              <a:gd name="connsiteX7" fmla="*/ 19410 w 2265453"/>
+              <a:gd name="connsiteY7" fmla="*/ 6858000 h 6858000"/>
+              <a:gd name="connsiteX8" fmla="*/ 31082 w 2265453"/>
+              <a:gd name="connsiteY8" fmla="*/ 6848998 h 6858000"/>
+              <a:gd name="connsiteX9" fmla="*/ 293230 w 2265453"/>
+              <a:gd name="connsiteY9" fmla="*/ 6635549 h 6858000"/>
+              <a:gd name="connsiteX10" fmla="*/ 2258555 w 2265453"/>
+              <a:gd name="connsiteY10" fmla="*/ 3735662 h 6858000"/>
+              <a:gd name="connsiteX11" fmla="*/ 1193518 w 2265453"/>
+              <a:gd name="connsiteY11" fmla="*/ 83243 h 6858000"/>
+            </a:gdLst>
+            <a:ahLst/>
+            <a:cxnLst>
+              <a:cxn ang="0">
+                <a:pos x="connsiteX0" y="connsiteY0"/>
+              </a:cxn>
+              <a:cxn ang="0">
+                <a:pos x="connsiteX1" y="connsiteY1"/>
+              </a:cxn>
+              <a:cxn ang="0">
+                <a:pos x="connsiteX2" y="connsiteY2"/>
+              </a:cxn>
+              <a:cxn ang="0">
+                <a:pos x="connsiteX3" y="connsiteY3"/>
+              </a:cxn>
+              <a:cxn ang="0">
+                <a:pos x="connsiteX4" y="connsiteY4"/>
+              </a:cxn>
+              <a:cxn ang="0">
+                <a:pos x="connsiteX5" y="connsiteY5"/>
+              </a:cxn>
+              <a:cxn ang="0">
+                <a:pos x="connsiteX6" y="connsiteY6"/>
+              </a:cxn>
+              <a:cxn ang="0">
+                <a:pos x="connsiteX7" y="connsiteY7"/>
+              </a:cxn>
+              <a:cxn ang="0">
+                <a:pos x="connsiteX8" y="connsiteY8"/>
+              </a:cxn>
+              <a:cxn ang="0">
+                <a:pos x="connsiteX9" y="connsiteY9"/>
+              </a:cxn>
+              <a:cxn ang="0">
+                <a:pos x="connsiteX10" y="connsiteY10"/>
+              </a:cxn>
+              <a:cxn ang="0">
+                <a:pos x="connsiteX11" y="connsiteY11"/>
+              </a:cxn>
+            </a:cxnLst>
+            <a:rect l="l" t="t" r="r" b="b"/>
+            <a:pathLst>
+              <a:path w="2265453" h="6858000">
+                <a:moveTo>
+                  <a:pt x="1117108" y="0"/>
+                </a:moveTo>
+                <a:lnTo>
+                  <a:pt x="1099628" y="0"/>
+                </a:lnTo>
+                <a:lnTo>
+                  <a:pt x="1175238" y="82371"/>
+                </a:lnTo>
+                <a:cubicBezTo>
+                  <a:pt x="1926546" y="957940"/>
+                  <a:pt x="2303836" y="2277119"/>
+                  <a:pt x="2240276" y="3734791"/>
+                </a:cubicBezTo>
+                <a:cubicBezTo>
+                  <a:pt x="2176522" y="5196911"/>
+                  <a:pt x="1237280" y="5841173"/>
+                  <a:pt x="274951" y="6634678"/>
+                </a:cubicBezTo>
+                <a:cubicBezTo>
+                  <a:pt x="187328" y="6706930"/>
+                  <a:pt x="100126" y="6778421"/>
+                  <a:pt x="12802" y="6848127"/>
+                </a:cubicBezTo>
+                <a:lnTo>
+                  <a:pt x="0" y="6858000"/>
+                </a:lnTo>
+                <a:lnTo>
+                  <a:pt x="19410" y="6858000"/>
+                </a:lnTo>
+                <a:lnTo>
+                  <a:pt x="31082" y="6848998"/>
+                </a:lnTo>
+                <a:cubicBezTo>
+                  <a:pt x="118405" y="6779292"/>
+                  <a:pt x="205608" y="6707801"/>
+                  <a:pt x="293230" y="6635549"/>
+                </a:cubicBezTo>
+                <a:cubicBezTo>
+                  <a:pt x="1255560" y="5842045"/>
+                  <a:pt x="2194802" y="5197782"/>
+                  <a:pt x="2258555" y="3735662"/>
+                </a:cubicBezTo>
+                <a:cubicBezTo>
+                  <a:pt x="2322115" y="2277991"/>
+                  <a:pt x="1944825" y="958811"/>
+                  <a:pt x="1193518" y="83243"/>
+                </a:cubicBezTo>
+                <a:close/>
+              </a:path>
+            </a:pathLst>
+          </a:custGeom>
+          <a:solidFill>
+            <a:srgbClr val="FFFFFF"/>
+          </a:solidFill>
+          <a:ln>
+            <a:noFill/>
+          </a:ln>
+        </p:spPr>
+        <p:style>
+          <a:lnRef idx="2">
+            <a:schemeClr val="accent1">
+              <a:shade val="50000"/>
+            </a:schemeClr>
+          </a:lnRef>
+          <a:fillRef idx="1">
+            <a:schemeClr val="accent1"/>
+          </a:fillRef>
+          <a:effectRef idx="0">
+            <a:schemeClr val="accent1"/>
+          </a:effectRef>
+          <a:fontRef idx="minor">
+            <a:schemeClr val="lt1"/>
+          </a:fontRef>
+        </p:style>
+        <p:txBody>
+          <a:bodyPr wrap="square" rtlCol="0" anchor="ctr">
+            <a:noAutofit/>
+          </a:bodyPr>
+          <a:lstStyle/>
+          <a:p>
+            <a:pPr marL="0" marR="0" lvl="0" indent="0" algn="ctr" defTabSz="457200" rtl="0" eaLnBrk="1" fontAlgn="auto" latinLnBrk="0" hangingPunct="1">
+              <a:lnSpc>
+                <a:spcPct val="100000"/>
+              </a:lnSpc>
+              <a:spcBef>
+                <a:spcPts val="0"/>
+              </a:spcBef>
+              <a:spcAft>
+                <a:spcPts val="0"/>
+              </a:spcAft>
+              <a:buClrTx/>
+              <a:buSzTx/>
+              <a:buFontTx/>
+              <a:buNone/>
+              <a:tabLst/>
+              <a:defRPr/>
+            </a:pPr>
+            <a:endParaRPr kumimoji="0" lang="en-US" sz="1800" b="0" i="0" u="none" strike="noStrike" kern="1200" cap="none" spc="0" normalizeH="0" baseline="0" noProof="0" dirty="0">
+              <a:ln>
+                <a:noFill/>
+              </a:ln>
+              <a:solidFill>
+                <a:prstClr val="white"/>
+              </a:solidFill>
+              <a:effectLst/>
+              <a:uLnTx/>
+              <a:uFillTx/>
+              <a:latin typeface="Meiryo"/>
+              <a:ea typeface="+mn-ea"/>
+              <a:cs typeface="+mn-cs"/>
+            </a:endParaRPr>
+          </a:p>
+        </p:txBody>
+      </p:sp>
+      <p:sp>
+        <p:nvSpPr>
+          <p:cNvPr id="42" name="Freeform: Shape 41">
+            <a:extLst>
+              <a:ext uri="{FF2B5EF4-FFF2-40B4-BE49-F238E27FC236}">
+                <a16:creationId xmlns:a16="http://schemas.microsoft.com/office/drawing/2014/main" id="{BC87DA9F-8DB2-4D48-8716-A928FBB8A5D2}"/>
+              </a:ext>
+              <a:ext uri="{C183D7F6-B498-43B3-948B-1728B52AA6E4}">
+                <adec:decorative xmlns:adec="http://schemas.microsoft.com/office/drawing/2017/decorative" val="1"/>
+              </a:ext>
+            </a:extLst>
+          </p:cNvPr>
+          <p:cNvSpPr>
+            <a:spLocks noGrp="1" noRot="1" noChangeAspect="1" noMove="1" noResize="1" noEditPoints="1" noAdjustHandles="1" noChangeArrowheads="1" noChangeShapeType="1" noTextEdit="1"/>
+          </p:cNvSpPr>
+          <p:nvPr>
+            <p:extLst>
+              <p:ext uri="{386F3935-93C4-4BCD-93E2-E3B085C9AB24}">
+                <p16:designElem xmlns:p16="http://schemas.microsoft.com/office/powerpoint/2015/main" val="1"/>
+              </p:ext>
+            </p:extLst>
+          </p:nvPr>
+        </p:nvSpPr>
+        <p:spPr>
+          <a:xfrm flipH="1">
+            <a:off x="811033" y="0"/>
+            <a:ext cx="2486322" cy="6858000"/>
+          </a:xfrm>
+          <a:custGeom>
+            <a:avLst/>
+            <a:gdLst>
+              <a:gd name="connsiteX0" fmla="*/ 879731 w 2521425"/>
+              <a:gd name="connsiteY0" fmla="*/ 0 h 6858000"/>
+              <a:gd name="connsiteX1" fmla="*/ 898402 w 2521425"/>
+              <a:gd name="connsiteY1" fmla="*/ 0 h 6858000"/>
+              <a:gd name="connsiteX2" fmla="*/ 920526 w 2521425"/>
+              <a:gd name="connsiteY2" fmla="*/ 14997 h 6858000"/>
+              <a:gd name="connsiteX3" fmla="*/ 2521425 w 2521425"/>
+              <a:gd name="connsiteY3" fmla="*/ 3621656 h 6858000"/>
+              <a:gd name="connsiteX4" fmla="*/ 647075 w 2521425"/>
+              <a:gd name="connsiteY4" fmla="*/ 6374814 h 6858000"/>
+              <a:gd name="connsiteX5" fmla="*/ 130427 w 2521425"/>
+              <a:gd name="connsiteY5" fmla="*/ 6780599 h 6858000"/>
+              <a:gd name="connsiteX6" fmla="*/ 18671 w 2521425"/>
+              <a:gd name="connsiteY6" fmla="*/ 6858000 h 6858000"/>
+              <a:gd name="connsiteX7" fmla="*/ 0 w 2521425"/>
+              <a:gd name="connsiteY7" fmla="*/ 6858000 h 6858000"/>
+              <a:gd name="connsiteX8" fmla="*/ 111756 w 2521425"/>
+              <a:gd name="connsiteY8" fmla="*/ 6780599 h 6858000"/>
+              <a:gd name="connsiteX9" fmla="*/ 628404 w 2521425"/>
+              <a:gd name="connsiteY9" fmla="*/ 6374814 h 6858000"/>
+              <a:gd name="connsiteX10" fmla="*/ 2502754 w 2521425"/>
+              <a:gd name="connsiteY10" fmla="*/ 3621656 h 6858000"/>
+              <a:gd name="connsiteX11" fmla="*/ 901855 w 2521425"/>
+              <a:gd name="connsiteY11" fmla="*/ 14997 h 6858000"/>
+            </a:gdLst>
+            <a:ahLst/>
+            <a:cxnLst>
+              <a:cxn ang="0">
+                <a:pos x="connsiteX0" y="connsiteY0"/>
+              </a:cxn>
+              <a:cxn ang="0">
+                <a:pos x="connsiteX1" y="connsiteY1"/>
+              </a:cxn>
+              <a:cxn ang="0">
+                <a:pos x="connsiteX2" y="connsiteY2"/>
+              </a:cxn>
+              <a:cxn ang="0">
+                <a:pos x="connsiteX3" y="connsiteY3"/>
+              </a:cxn>
+              <a:cxn ang="0">
+                <a:pos x="connsiteX4" y="connsiteY4"/>
+              </a:cxn>
+              <a:cxn ang="0">
+                <a:pos x="connsiteX5" y="connsiteY5"/>
+              </a:cxn>
+              <a:cxn ang="0">
+                <a:pos x="connsiteX6" y="connsiteY6"/>
+              </a:cxn>
+              <a:cxn ang="0">
+                <a:pos x="connsiteX7" y="connsiteY7"/>
+              </a:cxn>
+              <a:cxn ang="0">
+                <a:pos x="connsiteX8" y="connsiteY8"/>
+              </a:cxn>
+              <a:cxn ang="0">
+                <a:pos x="connsiteX9" y="connsiteY9"/>
+              </a:cxn>
+              <a:cxn ang="0">
+                <a:pos x="connsiteX10" y="connsiteY10"/>
+              </a:cxn>
+              <a:cxn ang="0">
+                <a:pos x="connsiteX11" y="connsiteY11"/>
+              </a:cxn>
+            </a:cxnLst>
+            <a:rect l="l" t="t" r="r" b="b"/>
+            <a:pathLst>
+              <a:path w="2521425" h="6858000">
+                <a:moveTo>
+                  <a:pt x="879731" y="0"/>
+                </a:moveTo>
+                <a:lnTo>
+                  <a:pt x="898402" y="0"/>
+                </a:lnTo>
+                <a:lnTo>
+                  <a:pt x="920526" y="14997"/>
+                </a:lnTo>
+                <a:cubicBezTo>
+                  <a:pt x="1947689" y="754641"/>
+                  <a:pt x="2521425" y="2093192"/>
+                  <a:pt x="2521425" y="3621656"/>
+                </a:cubicBezTo>
+                <a:cubicBezTo>
+                  <a:pt x="2521425" y="4969131"/>
+                  <a:pt x="1592700" y="5602839"/>
+                  <a:pt x="647075" y="6374814"/>
+                </a:cubicBezTo>
+                <a:cubicBezTo>
+                  <a:pt x="474872" y="6515397"/>
+                  <a:pt x="304245" y="6653108"/>
+                  <a:pt x="130427" y="6780599"/>
+                </a:cubicBezTo>
+                <a:lnTo>
+                  <a:pt x="18671" y="6858000"/>
+                </a:lnTo>
+                <a:lnTo>
+                  <a:pt x="0" y="6858000"/>
+                </a:lnTo>
+                <a:lnTo>
+                  <a:pt x="111756" y="6780599"/>
+                </a:lnTo>
+                <a:cubicBezTo>
+                  <a:pt x="285574" y="6653108"/>
+                  <a:pt x="456201" y="6515397"/>
+                  <a:pt x="628404" y="6374814"/>
+                </a:cubicBezTo>
+                <a:cubicBezTo>
+                  <a:pt x="1574029" y="5602839"/>
+                  <a:pt x="2502754" y="4969131"/>
+                  <a:pt x="2502754" y="3621656"/>
+                </a:cubicBezTo>
+                <a:cubicBezTo>
+                  <a:pt x="2502754" y="2093192"/>
+                  <a:pt x="1929018" y="754641"/>
+                  <a:pt x="901855" y="14997"/>
+                </a:cubicBezTo>
+                <a:close/>
+              </a:path>
+            </a:pathLst>
+          </a:custGeom>
+          <a:solidFill>
+            <a:srgbClr val="FFFFFF"/>
+          </a:solidFill>
+          <a:ln>
+            <a:noFill/>
+          </a:ln>
+        </p:spPr>
+        <p:style>
+          <a:lnRef idx="2">
+            <a:schemeClr val="accent1">
+              <a:shade val="50000"/>
+            </a:schemeClr>
+          </a:lnRef>
+          <a:fillRef idx="1">
+            <a:schemeClr val="accent1"/>
+          </a:fillRef>
+          <a:effectRef idx="0">
+            <a:schemeClr val="accent1"/>
+          </a:effectRef>
+          <a:fontRef idx="minor">
+            <a:schemeClr val="lt1"/>
+          </a:fontRef>
+        </p:style>
+        <p:txBody>
+          <a:bodyPr wrap="square" rtlCol="0" anchor="ctr">
+            <a:noAutofit/>
+          </a:bodyPr>
+          <a:lstStyle/>
+          <a:p>
+            <a:pPr marL="0" marR="0" lvl="0" indent="0" algn="ctr" defTabSz="914400" rtl="0" eaLnBrk="1" fontAlgn="auto" latinLnBrk="0" hangingPunct="1">
+              <a:lnSpc>
+                <a:spcPct val="100000"/>
+              </a:lnSpc>
+              <a:spcBef>
+                <a:spcPts val="0"/>
+              </a:spcBef>
+              <a:spcAft>
+                <a:spcPts val="0"/>
+              </a:spcAft>
+              <a:buClrTx/>
+              <a:buSzTx/>
+              <a:buFontTx/>
+              <a:buNone/>
+              <a:tabLst/>
+              <a:defRPr/>
+            </a:pPr>
+            <a:endParaRPr kumimoji="0" lang="en-US" sz="1800" b="0" i="0" u="none" strike="noStrike" kern="1200" cap="none" spc="0" normalizeH="0" baseline="0" noProof="0" dirty="0">
+              <a:ln>
+                <a:noFill/>
+              </a:ln>
+              <a:solidFill>
+                <a:prstClr val="white"/>
+              </a:solidFill>
+              <a:effectLst/>
+              <a:uLnTx/>
+              <a:uFillTx/>
+              <a:latin typeface="Meiryo"/>
+              <a:ea typeface="+mn-ea"/>
+              <a:cs typeface="+mn-cs"/>
+            </a:endParaRPr>
+          </a:p>
+        </p:txBody>
+      </p:sp>
+      <p:sp>
+        <p:nvSpPr>
+          <p:cNvPr id="44" name="Freeform: Shape 43">
+            <a:extLst>
+              <a:ext uri="{FF2B5EF4-FFF2-40B4-BE49-F238E27FC236}">
+                <a16:creationId xmlns:a16="http://schemas.microsoft.com/office/drawing/2014/main" id="{195EA065-AC5D-431D-927E-87FF05884866}"/>
+              </a:ext>
+              <a:ext uri="{C183D7F6-B498-43B3-948B-1728B52AA6E4}">
+                <adec:decorative xmlns:adec="http://schemas.microsoft.com/office/drawing/2017/decorative" val="1"/>
+              </a:ext>
+            </a:extLst>
+          </p:cNvPr>
+          <p:cNvSpPr>
+            <a:spLocks noGrp="1" noRot="1" noChangeAspect="1" noMove="1" noResize="1" noEditPoints="1" noAdjustHandles="1" noChangeArrowheads="1" noChangeShapeType="1" noTextEdit="1"/>
+          </p:cNvSpPr>
+          <p:nvPr>
+            <p:extLst>
+              <p:ext uri="{386F3935-93C4-4BCD-93E2-E3B085C9AB24}">
+                <p16:designElem xmlns:p16="http://schemas.microsoft.com/office/powerpoint/2015/main" val="1"/>
+              </p:ext>
+            </p:extLst>
+          </p:nvPr>
+        </p:nvSpPr>
+        <p:spPr>
+          <a:xfrm>
+            <a:off x="8696194" y="0"/>
+            <a:ext cx="2529723" cy="6858000"/>
+          </a:xfrm>
+          <a:custGeom>
+            <a:avLst/>
+            <a:gdLst>
+              <a:gd name="connsiteX0" fmla="*/ 1258269 w 2529723"/>
+              <a:gd name="connsiteY0" fmla="*/ 0 h 6858000"/>
+              <a:gd name="connsiteX1" fmla="*/ 1275627 w 2529723"/>
+              <a:gd name="connsiteY1" fmla="*/ 0 h 6858000"/>
+              <a:gd name="connsiteX2" fmla="*/ 1302560 w 2529723"/>
+              <a:gd name="connsiteY2" fmla="*/ 24338 h 6858000"/>
+              <a:gd name="connsiteX3" fmla="*/ 2522825 w 2529723"/>
+              <a:gd name="connsiteY3" fmla="*/ 3678515 h 6858000"/>
+              <a:gd name="connsiteX4" fmla="*/ 557500 w 2529723"/>
+              <a:gd name="connsiteY4" fmla="*/ 6451411 h 6858000"/>
+              <a:gd name="connsiteX5" fmla="*/ 32482 w 2529723"/>
+              <a:gd name="connsiteY5" fmla="*/ 6849373 h 6858000"/>
+              <a:gd name="connsiteX6" fmla="*/ 19531 w 2529723"/>
+              <a:gd name="connsiteY6" fmla="*/ 6858000 h 6858000"/>
+              <a:gd name="connsiteX7" fmla="*/ 0 w 2529723"/>
+              <a:gd name="connsiteY7" fmla="*/ 6858000 h 6858000"/>
+              <a:gd name="connsiteX8" fmla="*/ 14202 w 2529723"/>
+              <a:gd name="connsiteY8" fmla="*/ 6848540 h 6858000"/>
+              <a:gd name="connsiteX9" fmla="*/ 539221 w 2529723"/>
+              <a:gd name="connsiteY9" fmla="*/ 6450578 h 6858000"/>
+              <a:gd name="connsiteX10" fmla="*/ 2504546 w 2529723"/>
+              <a:gd name="connsiteY10" fmla="*/ 3677682 h 6858000"/>
+              <a:gd name="connsiteX11" fmla="*/ 1284280 w 2529723"/>
+              <a:gd name="connsiteY11" fmla="*/ 23504 h 6858000"/>
+            </a:gdLst>
+            <a:ahLst/>
+            <a:cxnLst>
+              <a:cxn ang="0">
+                <a:pos x="connsiteX0" y="connsiteY0"/>
+              </a:cxn>
+              <a:cxn ang="0">
+                <a:pos x="connsiteX1" y="connsiteY1"/>
+              </a:cxn>
+              <a:cxn ang="0">
+                <a:pos x="connsiteX2" y="connsiteY2"/>
+              </a:cxn>
+              <a:cxn ang="0">
+                <a:pos x="connsiteX3" y="connsiteY3"/>
+              </a:cxn>
+              <a:cxn ang="0">
+                <a:pos x="connsiteX4" y="connsiteY4"/>
+              </a:cxn>
+              <a:cxn ang="0">
+                <a:pos x="connsiteX5" y="connsiteY5"/>
+              </a:cxn>
+              <a:cxn ang="0">
+                <a:pos x="connsiteX6" y="connsiteY6"/>
+              </a:cxn>
+              <a:cxn ang="0">
+                <a:pos x="connsiteX7" y="connsiteY7"/>
+              </a:cxn>
+              <a:cxn ang="0">
+                <a:pos x="connsiteX8" y="connsiteY8"/>
+              </a:cxn>
+              <a:cxn ang="0">
+                <a:pos x="connsiteX9" y="connsiteY9"/>
+              </a:cxn>
+              <a:cxn ang="0">
+                <a:pos x="connsiteX10" y="connsiteY10"/>
+              </a:cxn>
+              <a:cxn ang="0">
+                <a:pos x="connsiteX11" y="connsiteY11"/>
+              </a:cxn>
+            </a:cxnLst>
+            <a:rect l="l" t="t" r="r" b="b"/>
+            <a:pathLst>
+              <a:path w="2529723" h="6858000">
+                <a:moveTo>
+                  <a:pt x="1258269" y="0"/>
+                </a:moveTo>
+                <a:lnTo>
+                  <a:pt x="1275627" y="0"/>
+                </a:lnTo>
+                <a:lnTo>
+                  <a:pt x="1302560" y="24338"/>
+                </a:lnTo>
+                <a:cubicBezTo>
+                  <a:pt x="2156831" y="855667"/>
+                  <a:pt x="2590622" y="2191755"/>
+                  <a:pt x="2522825" y="3678515"/>
+                </a:cubicBezTo>
+                <a:cubicBezTo>
+                  <a:pt x="2459072" y="5076606"/>
+                  <a:pt x="1519830" y="5692656"/>
+                  <a:pt x="557500" y="6451411"/>
+                </a:cubicBezTo>
+                <a:cubicBezTo>
+                  <a:pt x="382255" y="6589587"/>
+                  <a:pt x="208689" y="6724853"/>
+                  <a:pt x="32482" y="6849373"/>
+                </a:cubicBezTo>
+                <a:lnTo>
+                  <a:pt x="19531" y="6858000"/>
+                </a:lnTo>
+                <a:lnTo>
+                  <a:pt x="0" y="6858000"/>
+                </a:lnTo>
+                <a:lnTo>
+                  <a:pt x="14202" y="6848540"/>
+                </a:lnTo>
+                <a:cubicBezTo>
+                  <a:pt x="190409" y="6724020"/>
+                  <a:pt x="363976" y="6588754"/>
+                  <a:pt x="539221" y="6450578"/>
+                </a:cubicBezTo>
+                <a:cubicBezTo>
+                  <a:pt x="1501550" y="5691822"/>
+                  <a:pt x="2440792" y="5075773"/>
+                  <a:pt x="2504546" y="3677682"/>
+                </a:cubicBezTo>
+                <a:cubicBezTo>
+                  <a:pt x="2572343" y="2190921"/>
+                  <a:pt x="2138551" y="854834"/>
+                  <a:pt x="1284280" y="23504"/>
+                </a:cubicBezTo>
+                <a:close/>
+              </a:path>
+            </a:pathLst>
+          </a:custGeom>
+          <a:solidFill>
+            <a:srgbClr val="FFFFFF"/>
+          </a:solidFill>
+          <a:ln>
+            <a:noFill/>
+          </a:ln>
+        </p:spPr>
+        <p:style>
+          <a:lnRef idx="2">
+            <a:schemeClr val="accent1">
+              <a:shade val="50000"/>
+            </a:schemeClr>
+          </a:lnRef>
+          <a:fillRef idx="1">
+            <a:schemeClr val="accent1"/>
+          </a:fillRef>
+          <a:effectRef idx="0">
+            <a:schemeClr val="accent1"/>
+          </a:effectRef>
+          <a:fontRef idx="minor">
+            <a:schemeClr val="lt1"/>
+          </a:fontRef>
+        </p:style>
+        <p:txBody>
+          <a:bodyPr wrap="square" rtlCol="0" anchor="ctr">
+            <a:noAutofit/>
+          </a:bodyPr>
+          <a:lstStyle/>
+          <a:p>
+            <a:pPr marL="0" marR="0" lvl="0" indent="0" algn="ctr" defTabSz="457200" rtl="0" eaLnBrk="1" fontAlgn="auto" latinLnBrk="0" hangingPunct="1">
+              <a:lnSpc>
+                <a:spcPct val="100000"/>
+              </a:lnSpc>
+              <a:spcBef>
+                <a:spcPts val="0"/>
+              </a:spcBef>
+              <a:spcAft>
+                <a:spcPts val="0"/>
+              </a:spcAft>
+              <a:buClrTx/>
+              <a:buSzTx/>
+              <a:buFontTx/>
+              <a:buNone/>
+              <a:tabLst/>
+              <a:defRPr/>
+            </a:pPr>
+            <a:endParaRPr kumimoji="0" lang="en-US" sz="1800" b="0" i="0" u="none" strike="noStrike" kern="1200" cap="none" spc="0" normalizeH="0" baseline="0" noProof="0" dirty="0">
+              <a:ln>
+                <a:noFill/>
+              </a:ln>
+              <a:solidFill>
+                <a:prstClr val="white"/>
+              </a:solidFill>
+              <a:effectLst/>
+              <a:uLnTx/>
+              <a:uFillTx/>
+              <a:latin typeface="Meiryo"/>
+              <a:ea typeface="+mn-ea"/>
+              <a:cs typeface="+mn-cs"/>
+            </a:endParaRPr>
+          </a:p>
+        </p:txBody>
+      </p:sp>
+      <p:sp>
+        <p:nvSpPr>
+          <p:cNvPr id="46" name="Freeform: Shape 45">
+            <a:extLst>
+              <a:ext uri="{FF2B5EF4-FFF2-40B4-BE49-F238E27FC236}">
+                <a16:creationId xmlns:a16="http://schemas.microsoft.com/office/drawing/2014/main" id="{46934B3C-D73F-4CD0-95B1-0244D662D1C7}"/>
+              </a:ext>
+              <a:ext uri="{C183D7F6-B498-43B3-948B-1728B52AA6E4}">
+                <adec:decorative xmlns:adec="http://schemas.microsoft.com/office/drawing/2017/decorative" val="1"/>
+              </a:ext>
+            </a:extLst>
+          </p:cNvPr>
+          <p:cNvSpPr>
+            <a:spLocks noGrp="1" noRot="1" noChangeAspect="1" noMove="1" noResize="1" noEditPoints="1" noAdjustHandles="1" noChangeArrowheads="1" noChangeShapeType="1" noTextEdit="1"/>
+          </p:cNvSpPr>
+          <p:nvPr>
+            <p:extLst>
+              <p:ext uri="{386F3935-93C4-4BCD-93E2-E3B085C9AB24}">
+                <p16:designElem xmlns:p16="http://schemas.microsoft.com/office/powerpoint/2015/main" val="1"/>
+              </p:ext>
+            </p:extLst>
+          </p:nvPr>
+        </p:nvSpPr>
+        <p:spPr>
+          <a:xfrm>
+            <a:off x="8523292" y="0"/>
+            <a:ext cx="2486322" cy="6858000"/>
+          </a:xfrm>
+          <a:custGeom>
+            <a:avLst/>
+            <a:gdLst>
+              <a:gd name="connsiteX0" fmla="*/ 879731 w 2521425"/>
+              <a:gd name="connsiteY0" fmla="*/ 0 h 6858000"/>
+              <a:gd name="connsiteX1" fmla="*/ 898402 w 2521425"/>
+              <a:gd name="connsiteY1" fmla="*/ 0 h 6858000"/>
+              <a:gd name="connsiteX2" fmla="*/ 920526 w 2521425"/>
+              <a:gd name="connsiteY2" fmla="*/ 14997 h 6858000"/>
+              <a:gd name="connsiteX3" fmla="*/ 2521425 w 2521425"/>
+              <a:gd name="connsiteY3" fmla="*/ 3621656 h 6858000"/>
+              <a:gd name="connsiteX4" fmla="*/ 647075 w 2521425"/>
+              <a:gd name="connsiteY4" fmla="*/ 6374814 h 6858000"/>
+              <a:gd name="connsiteX5" fmla="*/ 130427 w 2521425"/>
+              <a:gd name="connsiteY5" fmla="*/ 6780599 h 6858000"/>
+              <a:gd name="connsiteX6" fmla="*/ 18671 w 2521425"/>
+              <a:gd name="connsiteY6" fmla="*/ 6858000 h 6858000"/>
+              <a:gd name="connsiteX7" fmla="*/ 0 w 2521425"/>
+              <a:gd name="connsiteY7" fmla="*/ 6858000 h 6858000"/>
+              <a:gd name="connsiteX8" fmla="*/ 111756 w 2521425"/>
+              <a:gd name="connsiteY8" fmla="*/ 6780599 h 6858000"/>
+              <a:gd name="connsiteX9" fmla="*/ 628404 w 2521425"/>
+              <a:gd name="connsiteY9" fmla="*/ 6374814 h 6858000"/>
+              <a:gd name="connsiteX10" fmla="*/ 2502754 w 2521425"/>
+              <a:gd name="connsiteY10" fmla="*/ 3621656 h 6858000"/>
+              <a:gd name="connsiteX11" fmla="*/ 901855 w 2521425"/>
+              <a:gd name="connsiteY11" fmla="*/ 14997 h 6858000"/>
+            </a:gdLst>
+            <a:ahLst/>
+            <a:cxnLst>
+              <a:cxn ang="0">
+                <a:pos x="connsiteX0" y="connsiteY0"/>
+              </a:cxn>
+              <a:cxn ang="0">
+                <a:pos x="connsiteX1" y="connsiteY1"/>
+              </a:cxn>
+              <a:cxn ang="0">
+                <a:pos x="connsiteX2" y="connsiteY2"/>
+              </a:cxn>
+              <a:cxn ang="0">
+                <a:pos x="connsiteX3" y="connsiteY3"/>
+              </a:cxn>
+              <a:cxn ang="0">
+                <a:pos x="connsiteX4" y="connsiteY4"/>
+              </a:cxn>
+              <a:cxn ang="0">
+                <a:pos x="connsiteX5" y="connsiteY5"/>
+              </a:cxn>
+              <a:cxn ang="0">
+                <a:pos x="connsiteX6" y="connsiteY6"/>
+              </a:cxn>
+              <a:cxn ang="0">
+                <a:pos x="connsiteX7" y="connsiteY7"/>
+              </a:cxn>
+              <a:cxn ang="0">
+                <a:pos x="connsiteX8" y="connsiteY8"/>
+              </a:cxn>
+              <a:cxn ang="0">
+                <a:pos x="connsiteX9" y="connsiteY9"/>
+              </a:cxn>
+              <a:cxn ang="0">
+                <a:pos x="connsiteX10" y="connsiteY10"/>
+              </a:cxn>
+              <a:cxn ang="0">
+                <a:pos x="connsiteX11" y="connsiteY11"/>
+              </a:cxn>
+            </a:cxnLst>
+            <a:rect l="l" t="t" r="r" b="b"/>
+            <a:pathLst>
+              <a:path w="2521425" h="6858000">
+                <a:moveTo>
+                  <a:pt x="879731" y="0"/>
+                </a:moveTo>
+                <a:lnTo>
+                  <a:pt x="898402" y="0"/>
+                </a:lnTo>
+                <a:lnTo>
+                  <a:pt x="920526" y="14997"/>
+                </a:lnTo>
+                <a:cubicBezTo>
+                  <a:pt x="1947689" y="754641"/>
+                  <a:pt x="2521425" y="2093192"/>
+                  <a:pt x="2521425" y="3621656"/>
+                </a:cubicBezTo>
+                <a:cubicBezTo>
+                  <a:pt x="2521425" y="4969131"/>
+                  <a:pt x="1592700" y="5602839"/>
+                  <a:pt x="647075" y="6374814"/>
+                </a:cubicBezTo>
+                <a:cubicBezTo>
+                  <a:pt x="474872" y="6515397"/>
+                  <a:pt x="304245" y="6653108"/>
+                  <a:pt x="130427" y="6780599"/>
+                </a:cubicBezTo>
+                <a:lnTo>
+                  <a:pt x="18671" y="6858000"/>
+                </a:lnTo>
+                <a:lnTo>
+                  <a:pt x="0" y="6858000"/>
+                </a:lnTo>
+                <a:lnTo>
+                  <a:pt x="111756" y="6780599"/>
+                </a:lnTo>
+                <a:cubicBezTo>
+                  <a:pt x="285574" y="6653108"/>
+                  <a:pt x="456201" y="6515397"/>
+                  <a:pt x="628404" y="6374814"/>
+                </a:cubicBezTo>
+                <a:cubicBezTo>
+                  <a:pt x="1574029" y="5602839"/>
+                  <a:pt x="2502754" y="4969131"/>
+                  <a:pt x="2502754" y="3621656"/>
+                </a:cubicBezTo>
+                <a:cubicBezTo>
+                  <a:pt x="2502754" y="2093192"/>
+                  <a:pt x="1929018" y="754641"/>
+                  <a:pt x="901855" y="14997"/>
+                </a:cubicBezTo>
+                <a:close/>
+              </a:path>
+            </a:pathLst>
+          </a:custGeom>
+          <a:solidFill>
+            <a:srgbClr val="FFFFFF"/>
+          </a:solidFill>
+          <a:ln>
+            <a:noFill/>
+          </a:ln>
+        </p:spPr>
+        <p:style>
+          <a:lnRef idx="2">
+            <a:schemeClr val="accent1">
+              <a:shade val="50000"/>
+            </a:schemeClr>
+          </a:lnRef>
+          <a:fillRef idx="1">
+            <a:schemeClr val="accent1"/>
+          </a:fillRef>
+          <a:effectRef idx="0">
+            <a:schemeClr val="accent1"/>
+          </a:effectRef>
+          <a:fontRef idx="minor">
+            <a:schemeClr val="lt1"/>
+          </a:fontRef>
+        </p:style>
+        <p:txBody>
+          <a:bodyPr wrap="square" rtlCol="0" anchor="ctr">
+            <a:noAutofit/>
+          </a:bodyPr>
+          <a:lstStyle/>
+          <a:p>
+            <a:pPr marL="0" marR="0" lvl="0" indent="0" algn="ctr" defTabSz="914400" rtl="0" eaLnBrk="1" fontAlgn="auto" latinLnBrk="0" hangingPunct="1">
+              <a:lnSpc>
+                <a:spcPct val="100000"/>
+              </a:lnSpc>
+              <a:spcBef>
+                <a:spcPts val="0"/>
+              </a:spcBef>
+              <a:spcAft>
+                <a:spcPts val="0"/>
+              </a:spcAft>
+              <a:buClrTx/>
+              <a:buSzTx/>
+              <a:buFontTx/>
+              <a:buNone/>
+              <a:tabLst/>
+              <a:defRPr/>
+            </a:pPr>
+            <a:endParaRPr kumimoji="0" lang="en-US" sz="1800" b="0" i="0" u="none" strike="noStrike" kern="1200" cap="none" spc="0" normalizeH="0" baseline="0" noProof="0" dirty="0">
+              <a:ln>
+                <a:noFill/>
+              </a:ln>
+              <a:solidFill>
+                <a:prstClr val="white"/>
+              </a:solidFill>
+              <a:effectLst/>
+              <a:uLnTx/>
+              <a:uFillTx/>
+              <a:latin typeface="Meiryo"/>
+              <a:ea typeface="+mn-ea"/>
+              <a:cs typeface="+mn-cs"/>
+            </a:endParaRPr>
+          </a:p>
+        </p:txBody>
+      </p:sp>
+      <p:sp>
+        <p:nvSpPr>
+          <p:cNvPr id="7" name="Title 6">
+            <a:extLst>
+              <a:ext uri="{FF2B5EF4-FFF2-40B4-BE49-F238E27FC236}">
+                <a16:creationId xmlns:a16="http://schemas.microsoft.com/office/drawing/2014/main" id="{9406DF4A-0DCB-CB32-52F6-48DBC9B94B17}"/>
+              </a:ext>
+            </a:extLst>
+          </p:cNvPr>
+          <p:cNvSpPr>
+            <a:spLocks noGrp="1"/>
+          </p:cNvSpPr>
+          <p:nvPr>
+            <p:ph type="title"/>
+          </p:nvPr>
+        </p:nvSpPr>
+        <p:spPr>
+          <a:xfrm>
+            <a:off x="2190750" y="1346268"/>
+            <a:ext cx="7810500" cy="3125338"/>
+          </a:xfrm>
+        </p:spPr>
+        <p:txBody>
+          <a:bodyPr vert="horz" lIns="109728" tIns="109728" rIns="109728" bIns="91440" rtlCol="0" anchor="b">
+            <a:normAutofit/>
+          </a:bodyPr>
+          <a:lstStyle/>
+          <a:p>
+            <a:pPr algn="ctr">
+              <a:lnSpc>
+                <a:spcPct val="120000"/>
+              </a:lnSpc>
+            </a:pPr>
+            <a:r>
+              <a:rPr lang="en-NG" sz="7200" dirty="0">
+                <a:solidFill>
+                  <a:schemeClr val="tx1">
+                    <a:lumMod val="85000"/>
+                    <a:lumOff val="15000"/>
+                  </a:schemeClr>
+                </a:solidFill>
+              </a:rPr>
+              <a:t>Questions?</a:t>
+            </a:r>
+            <a:endParaRPr lang="en-US" sz="7200" dirty="0">
+              <a:solidFill>
+                <a:schemeClr val="tx1">
+                  <a:lumMod val="85000"/>
+                  <a:lumOff val="15000"/>
+                </a:schemeClr>
+              </a:solidFill>
+            </a:endParaRPr>
+          </a:p>
+        </p:txBody>
+      </p:sp>
+      <p:sp>
+        <p:nvSpPr>
+          <p:cNvPr id="3" name="Text Placeholder 2">
+            <a:extLst>
+              <a:ext uri="{FF2B5EF4-FFF2-40B4-BE49-F238E27FC236}">
+                <a16:creationId xmlns:a16="http://schemas.microsoft.com/office/drawing/2014/main" id="{8A09960F-3463-FF2C-F672-46EB369C0027}"/>
+              </a:ext>
+            </a:extLst>
+          </p:cNvPr>
+          <p:cNvSpPr>
+            <a:spLocks noGrp="1"/>
+          </p:cNvSpPr>
+          <p:nvPr>
+            <p:ph type="body" idx="1"/>
+          </p:nvPr>
+        </p:nvSpPr>
+        <p:spPr>
+          <a:xfrm>
+            <a:off x="2619375" y="4471607"/>
+            <a:ext cx="6953250" cy="862394"/>
+          </a:xfrm>
+        </p:spPr>
+        <p:txBody>
+          <a:bodyPr vert="horz" lIns="109728" tIns="109728" rIns="109728" bIns="91440" rtlCol="0" anchor="t">
+            <a:normAutofit/>
+          </a:bodyPr>
+          <a:lstStyle/>
+          <a:p>
+            <a:pPr algn="ctr">
+              <a:spcBef>
+                <a:spcPts val="930"/>
+              </a:spcBef>
+            </a:pPr>
+            <a:endParaRPr lang="en-US" sz="2400" dirty="0">
+              <a:solidFill>
+                <a:schemeClr val="tx1">
+                  <a:lumMod val="85000"/>
+                  <a:lumOff val="15000"/>
+                </a:schemeClr>
+              </a:solidFill>
+            </a:endParaRPr>
+          </a:p>
+        </p:txBody>
+      </p:sp>
+      <p:pic>
+        <p:nvPicPr>
+          <p:cNvPr id="5" name="Picture 4">
+            <a:extLst>
+              <a:ext uri="{FF2B5EF4-FFF2-40B4-BE49-F238E27FC236}">
+                <a16:creationId xmlns:a16="http://schemas.microsoft.com/office/drawing/2014/main" id="{3F223AFD-598D-158C-8998-C5557599B910}"/>
+              </a:ext>
+            </a:extLst>
+          </p:cNvPr>
+          <p:cNvPicPr>
+            <a:picLocks noChangeAspect="1"/>
+          </p:cNvPicPr>
+          <p:nvPr/>
+        </p:nvPicPr>
+        <p:blipFill>
+          <a:blip r:embed="rId3">
+            <a:extLst>
+              <a:ext uri="{28A0092B-C50C-407E-A947-70E740481C1C}">
+                <a14:useLocalDpi xmlns:a14="http://schemas.microsoft.com/office/drawing/2010/main" val="0"/>
+              </a:ext>
+            </a:extLst>
+          </a:blip>
+          <a:stretch>
+            <a:fillRect/>
+          </a:stretch>
+        </p:blipFill>
+        <p:spPr>
+          <a:xfrm>
+            <a:off x="2326984" y="0"/>
+            <a:ext cx="3518646" cy="3201216"/>
+          </a:xfrm>
+          <a:prstGeom prst="rect">
+            <a:avLst/>
+          </a:prstGeom>
+        </p:spPr>
+      </p:pic>
+    </p:spTree>
+    <p:extLst>
+      <p:ext uri="{BB962C8B-B14F-4D97-AF65-F5344CB8AC3E}">
+        <p14:creationId xmlns:p14="http://schemas.microsoft.com/office/powerpoint/2010/main" val="2202025023"/>
+      </p:ext>
+    </p:extLst>
+  </p:cSld>
+  <p:clrMapOvr>
+    <a:masterClrMapping/>
+  </p:clrMapOvr>
+</p:sld>
+</file>
+
+<file path=ppt/slides/slide12.xml><?xml version="1.0" encoding="utf-8"?>
+<p:sld xmlns:a="http://schemas.openxmlformats.org/drawingml/2006/main" xmlns:r="http://schemas.openxmlformats.org/officeDocument/2006/relationships" xmlns:p="http://schemas.openxmlformats.org/presentationml/2006/main">
+  <p:cSld>
+    <p:bg>
+      <p:bgPr>
+        <a:solidFill>
+          <a:schemeClr val="bg2"/>
+        </a:solidFill>
+        <a:effectLst/>
+      </p:bgPr>
+    </p:bg>
+    <p:spTree>
+      <p:nvGrpSpPr>
+        <p:cNvPr id="1" name="">
+          <a:extLst>
+            <a:ext uri="{FF2B5EF4-FFF2-40B4-BE49-F238E27FC236}">
               <a16:creationId xmlns:a16="http://schemas.microsoft.com/office/drawing/2014/main" id="{FC7F1E15-845F-2A81-FAB7-BBAB5C4F3CDE}"/>
             </a:ext>
           </a:extLst>
@@ -18125,7 +23271,7 @@
         </p:blipFill>
         <p:spPr>
           <a:xfrm>
-            <a:off x="1457492" y="1174477"/>
+            <a:off x="1463809" y="1905158"/>
             <a:ext cx="4451462" cy="2503947"/>
           </a:xfrm>
         </p:spPr>
@@ -18202,7 +23348,7 @@
         </p:blipFill>
         <p:spPr>
           <a:xfrm>
-            <a:off x="5915956" y="1174476"/>
+            <a:off x="5904386" y="1905157"/>
             <a:ext cx="4451462" cy="2503947"/>
           </a:xfrm>
           <a:prstGeom prst="rect">
@@ -18238,7 +23384,7 @@
         </p:blipFill>
         <p:spPr>
           <a:xfrm>
-            <a:off x="1457492" y="4027714"/>
+            <a:off x="1457492" y="4669182"/>
             <a:ext cx="3320720" cy="1014341"/>
           </a:xfrm>
           <a:prstGeom prst="rect">
@@ -18260,7 +23406,7 @@
         </p:nvSpPr>
         <p:spPr>
           <a:xfrm>
-            <a:off x="4923215" y="4765056"/>
+            <a:off x="4909426" y="5406524"/>
             <a:ext cx="1023257" cy="276999"/>
           </a:xfrm>
           <a:prstGeom prst="rect">
@@ -18283,6 +23429,50 @@
               <a:t>UCAS (2024)</a:t>
             </a:r>
             <a:endParaRPr lang="en-GB" sz="1200" dirty="0">
+              <a:latin typeface="Calibri" panose="020F0502020204030204" pitchFamily="34" charset="0"/>
+              <a:ea typeface="Calibri" panose="020F0502020204030204" pitchFamily="34" charset="0"/>
+              <a:cs typeface="Calibri" panose="020F0502020204030204" pitchFamily="34" charset="0"/>
+            </a:endParaRPr>
+          </a:p>
+        </p:txBody>
+      </p:sp>
+      <p:sp>
+        <p:nvSpPr>
+          <p:cNvPr id="4" name="TextBox 3">
+            <a:extLst>
+              <a:ext uri="{FF2B5EF4-FFF2-40B4-BE49-F238E27FC236}">
+                <a16:creationId xmlns:a16="http://schemas.microsoft.com/office/drawing/2014/main" id="{3DDF0426-A4BC-45B1-EBE5-33C7F472CDBE}"/>
+              </a:ext>
+            </a:extLst>
+          </p:cNvPr>
+          <p:cNvSpPr txBox="1"/>
+          <p:nvPr/>
+        </p:nvSpPr>
+        <p:spPr>
+          <a:xfrm>
+            <a:off x="1457491" y="1403078"/>
+            <a:ext cx="7608414" cy="584775"/>
+          </a:xfrm>
+          <a:prstGeom prst="rect">
+            <a:avLst/>
+          </a:prstGeom>
+          <a:noFill/>
+        </p:spPr>
+        <p:txBody>
+          <a:bodyPr wrap="square" rtlCol="0">
+            <a:spAutoFit/>
+          </a:bodyPr>
+          <a:lstStyle/>
+          <a:p>
+            <a:r>
+              <a:rPr lang="en-NG" sz="3200" b="1" dirty="0">
+                <a:latin typeface="Calibri" panose="020F0502020204030204" pitchFamily="34" charset="0"/>
+                <a:ea typeface="Calibri" panose="020F0502020204030204" pitchFamily="34" charset="0"/>
+                <a:cs typeface="Calibri" panose="020F0502020204030204" pitchFamily="34" charset="0"/>
+              </a:rPr>
+              <a:t>What was discovered from this research?</a:t>
+            </a:r>
+            <a:endParaRPr lang="en-GB" sz="3200" b="1" dirty="0">
               <a:latin typeface="Calibri" panose="020F0502020204030204" pitchFamily="34" charset="0"/>
               <a:ea typeface="Calibri" panose="020F0502020204030204" pitchFamily="34" charset="0"/>
               <a:cs typeface="Calibri" panose="020F0502020204030204" pitchFamily="34" charset="0"/>
@@ -20893,7 +26083,7 @@
         <p:cNvPr id="1" name="">
           <a:extLst>
             <a:ext uri="{FF2B5EF4-FFF2-40B4-BE49-F238E27FC236}">
-              <a16:creationId xmlns:a16="http://schemas.microsoft.com/office/drawing/2014/main" id="{6BCB0A7E-7D70-04E8-9DF3-128E404ACEFF}"/>
+              <a16:creationId xmlns:a16="http://schemas.microsoft.com/office/drawing/2014/main" id="{AFF0A331-B4A2-769A-720A-3162FA544898}"/>
             </a:ext>
           </a:extLst>
         </p:cNvPr>
@@ -20908,12 +26098,12 @@
           <a:chExt cx="0" cy="0"/>
         </a:xfrm>
       </p:grpSpPr>
-      <p:sp>
+      <p:sp useBgFill="1">
         <p:nvSpPr>
-          <p:cNvPr id="20" name="Freeform: Shape 19">
+          <p:cNvPr id="17" name="Rectangle 16">
             <a:extLst>
               <a:ext uri="{FF2B5EF4-FFF2-40B4-BE49-F238E27FC236}">
-                <a16:creationId xmlns:a16="http://schemas.microsoft.com/office/drawing/2014/main" id="{9B0F7D69-D93C-4C38-A23D-76E000D691CD}"/>
+                <a16:creationId xmlns:a16="http://schemas.microsoft.com/office/drawing/2014/main" id="{A0AB13A9-338D-E90D-8BB2-E0FBB0D1E1AA}"/>
               </a:ext>
               <a:ext uri="{C183D7F6-B498-43B3-948B-1728B52AA6E4}">
                 <adec:decorative xmlns:adec="http://schemas.microsoft.com/office/drawing/2017/decorative" val="1"/>
@@ -20933,55 +26123,233 @@
         </p:nvSpPr>
         <p:spPr>
           <a:xfrm>
-            <a:off x="0" y="0"/>
-            <a:ext cx="3496422" cy="6858000"/>
+            <a:off x="153" y="0"/>
+            <a:ext cx="12191695" cy="6858000"/>
+          </a:xfrm>
+          <a:prstGeom prst="rect">
+            <a:avLst/>
+          </a:prstGeom>
+          <a:ln>
+            <a:noFill/>
+          </a:ln>
+        </p:spPr>
+        <p:style>
+          <a:lnRef idx="2">
+            <a:schemeClr val="accent1">
+              <a:shade val="50000"/>
+            </a:schemeClr>
+          </a:lnRef>
+          <a:fillRef idx="1">
+            <a:schemeClr val="accent1"/>
+          </a:fillRef>
+          <a:effectRef idx="0">
+            <a:schemeClr val="accent1"/>
+          </a:effectRef>
+          <a:fontRef idx="minor">
+            <a:schemeClr val="lt1"/>
+          </a:fontRef>
+        </p:style>
+        <p:txBody>
+          <a:bodyPr rtlCol="0" anchor="ctr"/>
+          <a:lstStyle/>
+          <a:p>
+            <a:pPr marL="0" marR="0" lvl="0" indent="0" algn="ctr" defTabSz="457200" rtl="0" eaLnBrk="1" fontAlgn="auto" latinLnBrk="0" hangingPunct="1">
+              <a:lnSpc>
+                <a:spcPct val="100000"/>
+              </a:lnSpc>
+              <a:spcBef>
+                <a:spcPts val="0"/>
+              </a:spcBef>
+              <a:spcAft>
+                <a:spcPts val="0"/>
+              </a:spcAft>
+              <a:buClrTx/>
+              <a:buSzTx/>
+              <a:buFontTx/>
+              <a:buNone/>
+              <a:tabLst/>
+              <a:defRPr/>
+            </a:pPr>
+            <a:endParaRPr kumimoji="0" lang="en-US" sz="1800" b="0" i="0" u="none" strike="noStrike" kern="1200" cap="none" spc="0" normalizeH="0" baseline="0" noProof="0" dirty="0">
+              <a:ln>
+                <a:noFill/>
+              </a:ln>
+              <a:solidFill>
+                <a:prstClr val="white"/>
+              </a:solidFill>
+              <a:effectLst/>
+              <a:uLnTx/>
+              <a:uFillTx/>
+              <a:latin typeface="Meiryo"/>
+              <a:ea typeface="+mn-ea"/>
+              <a:cs typeface="+mn-cs"/>
+            </a:endParaRPr>
+          </a:p>
+        </p:txBody>
+      </p:sp>
+      <p:pic>
+        <p:nvPicPr>
+          <p:cNvPr id="15" name="Picture 14" descr="Network Technology Background">
+            <a:extLst>
+              <a:ext uri="{FF2B5EF4-FFF2-40B4-BE49-F238E27FC236}">
+                <a16:creationId xmlns:a16="http://schemas.microsoft.com/office/drawing/2014/main" id="{56ED6E9A-CB54-E149-5120-62087353D18B}"/>
+              </a:ext>
+            </a:extLst>
+          </p:cNvPr>
+          <p:cNvPicPr>
+            <a:picLocks noChangeAspect="1"/>
+          </p:cNvPicPr>
+          <p:nvPr/>
+        </p:nvPicPr>
+        <p:blipFill>
+          <a:blip r:embed="rId2"/>
+          <a:srcRect r="-1" b="3408"/>
+          <a:stretch/>
+        </p:blipFill>
+        <p:spPr>
+          <a:xfrm>
+            <a:off x="1524" y="10"/>
+            <a:ext cx="12188952" cy="6857990"/>
+          </a:xfrm>
+          <a:prstGeom prst="rect">
+            <a:avLst/>
+          </a:prstGeom>
+        </p:spPr>
+      </p:pic>
+      <p:sp>
+        <p:nvSpPr>
+          <p:cNvPr id="18" name="Freeform: Shape 17">
+            <a:extLst>
+              <a:ext uri="{FF2B5EF4-FFF2-40B4-BE49-F238E27FC236}">
+                <a16:creationId xmlns:a16="http://schemas.microsoft.com/office/drawing/2014/main" id="{BE941BE9-D595-E9B4-F61C-E7705FC7F4D8}"/>
+              </a:ext>
+              <a:ext uri="{C183D7F6-B498-43B3-948B-1728B52AA6E4}">
+                <adec:decorative xmlns:adec="http://schemas.microsoft.com/office/drawing/2017/decorative" val="1"/>
+              </a:ext>
+            </a:extLst>
+          </p:cNvPr>
+          <p:cNvSpPr>
+            <a:spLocks noGrp="1" noRot="1" noChangeAspect="1" noMove="1" noResize="1" noEditPoints="1" noAdjustHandles="1" noChangeArrowheads="1" noChangeShapeType="1" noTextEdit="1"/>
+          </p:cNvSpPr>
+          <p:nvPr>
+            <p:extLst>
+              <p:ext uri="{386F3935-93C4-4BCD-93E2-E3B085C9AB24}">
+                <p16:designElem xmlns:p16="http://schemas.microsoft.com/office/powerpoint/2015/main" val="1"/>
+              </p:ext>
+            </p:extLst>
+          </p:nvPr>
+        </p:nvSpPr>
+        <p:spPr>
+          <a:xfrm flipH="1">
+            <a:off x="742598" y="0"/>
+            <a:ext cx="10189600" cy="6858000"/>
           </a:xfrm>
           <a:custGeom>
             <a:avLst/>
-            <a:gdLst/>
+            <a:gdLst>
+              <a:gd name="connsiteX0" fmla="*/ 8513625 w 10189600"/>
+              <a:gd name="connsiteY0" fmla="*/ 0 h 6858000"/>
+              <a:gd name="connsiteX1" fmla="*/ 1434689 w 10189600"/>
+              <a:gd name="connsiteY1" fmla="*/ 0 h 6858000"/>
+              <a:gd name="connsiteX2" fmla="*/ 1271976 w 10189600"/>
+              <a:gd name="connsiteY2" fmla="*/ 160651 h 6858000"/>
+              <a:gd name="connsiteX3" fmla="*/ 0 w 10189600"/>
+              <a:gd name="connsiteY3" fmla="*/ 3879329 h 6858000"/>
+              <a:gd name="connsiteX4" fmla="*/ 1565101 w 10189600"/>
+              <a:gd name="connsiteY4" fmla="*/ 6659296 h 6858000"/>
+              <a:gd name="connsiteX5" fmla="*/ 1789426 w 10189600"/>
+              <a:gd name="connsiteY5" fmla="*/ 6858000 h 6858000"/>
+              <a:gd name="connsiteX6" fmla="*/ 8868328 w 10189600"/>
+              <a:gd name="connsiteY6" fmla="*/ 6858000 h 6858000"/>
+              <a:gd name="connsiteX7" fmla="*/ 8925683 w 10189600"/>
+              <a:gd name="connsiteY7" fmla="*/ 6804604 h 6858000"/>
+              <a:gd name="connsiteX8" fmla="*/ 10189600 w 10189600"/>
+              <a:gd name="connsiteY8" fmla="*/ 4217082 h 6858000"/>
+              <a:gd name="connsiteX9" fmla="*/ 8536469 w 10189600"/>
+              <a:gd name="connsiteY9" fmla="*/ 17461 h 6858000"/>
+            </a:gdLst>
             <a:ahLst/>
-            <a:cxnLst/>
+            <a:cxnLst>
+              <a:cxn ang="0">
+                <a:pos x="connsiteX0" y="connsiteY0"/>
+              </a:cxn>
+              <a:cxn ang="0">
+                <a:pos x="connsiteX1" y="connsiteY1"/>
+              </a:cxn>
+              <a:cxn ang="0">
+                <a:pos x="connsiteX2" y="connsiteY2"/>
+              </a:cxn>
+              <a:cxn ang="0">
+                <a:pos x="connsiteX3" y="connsiteY3"/>
+              </a:cxn>
+              <a:cxn ang="0">
+                <a:pos x="connsiteX4" y="connsiteY4"/>
+              </a:cxn>
+              <a:cxn ang="0">
+                <a:pos x="connsiteX5" y="connsiteY5"/>
+              </a:cxn>
+              <a:cxn ang="0">
+                <a:pos x="connsiteX6" y="connsiteY6"/>
+              </a:cxn>
+              <a:cxn ang="0">
+                <a:pos x="connsiteX7" y="connsiteY7"/>
+              </a:cxn>
+              <a:cxn ang="0">
+                <a:pos x="connsiteX8" y="connsiteY8"/>
+              </a:cxn>
+              <a:cxn ang="0">
+                <a:pos x="connsiteX9" y="connsiteY9"/>
+              </a:cxn>
+            </a:cxnLst>
             <a:rect l="l" t="t" r="r" b="b"/>
             <a:pathLst>
-              <a:path w="3496422" h="6858000">
+              <a:path w="10189600" h="6858000">
                 <a:moveTo>
-                  <a:pt x="0" y="0"/>
+                  <a:pt x="8513625" y="0"/>
                 </a:moveTo>
                 <a:lnTo>
-                  <a:pt x="1873399" y="0"/>
-                </a:lnTo>
-                <a:lnTo>
-                  <a:pt x="1895523" y="14997"/>
-                </a:lnTo>
-                <a:cubicBezTo>
-                  <a:pt x="2922686" y="754641"/>
-                  <a:pt x="3496422" y="2093192"/>
-                  <a:pt x="3496422" y="3621656"/>
-                </a:cubicBezTo>
-                <a:cubicBezTo>
-                  <a:pt x="3496422" y="4969131"/>
-                  <a:pt x="2567697" y="5602839"/>
-                  <a:pt x="1622072" y="6374814"/>
-                </a:cubicBezTo>
-                <a:cubicBezTo>
-                  <a:pt x="1449869" y="6515397"/>
-                  <a:pt x="1279242" y="6653108"/>
-                  <a:pt x="1105424" y="6780599"/>
-                </a:cubicBezTo>
-                <a:lnTo>
-                  <a:pt x="993668" y="6858000"/>
-                </a:lnTo>
-                <a:lnTo>
-                  <a:pt x="0" y="6858000"/>
-                </a:lnTo>
+                  <a:pt x="1434689" y="0"/>
+                </a:lnTo>
+                <a:lnTo>
+                  <a:pt x="1271976" y="160651"/>
+                </a:lnTo>
+                <a:cubicBezTo>
+                  <a:pt x="451613" y="1030749"/>
+                  <a:pt x="0" y="2373165"/>
+                  <a:pt x="0" y="3879329"/>
+                </a:cubicBezTo>
+                <a:cubicBezTo>
+                  <a:pt x="0" y="5207145"/>
+                  <a:pt x="731040" y="5919527"/>
+                  <a:pt x="1565101" y="6659296"/>
+                </a:cubicBezTo>
+                <a:lnTo>
+                  <a:pt x="1789426" y="6858000"/>
+                </a:lnTo>
+                <a:lnTo>
+                  <a:pt x="8868328" y="6858000"/>
+                </a:lnTo>
+                <a:lnTo>
+                  <a:pt x="8925683" y="6804604"/>
+                </a:lnTo>
+                <a:cubicBezTo>
+                  <a:pt x="9627437" y="6132444"/>
+                  <a:pt x="10189600" y="5418356"/>
+                  <a:pt x="10189600" y="4217082"/>
+                </a:cubicBezTo>
+                <a:cubicBezTo>
+                  <a:pt x="10189600" y="2437327"/>
+                  <a:pt x="9597144" y="878708"/>
+                  <a:pt x="8536469" y="17461"/>
+                </a:cubicBezTo>
                 <a:close/>
               </a:path>
             </a:pathLst>
           </a:custGeom>
           <a:solidFill>
-            <a:srgbClr val="FFFFFF">
-              <a:alpha val="60000"/>
-            </a:srgbClr>
+            <a:schemeClr val="bg1">
+              <a:alpha val="85000"/>
+            </a:schemeClr>
           </a:solidFill>
           <a:ln>
             <a:noFill/>
@@ -21016,10 +26384,10 @@
       </p:sp>
       <p:sp>
         <p:nvSpPr>
-          <p:cNvPr id="22" name="Freeform: Shape 21">
+          <p:cNvPr id="24" name="Freeform: Shape 23">
             <a:extLst>
               <a:ext uri="{FF2B5EF4-FFF2-40B4-BE49-F238E27FC236}">
-                <a16:creationId xmlns:a16="http://schemas.microsoft.com/office/drawing/2014/main" id="{8CD419D4-EA9D-42D9-BF62-B07F0B7B672B}"/>
+                <a16:creationId xmlns:a16="http://schemas.microsoft.com/office/drawing/2014/main" id="{5668AF24-C84C-DED6-7F85-6CDEBBFC66C9}"/>
               </a:ext>
               <a:ext uri="{C183D7F6-B498-43B3-948B-1728B52AA6E4}">
                 <adec:decorative xmlns:adec="http://schemas.microsoft.com/office/drawing/2017/decorative" val="1"/>
@@ -21038,65 +26406,107 @@
           </p:nvPr>
         </p:nvSpPr>
         <p:spPr>
-          <a:xfrm>
-            <a:off x="1375409" y="0"/>
-            <a:ext cx="2529723" cy="6858000"/>
+          <a:xfrm flipH="1">
+            <a:off x="357813" y="0"/>
+            <a:ext cx="1323453" cy="6858000"/>
           </a:xfrm>
           <a:custGeom>
             <a:avLst/>
-            <a:gdLst/>
+            <a:gdLst>
+              <a:gd name="connsiteX0" fmla="*/ 28443 w 1323453"/>
+              <a:gd name="connsiteY0" fmla="*/ 0 h 6858000"/>
+              <a:gd name="connsiteX1" fmla="*/ 10519 w 1323453"/>
+              <a:gd name="connsiteY1" fmla="*/ 0 h 6858000"/>
+              <a:gd name="connsiteX2" fmla="*/ 37377 w 1323453"/>
+              <a:gd name="connsiteY2" fmla="*/ 27367 h 6858000"/>
+              <a:gd name="connsiteX3" fmla="*/ 1297455 w 1323453"/>
+              <a:gd name="connsiteY3" fmla="*/ 4282319 h 6858000"/>
+              <a:gd name="connsiteX4" fmla="*/ 248584 w 1323453"/>
+              <a:gd name="connsiteY4" fmla="*/ 6615157 h 6858000"/>
+              <a:gd name="connsiteX5" fmla="*/ 0 w 1323453"/>
+              <a:gd name="connsiteY5" fmla="*/ 6858000 h 6858000"/>
+              <a:gd name="connsiteX6" fmla="*/ 19869 w 1323453"/>
+              <a:gd name="connsiteY6" fmla="*/ 6858000 h 6858000"/>
+              <a:gd name="connsiteX7" fmla="*/ 267461 w 1323453"/>
+              <a:gd name="connsiteY7" fmla="*/ 6616128 h 6858000"/>
+              <a:gd name="connsiteX8" fmla="*/ 1316330 w 1323453"/>
+              <a:gd name="connsiteY8" fmla="*/ 4283289 h 6858000"/>
+              <a:gd name="connsiteX9" fmla="*/ 56253 w 1323453"/>
+              <a:gd name="connsiteY9" fmla="*/ 28337 h 6858000"/>
+            </a:gdLst>
             <a:ahLst/>
-            <a:cxnLst/>
+            <a:cxnLst>
+              <a:cxn ang="0">
+                <a:pos x="connsiteX0" y="connsiteY0"/>
+              </a:cxn>
+              <a:cxn ang="0">
+                <a:pos x="connsiteX1" y="connsiteY1"/>
+              </a:cxn>
+              <a:cxn ang="0">
+                <a:pos x="connsiteX2" y="connsiteY2"/>
+              </a:cxn>
+              <a:cxn ang="0">
+                <a:pos x="connsiteX3" y="connsiteY3"/>
+              </a:cxn>
+              <a:cxn ang="0">
+                <a:pos x="connsiteX4" y="connsiteY4"/>
+              </a:cxn>
+              <a:cxn ang="0">
+                <a:pos x="connsiteX5" y="connsiteY5"/>
+              </a:cxn>
+              <a:cxn ang="0">
+                <a:pos x="connsiteX6" y="connsiteY6"/>
+              </a:cxn>
+              <a:cxn ang="0">
+                <a:pos x="connsiteX7" y="connsiteY7"/>
+              </a:cxn>
+              <a:cxn ang="0">
+                <a:pos x="connsiteX8" y="connsiteY8"/>
+              </a:cxn>
+              <a:cxn ang="0">
+                <a:pos x="connsiteX9" y="connsiteY9"/>
+              </a:cxn>
+            </a:cxnLst>
             <a:rect l="l" t="t" r="r" b="b"/>
             <a:pathLst>
-              <a:path w="2529723" h="6858000">
+              <a:path w="1323453" h="6858000">
                 <a:moveTo>
-                  <a:pt x="1258269" y="0"/>
+                  <a:pt x="28443" y="0"/>
                 </a:moveTo>
                 <a:lnTo>
-                  <a:pt x="1275627" y="0"/>
-                </a:lnTo>
-                <a:lnTo>
-                  <a:pt x="1302560" y="24338"/>
-                </a:lnTo>
-                <a:cubicBezTo>
-                  <a:pt x="2156831" y="855667"/>
-                  <a:pt x="2590622" y="2191755"/>
-                  <a:pt x="2522825" y="3678515"/>
-                </a:cubicBezTo>
-                <a:cubicBezTo>
-                  <a:pt x="2459072" y="5076606"/>
-                  <a:pt x="1519830" y="5692656"/>
-                  <a:pt x="557500" y="6451411"/>
-                </a:cubicBezTo>
-                <a:cubicBezTo>
-                  <a:pt x="382255" y="6589587"/>
-                  <a:pt x="208689" y="6724853"/>
-                  <a:pt x="32482" y="6849373"/>
-                </a:cubicBezTo>
-                <a:lnTo>
-                  <a:pt x="19531" y="6858000"/>
-                </a:lnTo>
+                  <a:pt x="10519" y="0"/>
+                </a:lnTo>
+                <a:lnTo>
+                  <a:pt x="37377" y="27367"/>
+                </a:lnTo>
+                <a:cubicBezTo>
+                  <a:pt x="919519" y="995374"/>
+                  <a:pt x="1367465" y="2551123"/>
+                  <a:pt x="1297455" y="4282319"/>
+                </a:cubicBezTo>
+                <a:cubicBezTo>
+                  <a:pt x="1254252" y="5350659"/>
+                  <a:pt x="821705" y="6026831"/>
+                  <a:pt x="248584" y="6615157"/>
+                </a:cubicBezTo>
                 <a:lnTo>
                   <a:pt x="0" y="6858000"/>
                 </a:lnTo>
                 <a:lnTo>
-                  <a:pt x="14202" y="6848540"/>
-                </a:lnTo>
-                <a:cubicBezTo>
-                  <a:pt x="190409" y="6724020"/>
-                  <a:pt x="363976" y="6588754"/>
-                  <a:pt x="539221" y="6450578"/>
-                </a:cubicBezTo>
-                <a:cubicBezTo>
-                  <a:pt x="1501550" y="5691822"/>
-                  <a:pt x="2440792" y="5075773"/>
-                  <a:pt x="2504546" y="3677682"/>
-                </a:cubicBezTo>
-                <a:cubicBezTo>
-                  <a:pt x="2572343" y="2190921"/>
-                  <a:pt x="2138551" y="854834"/>
-                  <a:pt x="1284280" y="23504"/>
+                  <a:pt x="19869" y="6858000"/>
+                </a:lnTo>
+                <a:lnTo>
+                  <a:pt x="267461" y="6616128"/>
+                </a:lnTo>
+                <a:cubicBezTo>
+                  <a:pt x="840581" y="6027802"/>
+                  <a:pt x="1273128" y="5351630"/>
+                  <a:pt x="1316330" y="4283289"/>
+                </a:cubicBezTo>
+                <a:cubicBezTo>
+                  <a:pt x="1386340" y="2552094"/>
+                  <a:pt x="938396" y="996343"/>
+                  <a:pt x="56253" y="28337"/>
                 </a:cubicBezTo>
                 <a:close/>
               </a:path>
@@ -21167,10 +26577,10 @@
       </p:sp>
       <p:sp>
         <p:nvSpPr>
-          <p:cNvPr id="19" name="Freeform: Shape 18">
+          <p:cNvPr id="26" name="Freeform: Shape 25">
             <a:extLst>
               <a:ext uri="{FF2B5EF4-FFF2-40B4-BE49-F238E27FC236}">
-                <a16:creationId xmlns:a16="http://schemas.microsoft.com/office/drawing/2014/main" id="{1C6FEC9B-9608-4181-A9E5-A1B80E72021C}"/>
+                <a16:creationId xmlns:a16="http://schemas.microsoft.com/office/drawing/2014/main" id="{C43691B2-3DE3-4AA6-C579-9FBF598FDED5}"/>
               </a:ext>
               <a:ext uri="{C183D7F6-B498-43B3-948B-1728B52AA6E4}">
                 <adec:decorative xmlns:adec="http://schemas.microsoft.com/office/drawing/2017/decorative" val="1"/>
@@ -21190,359 +26600,113 @@
         </p:nvSpPr>
         <p:spPr>
           <a:xfrm>
-            <a:off x="1155402" y="0"/>
-            <a:ext cx="2536434" cy="6858000"/>
+            <a:off x="548645" y="0"/>
+            <a:ext cx="1561993" cy="6858000"/>
           </a:xfrm>
           <a:custGeom>
             <a:avLst/>
-            <a:gdLst/>
+            <a:gdLst>
+              <a:gd name="connsiteX0" fmla="*/ 1544228 w 1561993"/>
+              <a:gd name="connsiteY0" fmla="*/ 0 h 6858000"/>
+              <a:gd name="connsiteX1" fmla="*/ 1561993 w 1561993"/>
+              <a:gd name="connsiteY1" fmla="*/ 0 h 6858000"/>
+              <a:gd name="connsiteX2" fmla="*/ 1540943 w 1561993"/>
+              <a:gd name="connsiteY2" fmla="*/ 17040 h 6858000"/>
+              <a:gd name="connsiteX3" fmla="*/ 17765 w 1561993"/>
+              <a:gd name="connsiteY3" fmla="*/ 4115040 h 6858000"/>
+              <a:gd name="connsiteX4" fmla="*/ 1142901 w 1561993"/>
+              <a:gd name="connsiteY4" fmla="*/ 6599739 h 6858000"/>
+              <a:gd name="connsiteX5" fmla="*/ 1403744 w 1561993"/>
+              <a:gd name="connsiteY5" fmla="*/ 6858000 h 6858000"/>
+              <a:gd name="connsiteX6" fmla="*/ 1385980 w 1561993"/>
+              <a:gd name="connsiteY6" fmla="*/ 6858000 h 6858000"/>
+              <a:gd name="connsiteX7" fmla="*/ 1125137 w 1561993"/>
+              <a:gd name="connsiteY7" fmla="*/ 6599739 h 6858000"/>
+              <a:gd name="connsiteX8" fmla="*/ 0 w 1561993"/>
+              <a:gd name="connsiteY8" fmla="*/ 4115040 h 6858000"/>
+              <a:gd name="connsiteX9" fmla="*/ 1523178 w 1561993"/>
+              <a:gd name="connsiteY9" fmla="*/ 17040 h 6858000"/>
+            </a:gdLst>
             <a:ahLst/>
-            <a:cxnLst/>
+            <a:cxnLst>
+              <a:cxn ang="0">
+                <a:pos x="connsiteX0" y="connsiteY0"/>
+              </a:cxn>
+              <a:cxn ang="0">
+                <a:pos x="connsiteX1" y="connsiteY1"/>
+              </a:cxn>
+              <a:cxn ang="0">
+                <a:pos x="connsiteX2" y="connsiteY2"/>
+              </a:cxn>
+              <a:cxn ang="0">
+                <a:pos x="connsiteX3" y="connsiteY3"/>
+              </a:cxn>
+              <a:cxn ang="0">
+                <a:pos x="connsiteX4" y="connsiteY4"/>
+              </a:cxn>
+              <a:cxn ang="0">
+                <a:pos x="connsiteX5" y="connsiteY5"/>
+              </a:cxn>
+              <a:cxn ang="0">
+                <a:pos x="connsiteX6" y="connsiteY6"/>
+              </a:cxn>
+              <a:cxn ang="0">
+                <a:pos x="connsiteX7" y="connsiteY7"/>
+              </a:cxn>
+              <a:cxn ang="0">
+                <a:pos x="connsiteX8" y="connsiteY8"/>
+              </a:cxn>
+              <a:cxn ang="0">
+                <a:pos x="connsiteX9" y="connsiteY9"/>
+              </a:cxn>
+            </a:cxnLst>
             <a:rect l="l" t="t" r="r" b="b"/>
             <a:pathLst>
-              <a:path w="2536434" h="6858000">
+              <a:path w="1561993" h="6858000">
                 <a:moveTo>
-                  <a:pt x="879731" y="0"/>
+                  <a:pt x="1544228" y="0"/>
                 </a:moveTo>
                 <a:lnTo>
-                  <a:pt x="913411" y="0"/>
-                </a:lnTo>
-                <a:lnTo>
-                  <a:pt x="935535" y="14997"/>
-                </a:lnTo>
-                <a:cubicBezTo>
-                  <a:pt x="1962698" y="754641"/>
-                  <a:pt x="2536434" y="2093192"/>
-                  <a:pt x="2536434" y="3621656"/>
-                </a:cubicBezTo>
-                <a:cubicBezTo>
-                  <a:pt x="2536434" y="4969131"/>
-                  <a:pt x="1607709" y="5602839"/>
-                  <a:pt x="662084" y="6374814"/>
-                </a:cubicBezTo>
-                <a:cubicBezTo>
-                  <a:pt x="489881" y="6515397"/>
-                  <a:pt x="319254" y="6653108"/>
-                  <a:pt x="145436" y="6780599"/>
-                </a:cubicBezTo>
-                <a:lnTo>
-                  <a:pt x="33680" y="6858000"/>
-                </a:lnTo>
-                <a:lnTo>
-                  <a:pt x="0" y="6858000"/>
-                </a:lnTo>
-                <a:lnTo>
-                  <a:pt x="111756" y="6780599"/>
-                </a:lnTo>
-                <a:cubicBezTo>
-                  <a:pt x="285574" y="6653108"/>
-                  <a:pt x="456201" y="6515397"/>
-                  <a:pt x="628404" y="6374814"/>
-                </a:cubicBezTo>
-                <a:cubicBezTo>
-                  <a:pt x="1574029" y="5602839"/>
-                  <a:pt x="2502754" y="4969131"/>
-                  <a:pt x="2502754" y="3621656"/>
-                </a:cubicBezTo>
-                <a:cubicBezTo>
-                  <a:pt x="2502754" y="2093192"/>
-                  <a:pt x="1929018" y="754641"/>
-                  <a:pt x="901855" y="14997"/>
+                  <a:pt x="1561993" y="0"/>
+                </a:lnTo>
+                <a:lnTo>
+                  <a:pt x="1540943" y="17040"/>
+                </a:lnTo>
+                <a:cubicBezTo>
+                  <a:pt x="563647" y="857447"/>
+                  <a:pt x="17765" y="2378351"/>
+                  <a:pt x="17765" y="4115040"/>
+                </a:cubicBezTo>
+                <a:cubicBezTo>
+                  <a:pt x="17765" y="5263323"/>
+                  <a:pt x="514810" y="5955416"/>
+                  <a:pt x="1142901" y="6599739"/>
+                </a:cubicBezTo>
+                <a:lnTo>
+                  <a:pt x="1403744" y="6858000"/>
+                </a:lnTo>
+                <a:lnTo>
+                  <a:pt x="1385980" y="6858000"/>
+                </a:lnTo>
+                <a:lnTo>
+                  <a:pt x="1125137" y="6599739"/>
+                </a:lnTo>
+                <a:cubicBezTo>
+                  <a:pt x="497046" y="5955416"/>
+                  <a:pt x="0" y="5263323"/>
+                  <a:pt x="0" y="4115040"/>
+                </a:cubicBezTo>
+                <a:cubicBezTo>
+                  <a:pt x="0" y="2378351"/>
+                  <a:pt x="545882" y="857447"/>
+                  <a:pt x="1523178" y="17040"/>
                 </a:cubicBezTo>
                 <a:close/>
               </a:path>
             </a:pathLst>
           </a:custGeom>
           <a:solidFill>
-            <a:schemeClr val="bg1"/>
-          </a:solidFill>
-          <a:ln>
-            <a:noFill/>
-          </a:ln>
-        </p:spPr>
-        <p:style>
-          <a:lnRef idx="2">
-            <a:schemeClr val="accent1">
-              <a:shade val="50000"/>
-            </a:schemeClr>
-          </a:lnRef>
-          <a:fillRef idx="1">
-            <a:schemeClr val="accent1"/>
-          </a:fillRef>
-          <a:effectRef idx="0">
-            <a:schemeClr val="accent1"/>
-          </a:effectRef>
-          <a:fontRef idx="minor">
-            <a:schemeClr val="lt1"/>
-          </a:fontRef>
-        </p:style>
-        <p:txBody>
-          <a:bodyPr wrap="square" rtlCol="0" anchor="ctr">
-            <a:noAutofit/>
-          </a:bodyPr>
-          <a:lstStyle/>
-          <a:p>
-            <a:pPr marL="0" marR="0" lvl="0" indent="0" algn="ctr" defTabSz="914400" rtl="0" eaLnBrk="1" fontAlgn="auto" latinLnBrk="0" hangingPunct="1">
-              <a:lnSpc>
-                <a:spcPct val="100000"/>
-              </a:lnSpc>
-              <a:spcBef>
-                <a:spcPts val="0"/>
-              </a:spcBef>
-              <a:spcAft>
-                <a:spcPts val="0"/>
-              </a:spcAft>
-              <a:buClrTx/>
-              <a:buSzTx/>
-              <a:buFontTx/>
-              <a:buNone/>
-              <a:tabLst/>
-              <a:defRPr/>
-            </a:pPr>
-            <a:endParaRPr kumimoji="0" lang="en-US" sz="1800" b="0" i="0" u="none" strike="noStrike" kern="1200" cap="none" spc="0" normalizeH="0" baseline="0" noProof="0" dirty="0">
-              <a:ln>
-                <a:noFill/>
-              </a:ln>
-              <a:solidFill>
-                <a:prstClr val="white"/>
-              </a:solidFill>
-              <a:effectLst/>
-              <a:uLnTx/>
-              <a:uFillTx/>
-              <a:latin typeface="Meiryo"/>
-              <a:ea typeface="+mn-ea"/>
-              <a:cs typeface="+mn-cs"/>
-            </a:endParaRPr>
-          </a:p>
-        </p:txBody>
-      </p:sp>
-      <p:sp>
-        <p:nvSpPr>
-          <p:cNvPr id="21" name="Freeform: Shape 20">
-            <a:extLst>
-              <a:ext uri="{FF2B5EF4-FFF2-40B4-BE49-F238E27FC236}">
-                <a16:creationId xmlns:a16="http://schemas.microsoft.com/office/drawing/2014/main" id="{AB1564ED-F26F-451D-97D6-A6EC3E83FD55}"/>
-              </a:ext>
-              <a:ext uri="{C183D7F6-B498-43B3-948B-1728B52AA6E4}">
-                <adec:decorative xmlns:adec="http://schemas.microsoft.com/office/drawing/2017/decorative" val="1"/>
-              </a:ext>
-            </a:extLst>
-          </p:cNvPr>
-          <p:cNvSpPr>
-            <a:spLocks noGrp="1" noRot="1" noChangeAspect="1" noMove="1" noResize="1" noEditPoints="1" noAdjustHandles="1" noChangeArrowheads="1" noChangeShapeType="1" noTextEdit="1"/>
-          </p:cNvSpPr>
-          <p:nvPr>
-            <p:extLst>
-              <p:ext uri="{386F3935-93C4-4BCD-93E2-E3B085C9AB24}">
-                <p16:designElem xmlns:p16="http://schemas.microsoft.com/office/powerpoint/2015/main" val="1"/>
-              </p:ext>
-            </p:extLst>
-          </p:nvPr>
-        </p:nvSpPr>
-        <p:spPr>
-          <a:xfrm>
-            <a:off x="924161" y="0"/>
-            <a:ext cx="2261351" cy="6858000"/>
-          </a:xfrm>
-          <a:custGeom>
-            <a:avLst/>
-            <a:gdLst/>
-            <a:ahLst/>
-            <a:cxnLst/>
-            <a:rect l="l" t="t" r="r" b="b"/>
-            <a:pathLst>
-              <a:path w="2521425" h="6858000">
-                <a:moveTo>
-                  <a:pt x="879731" y="0"/>
-                </a:moveTo>
-                <a:lnTo>
-                  <a:pt x="898402" y="0"/>
-                </a:lnTo>
-                <a:lnTo>
-                  <a:pt x="920526" y="14997"/>
-                </a:lnTo>
-                <a:cubicBezTo>
-                  <a:pt x="1947689" y="754641"/>
-                  <a:pt x="2521425" y="2093192"/>
-                  <a:pt x="2521425" y="3621656"/>
-                </a:cubicBezTo>
-                <a:cubicBezTo>
-                  <a:pt x="2521425" y="4969131"/>
-                  <a:pt x="1592700" y="5602839"/>
-                  <a:pt x="647075" y="6374814"/>
-                </a:cubicBezTo>
-                <a:cubicBezTo>
-                  <a:pt x="474872" y="6515397"/>
-                  <a:pt x="304245" y="6653108"/>
-                  <a:pt x="130427" y="6780599"/>
-                </a:cubicBezTo>
-                <a:lnTo>
-                  <a:pt x="18671" y="6858000"/>
-                </a:lnTo>
-                <a:lnTo>
-                  <a:pt x="0" y="6858000"/>
-                </a:lnTo>
-                <a:lnTo>
-                  <a:pt x="111756" y="6780599"/>
-                </a:lnTo>
-                <a:cubicBezTo>
-                  <a:pt x="285574" y="6653108"/>
-                  <a:pt x="456201" y="6515397"/>
-                  <a:pt x="628404" y="6374814"/>
-                </a:cubicBezTo>
-                <a:cubicBezTo>
-                  <a:pt x="1574029" y="5602839"/>
-                  <a:pt x="2502754" y="4969131"/>
-                  <a:pt x="2502754" y="3621656"/>
-                </a:cubicBezTo>
-                <a:cubicBezTo>
-                  <a:pt x="2502754" y="2093192"/>
-                  <a:pt x="1929018" y="754641"/>
-                  <a:pt x="901855" y="14997"/>
-                </a:cubicBezTo>
-                <a:close/>
-              </a:path>
-            </a:pathLst>
-          </a:custGeom>
-          <a:solidFill>
-            <a:schemeClr val="bg2">
-              <a:lumMod val="90000"/>
-            </a:schemeClr>
-          </a:solidFill>
-          <a:ln>
-            <a:noFill/>
-          </a:ln>
-        </p:spPr>
-        <p:style>
-          <a:lnRef idx="2">
-            <a:schemeClr val="accent1">
-              <a:shade val="50000"/>
-            </a:schemeClr>
-          </a:lnRef>
-          <a:fillRef idx="1">
-            <a:schemeClr val="accent1"/>
-          </a:fillRef>
-          <a:effectRef idx="0">
-            <a:schemeClr val="accent1"/>
-          </a:effectRef>
-          <a:fontRef idx="minor">
-            <a:schemeClr val="lt1"/>
-          </a:fontRef>
-        </p:style>
-        <p:txBody>
-          <a:bodyPr wrap="square" rtlCol="0" anchor="ctr">
-            <a:noAutofit/>
-          </a:bodyPr>
-          <a:lstStyle/>
-          <a:p>
-            <a:pPr marL="0" marR="0" lvl="0" indent="0" algn="ctr" defTabSz="914400" rtl="0" eaLnBrk="1" fontAlgn="auto" latinLnBrk="0" hangingPunct="1">
-              <a:lnSpc>
-                <a:spcPct val="100000"/>
-              </a:lnSpc>
-              <a:spcBef>
-                <a:spcPts val="0"/>
-              </a:spcBef>
-              <a:spcAft>
-                <a:spcPts val="0"/>
-              </a:spcAft>
-              <a:buClrTx/>
-              <a:buSzTx/>
-              <a:buFontTx/>
-              <a:buNone/>
-              <a:tabLst/>
-              <a:defRPr/>
-            </a:pPr>
-            <a:endParaRPr kumimoji="0" lang="en-US" sz="1800" b="0" i="0" u="none" strike="noStrike" kern="1200" cap="none" spc="0" normalizeH="0" baseline="0" noProof="0">
-              <a:ln>
-                <a:noFill/>
-              </a:ln>
-              <a:solidFill>
-                <a:prstClr val="white"/>
-              </a:solidFill>
-              <a:effectLst/>
-              <a:uLnTx/>
-              <a:uFillTx/>
-              <a:latin typeface="Meiryo"/>
-              <a:ea typeface="+mn-ea"/>
-              <a:cs typeface="+mn-cs"/>
-            </a:endParaRPr>
-          </a:p>
-        </p:txBody>
-      </p:sp>
-      <p:sp>
-        <p:nvSpPr>
-          <p:cNvPr id="23" name="Freeform: Shape 22">
-            <a:extLst>
-              <a:ext uri="{FF2B5EF4-FFF2-40B4-BE49-F238E27FC236}">
-                <a16:creationId xmlns:a16="http://schemas.microsoft.com/office/drawing/2014/main" id="{0CA184B6-3482-4F43-87F0-BC765DCFD8A8}"/>
-              </a:ext>
-              <a:ext uri="{C183D7F6-B498-43B3-948B-1728B52AA6E4}">
-                <adec:decorative xmlns:adec="http://schemas.microsoft.com/office/drawing/2017/decorative" val="1"/>
-              </a:ext>
-            </a:extLst>
-          </p:cNvPr>
-          <p:cNvSpPr>
-            <a:spLocks noGrp="1" noRot="1" noChangeAspect="1" noMove="1" noResize="1" noEditPoints="1" noAdjustHandles="1" noChangeArrowheads="1" noChangeShapeType="1" noTextEdit="1"/>
-          </p:cNvSpPr>
-          <p:nvPr>
-            <p:extLst>
-              <p:ext uri="{386F3935-93C4-4BCD-93E2-E3B085C9AB24}">
-                <p16:designElem xmlns:p16="http://schemas.microsoft.com/office/powerpoint/2015/main" val="1"/>
-              </p:ext>
-            </p:extLst>
-          </p:nvPr>
-        </p:nvSpPr>
-        <p:spPr>
-          <a:xfrm>
-            <a:off x="0" y="0"/>
-            <a:ext cx="3496422" cy="6858000"/>
-          </a:xfrm>
-          <a:custGeom>
-            <a:avLst/>
-            <a:gdLst/>
-            <a:ahLst/>
-            <a:cxnLst/>
-            <a:rect l="l" t="t" r="r" b="b"/>
-            <a:pathLst>
-              <a:path w="3496422" h="6858000">
-                <a:moveTo>
-                  <a:pt x="0" y="0"/>
-                </a:moveTo>
-                <a:lnTo>
-                  <a:pt x="1873399" y="0"/>
-                </a:lnTo>
-                <a:lnTo>
-                  <a:pt x="1895523" y="14997"/>
-                </a:lnTo>
-                <a:cubicBezTo>
-                  <a:pt x="2922686" y="754641"/>
-                  <a:pt x="3496422" y="2093192"/>
-                  <a:pt x="3496422" y="3621656"/>
-                </a:cubicBezTo>
-                <a:cubicBezTo>
-                  <a:pt x="3496422" y="4969131"/>
-                  <a:pt x="2567697" y="5602839"/>
-                  <a:pt x="1622072" y="6374814"/>
-                </a:cubicBezTo>
-                <a:cubicBezTo>
-                  <a:pt x="1449869" y="6515397"/>
-                  <a:pt x="1279242" y="6653108"/>
-                  <a:pt x="1105424" y="6780599"/>
-                </a:cubicBezTo>
-                <a:lnTo>
-                  <a:pt x="993668" y="6858000"/>
-                </a:lnTo>
-                <a:lnTo>
-                  <a:pt x="0" y="6858000"/>
-                </a:lnTo>
-                <a:close/>
-              </a:path>
-            </a:pathLst>
-          </a:custGeom>
-          <a:solidFill>
-            <a:srgbClr val="FFFFFF">
-              <a:alpha val="60000"/>
-            </a:srgbClr>
+            <a:srgbClr val="FFFFFF"/>
           </a:solidFill>
           <a:ln>
             <a:noFill/>
@@ -21571,16 +26735,16 @@
           <a:lstStyle/>
           <a:p>
             <a:pPr algn="ctr"/>
-            <a:endParaRPr lang="en-US" dirty="0"/>
+            <a:endParaRPr lang="en-US"/>
           </a:p>
         </p:txBody>
       </p:sp>
       <p:sp>
         <p:nvSpPr>
-          <p:cNvPr id="25" name="Freeform: Shape 24">
+          <p:cNvPr id="28" name="Freeform: Shape 27">
             <a:extLst>
               <a:ext uri="{FF2B5EF4-FFF2-40B4-BE49-F238E27FC236}">
-                <a16:creationId xmlns:a16="http://schemas.microsoft.com/office/drawing/2014/main" id="{6C869923-8380-4244-9548-802C330638A0}"/>
+                <a16:creationId xmlns:a16="http://schemas.microsoft.com/office/drawing/2014/main" id="{89B76341-2C84-E26A-2AAB-F6161C8518EB}"/>
               </a:ext>
               <a:ext uri="{C183D7F6-B498-43B3-948B-1728B52AA6E4}">
                 <adec:decorative xmlns:adec="http://schemas.microsoft.com/office/drawing/2017/decorative" val="1"/>
@@ -21600,64 +26764,106 @@
         </p:nvSpPr>
         <p:spPr>
           <a:xfrm>
-            <a:off x="1375409" y="0"/>
-            <a:ext cx="2529723" cy="6858000"/>
+            <a:off x="9434283" y="0"/>
+            <a:ext cx="1904278" cy="6858000"/>
           </a:xfrm>
           <a:custGeom>
             <a:avLst/>
-            <a:gdLst/>
+            <a:gdLst>
+              <a:gd name="connsiteX0" fmla="*/ 624262 w 1775065"/>
+              <a:gd name="connsiteY0" fmla="*/ 0 h 6858000"/>
+              <a:gd name="connsiteX1" fmla="*/ 642233 w 1775065"/>
+              <a:gd name="connsiteY1" fmla="*/ 0 h 6858000"/>
+              <a:gd name="connsiteX2" fmla="*/ 673003 w 1775065"/>
+              <a:gd name="connsiteY2" fmla="*/ 35111 h 6858000"/>
+              <a:gd name="connsiteX3" fmla="*/ 1767974 w 1775065"/>
+              <a:gd name="connsiteY3" fmla="*/ 3968278 h 6858000"/>
+              <a:gd name="connsiteX4" fmla="*/ 115603 w 1775065"/>
+              <a:gd name="connsiteY4" fmla="*/ 6776131 h 6858000"/>
+              <a:gd name="connsiteX5" fmla="*/ 19890 w 1775065"/>
+              <a:gd name="connsiteY5" fmla="*/ 6858000 h 6858000"/>
+              <a:gd name="connsiteX6" fmla="*/ 0 w 1775065"/>
+              <a:gd name="connsiteY6" fmla="*/ 6858000 h 6858000"/>
+              <a:gd name="connsiteX7" fmla="*/ 96809 w 1775065"/>
+              <a:gd name="connsiteY7" fmla="*/ 6775193 h 6858000"/>
+              <a:gd name="connsiteX8" fmla="*/ 1749182 w 1775065"/>
+              <a:gd name="connsiteY8" fmla="*/ 3967340 h 6858000"/>
+              <a:gd name="connsiteX9" fmla="*/ 654209 w 1775065"/>
+              <a:gd name="connsiteY9" fmla="*/ 34172 h 6858000"/>
+            </a:gdLst>
             <a:ahLst/>
-            <a:cxnLst/>
+            <a:cxnLst>
+              <a:cxn ang="0">
+                <a:pos x="connsiteX0" y="connsiteY0"/>
+              </a:cxn>
+              <a:cxn ang="0">
+                <a:pos x="connsiteX1" y="connsiteY1"/>
+              </a:cxn>
+              <a:cxn ang="0">
+                <a:pos x="connsiteX2" y="connsiteY2"/>
+              </a:cxn>
+              <a:cxn ang="0">
+                <a:pos x="connsiteX3" y="connsiteY3"/>
+              </a:cxn>
+              <a:cxn ang="0">
+                <a:pos x="connsiteX4" y="connsiteY4"/>
+              </a:cxn>
+              <a:cxn ang="0">
+                <a:pos x="connsiteX5" y="connsiteY5"/>
+              </a:cxn>
+              <a:cxn ang="0">
+                <a:pos x="connsiteX6" y="connsiteY6"/>
+              </a:cxn>
+              <a:cxn ang="0">
+                <a:pos x="connsiteX7" y="connsiteY7"/>
+              </a:cxn>
+              <a:cxn ang="0">
+                <a:pos x="connsiteX8" y="connsiteY8"/>
+              </a:cxn>
+              <a:cxn ang="0">
+                <a:pos x="connsiteX9" y="connsiteY9"/>
+              </a:cxn>
+            </a:cxnLst>
             <a:rect l="l" t="t" r="r" b="b"/>
             <a:pathLst>
-              <a:path w="2529723" h="6858000">
+              <a:path w="1775065" h="6858000">
                 <a:moveTo>
-                  <a:pt x="1258269" y="0"/>
+                  <a:pt x="624262" y="0"/>
                 </a:moveTo>
                 <a:lnTo>
-                  <a:pt x="1275627" y="0"/>
-                </a:lnTo>
-                <a:lnTo>
-                  <a:pt x="1302560" y="24338"/>
-                </a:lnTo>
-                <a:cubicBezTo>
-                  <a:pt x="2156831" y="855667"/>
-                  <a:pt x="2590622" y="2191755"/>
-                  <a:pt x="2522825" y="3678515"/>
-                </a:cubicBezTo>
-                <a:cubicBezTo>
-                  <a:pt x="2459072" y="5076606"/>
-                  <a:pt x="1519830" y="5692656"/>
-                  <a:pt x="557500" y="6451411"/>
-                </a:cubicBezTo>
-                <a:cubicBezTo>
-                  <a:pt x="382255" y="6589587"/>
-                  <a:pt x="208689" y="6724853"/>
-                  <a:pt x="32482" y="6849373"/>
-                </a:cubicBezTo>
-                <a:lnTo>
-                  <a:pt x="19531" y="6858000"/>
+                  <a:pt x="642233" y="0"/>
+                </a:lnTo>
+                <a:lnTo>
+                  <a:pt x="673003" y="35111"/>
+                </a:lnTo>
+                <a:cubicBezTo>
+                  <a:pt x="1445427" y="977982"/>
+                  <a:pt x="1833320" y="2398562"/>
+                  <a:pt x="1767974" y="3968278"/>
+                </a:cubicBezTo>
+                <a:cubicBezTo>
+                  <a:pt x="1710622" y="5345972"/>
+                  <a:pt x="964135" y="6049363"/>
+                  <a:pt x="115603" y="6776131"/>
+                </a:cubicBezTo>
+                <a:lnTo>
+                  <a:pt x="19890" y="6858000"/>
                 </a:lnTo>
                 <a:lnTo>
                   <a:pt x="0" y="6858000"/>
                 </a:lnTo>
                 <a:lnTo>
-                  <a:pt x="14202" y="6848540"/>
-                </a:lnTo>
-                <a:cubicBezTo>
-                  <a:pt x="190409" y="6724020"/>
-                  <a:pt x="363976" y="6588754"/>
-                  <a:pt x="539221" y="6450578"/>
-                </a:cubicBezTo>
-                <a:cubicBezTo>
-                  <a:pt x="1501550" y="5691822"/>
-                  <a:pt x="2440792" y="5075773"/>
-                  <a:pt x="2504546" y="3677682"/>
-                </a:cubicBezTo>
-                <a:cubicBezTo>
-                  <a:pt x="2572343" y="2190921"/>
-                  <a:pt x="2138551" y="854834"/>
-                  <a:pt x="1284280" y="23504"/>
+                  <a:pt x="96809" y="6775193"/>
+                </a:lnTo>
+                <a:cubicBezTo>
+                  <a:pt x="945341" y="6048424"/>
+                  <a:pt x="1691828" y="5345034"/>
+                  <a:pt x="1749182" y="3967340"/>
+                </a:cubicBezTo>
+                <a:cubicBezTo>
+                  <a:pt x="1814528" y="2397623"/>
+                  <a:pt x="1426634" y="977044"/>
+                  <a:pt x="654209" y="34172"/>
                 </a:cubicBezTo>
                 <a:close/>
               </a:path>
@@ -21728,10 +26934,10 @@
       </p:sp>
       <p:sp>
         <p:nvSpPr>
-          <p:cNvPr id="32" name="Freeform: Shape 31">
+          <p:cNvPr id="30" name="Freeform: Shape 29">
             <a:extLst>
               <a:ext uri="{FF2B5EF4-FFF2-40B4-BE49-F238E27FC236}">
-                <a16:creationId xmlns:a16="http://schemas.microsoft.com/office/drawing/2014/main" id="{C06255F2-BC67-4DDE-B34E-AC4BA21838CC}"/>
+                <a16:creationId xmlns:a16="http://schemas.microsoft.com/office/drawing/2014/main" id="{D6D36CE1-8529-9B7A-9D4C-F1CD1BF671AE}"/>
               </a:ext>
               <a:ext uri="{C183D7F6-B498-43B3-948B-1728B52AA6E4}">
                 <adec:decorative xmlns:adec="http://schemas.microsoft.com/office/drawing/2017/decorative" val="1"/>
@@ -21751,621 +26957,113 @@
         </p:nvSpPr>
         <p:spPr>
           <a:xfrm>
-            <a:off x="1155402" y="0"/>
-            <a:ext cx="2536434" cy="6858000"/>
+            <a:off x="9289577" y="0"/>
+            <a:ext cx="1825312" cy="6858000"/>
           </a:xfrm>
           <a:custGeom>
             <a:avLst/>
-            <a:gdLst/>
+            <a:gdLst>
+              <a:gd name="connsiteX0" fmla="*/ 516683 w 1825312"/>
+              <a:gd name="connsiteY0" fmla="*/ 0 h 6858000"/>
+              <a:gd name="connsiteX1" fmla="*/ 541088 w 1825312"/>
+              <a:gd name="connsiteY1" fmla="*/ 0 h 6858000"/>
+              <a:gd name="connsiteX2" fmla="*/ 626170 w 1825312"/>
+              <a:gd name="connsiteY2" fmla="*/ 99144 h 6858000"/>
+              <a:gd name="connsiteX3" fmla="*/ 1825312 w 1825312"/>
+              <a:gd name="connsiteY3" fmla="*/ 3859833 h 6858000"/>
+              <a:gd name="connsiteX4" fmla="*/ 279633 w 1825312"/>
+              <a:gd name="connsiteY4" fmla="*/ 6651338 h 6858000"/>
+              <a:gd name="connsiteX5" fmla="*/ 24403 w 1825312"/>
+              <a:gd name="connsiteY5" fmla="*/ 6858000 h 6858000"/>
+              <a:gd name="connsiteX6" fmla="*/ 0 w 1825312"/>
+              <a:gd name="connsiteY6" fmla="*/ 6858000 h 6858000"/>
+              <a:gd name="connsiteX7" fmla="*/ 255230 w 1825312"/>
+              <a:gd name="connsiteY7" fmla="*/ 6651338 h 6858000"/>
+              <a:gd name="connsiteX8" fmla="*/ 1800907 w 1825312"/>
+              <a:gd name="connsiteY8" fmla="*/ 3859833 h 6858000"/>
+              <a:gd name="connsiteX9" fmla="*/ 601765 w 1825312"/>
+              <a:gd name="connsiteY9" fmla="*/ 99144 h 6858000"/>
+            </a:gdLst>
             <a:ahLst/>
-            <a:cxnLst/>
+            <a:cxnLst>
+              <a:cxn ang="0">
+                <a:pos x="connsiteX0" y="connsiteY0"/>
+              </a:cxn>
+              <a:cxn ang="0">
+                <a:pos x="connsiteX1" y="connsiteY1"/>
+              </a:cxn>
+              <a:cxn ang="0">
+                <a:pos x="connsiteX2" y="connsiteY2"/>
+              </a:cxn>
+              <a:cxn ang="0">
+                <a:pos x="connsiteX3" y="connsiteY3"/>
+              </a:cxn>
+              <a:cxn ang="0">
+                <a:pos x="connsiteX4" y="connsiteY4"/>
+              </a:cxn>
+              <a:cxn ang="0">
+                <a:pos x="connsiteX5" y="connsiteY5"/>
+              </a:cxn>
+              <a:cxn ang="0">
+                <a:pos x="connsiteX6" y="connsiteY6"/>
+              </a:cxn>
+              <a:cxn ang="0">
+                <a:pos x="connsiteX7" y="connsiteY7"/>
+              </a:cxn>
+              <a:cxn ang="0">
+                <a:pos x="connsiteX8" y="connsiteY8"/>
+              </a:cxn>
+              <a:cxn ang="0">
+                <a:pos x="connsiteX9" y="connsiteY9"/>
+              </a:cxn>
+            </a:cxnLst>
             <a:rect l="l" t="t" r="r" b="b"/>
             <a:pathLst>
-              <a:path w="2536434" h="6858000">
+              <a:path w="1825312" h="6858000">
                 <a:moveTo>
-                  <a:pt x="879731" y="0"/>
+                  <a:pt x="516683" y="0"/>
                 </a:moveTo>
                 <a:lnTo>
-                  <a:pt x="913411" y="0"/>
-                </a:lnTo>
-                <a:lnTo>
-                  <a:pt x="935535" y="14997"/>
-                </a:lnTo>
-                <a:cubicBezTo>
-                  <a:pt x="1962698" y="754641"/>
-                  <a:pt x="2536434" y="2093192"/>
-                  <a:pt x="2536434" y="3621656"/>
-                </a:cubicBezTo>
-                <a:cubicBezTo>
-                  <a:pt x="2536434" y="4969131"/>
-                  <a:pt x="1607709" y="5602839"/>
-                  <a:pt x="662084" y="6374814"/>
-                </a:cubicBezTo>
-                <a:cubicBezTo>
-                  <a:pt x="489881" y="6515397"/>
-                  <a:pt x="319254" y="6653108"/>
-                  <a:pt x="145436" y="6780599"/>
-                </a:cubicBezTo>
-                <a:lnTo>
-                  <a:pt x="33680" y="6858000"/>
+                  <a:pt x="541088" y="0"/>
+                </a:lnTo>
+                <a:lnTo>
+                  <a:pt x="626170" y="99144"/>
+                </a:lnTo>
+                <a:cubicBezTo>
+                  <a:pt x="1403484" y="1069501"/>
+                  <a:pt x="1825312" y="2396484"/>
+                  <a:pt x="1825312" y="3859833"/>
+                </a:cubicBezTo>
+                <a:cubicBezTo>
+                  <a:pt x="1825312" y="5149904"/>
+                  <a:pt x="1142485" y="5927455"/>
+                  <a:pt x="279633" y="6651338"/>
+                </a:cubicBezTo>
+                <a:lnTo>
+                  <a:pt x="24403" y="6858000"/>
                 </a:lnTo>
                 <a:lnTo>
                   <a:pt x="0" y="6858000"/>
                 </a:lnTo>
                 <a:lnTo>
-                  <a:pt x="111756" y="6780599"/>
-                </a:lnTo>
-                <a:cubicBezTo>
-                  <a:pt x="285574" y="6653108"/>
-                  <a:pt x="456201" y="6515397"/>
-                  <a:pt x="628404" y="6374814"/>
-                </a:cubicBezTo>
-                <a:cubicBezTo>
-                  <a:pt x="1574029" y="5602839"/>
-                  <a:pt x="2502754" y="4969131"/>
-                  <a:pt x="2502754" y="3621656"/>
-                </a:cubicBezTo>
-                <a:cubicBezTo>
-                  <a:pt x="2502754" y="2093192"/>
-                  <a:pt x="1929018" y="754641"/>
-                  <a:pt x="901855" y="14997"/>
+                  <a:pt x="255230" y="6651338"/>
+                </a:lnTo>
+                <a:cubicBezTo>
+                  <a:pt x="1118082" y="5927455"/>
+                  <a:pt x="1800907" y="5149904"/>
+                  <a:pt x="1800907" y="3859833"/>
+                </a:cubicBezTo>
+                <a:cubicBezTo>
+                  <a:pt x="1800907" y="2396484"/>
+                  <a:pt x="1379079" y="1069501"/>
+                  <a:pt x="601765" y="99144"/>
                 </a:cubicBezTo>
                 <a:close/>
               </a:path>
             </a:pathLst>
           </a:custGeom>
           <a:solidFill>
-            <a:schemeClr val="bg1"/>
-          </a:solidFill>
-          <a:ln>
-            <a:noFill/>
-          </a:ln>
-        </p:spPr>
-        <p:style>
-          <a:lnRef idx="2">
-            <a:schemeClr val="accent1">
-              <a:shade val="50000"/>
-            </a:schemeClr>
-          </a:lnRef>
-          <a:fillRef idx="1">
-            <a:schemeClr val="accent1"/>
-          </a:fillRef>
-          <a:effectRef idx="0">
-            <a:schemeClr val="accent1"/>
-          </a:effectRef>
-          <a:fontRef idx="minor">
-            <a:schemeClr val="lt1"/>
-          </a:fontRef>
-        </p:style>
-        <p:txBody>
-          <a:bodyPr wrap="square" rtlCol="0" anchor="ctr">
-            <a:noAutofit/>
-          </a:bodyPr>
-          <a:lstStyle/>
-          <a:p>
-            <a:pPr marL="0" marR="0" lvl="0" indent="0" algn="ctr" defTabSz="914400" rtl="0" eaLnBrk="1" fontAlgn="auto" latinLnBrk="0" hangingPunct="1">
-              <a:lnSpc>
-                <a:spcPct val="100000"/>
-              </a:lnSpc>
-              <a:spcBef>
-                <a:spcPts val="0"/>
-              </a:spcBef>
-              <a:spcAft>
-                <a:spcPts val="0"/>
-              </a:spcAft>
-              <a:buClrTx/>
-              <a:buSzTx/>
-              <a:buFontTx/>
-              <a:buNone/>
-              <a:tabLst/>
-              <a:defRPr/>
-            </a:pPr>
-            <a:endParaRPr kumimoji="0" lang="en-US" sz="1800" b="0" i="0" u="none" strike="noStrike" kern="1200" cap="none" spc="0" normalizeH="0" baseline="0" noProof="0" dirty="0">
-              <a:ln>
-                <a:noFill/>
-              </a:ln>
-              <a:solidFill>
-                <a:prstClr val="white"/>
-              </a:solidFill>
-              <a:effectLst/>
-              <a:uLnTx/>
-              <a:uFillTx/>
-              <a:latin typeface="Meiryo"/>
-              <a:ea typeface="+mn-ea"/>
-              <a:cs typeface="+mn-cs"/>
-            </a:endParaRPr>
-          </a:p>
-        </p:txBody>
-      </p:sp>
-      <p:sp>
-        <p:nvSpPr>
-          <p:cNvPr id="34" name="Freeform: Shape 33">
-            <a:extLst>
-              <a:ext uri="{FF2B5EF4-FFF2-40B4-BE49-F238E27FC236}">
-                <a16:creationId xmlns:a16="http://schemas.microsoft.com/office/drawing/2014/main" id="{55169443-FCCD-4C0A-8C69-18CD3FA0968D}"/>
-              </a:ext>
-              <a:ext uri="{C183D7F6-B498-43B3-948B-1728B52AA6E4}">
-                <adec:decorative xmlns:adec="http://schemas.microsoft.com/office/drawing/2017/decorative" val="1"/>
-              </a:ext>
-            </a:extLst>
-          </p:cNvPr>
-          <p:cNvSpPr>
-            <a:spLocks noGrp="1" noRot="1" noChangeAspect="1" noMove="1" noResize="1" noEditPoints="1" noAdjustHandles="1" noChangeArrowheads="1" noChangeShapeType="1" noTextEdit="1"/>
-          </p:cNvSpPr>
-          <p:nvPr>
-            <p:extLst>
-              <p:ext uri="{386F3935-93C4-4BCD-93E2-E3B085C9AB24}">
-                <p16:designElem xmlns:p16="http://schemas.microsoft.com/office/powerpoint/2015/main" val="1"/>
-              </p:ext>
-            </p:extLst>
-          </p:nvPr>
-        </p:nvSpPr>
-        <p:spPr>
-          <a:xfrm>
-            <a:off x="924161" y="0"/>
-            <a:ext cx="2261351" cy="6858000"/>
-          </a:xfrm>
-          <a:custGeom>
-            <a:avLst/>
-            <a:gdLst/>
-            <a:ahLst/>
-            <a:cxnLst/>
-            <a:rect l="l" t="t" r="r" b="b"/>
-            <a:pathLst>
-              <a:path w="2521425" h="6858000">
-                <a:moveTo>
-                  <a:pt x="879731" y="0"/>
-                </a:moveTo>
-                <a:lnTo>
-                  <a:pt x="898402" y="0"/>
-                </a:lnTo>
-                <a:lnTo>
-                  <a:pt x="920526" y="14997"/>
-                </a:lnTo>
-                <a:cubicBezTo>
-                  <a:pt x="1947689" y="754641"/>
-                  <a:pt x="2521425" y="2093192"/>
-                  <a:pt x="2521425" y="3621656"/>
-                </a:cubicBezTo>
-                <a:cubicBezTo>
-                  <a:pt x="2521425" y="4969131"/>
-                  <a:pt x="1592700" y="5602839"/>
-                  <a:pt x="647075" y="6374814"/>
-                </a:cubicBezTo>
-                <a:cubicBezTo>
-                  <a:pt x="474872" y="6515397"/>
-                  <a:pt x="304245" y="6653108"/>
-                  <a:pt x="130427" y="6780599"/>
-                </a:cubicBezTo>
-                <a:lnTo>
-                  <a:pt x="18671" y="6858000"/>
-                </a:lnTo>
-                <a:lnTo>
-                  <a:pt x="0" y="6858000"/>
-                </a:lnTo>
-                <a:lnTo>
-                  <a:pt x="111756" y="6780599"/>
-                </a:lnTo>
-                <a:cubicBezTo>
-                  <a:pt x="285574" y="6653108"/>
-                  <a:pt x="456201" y="6515397"/>
-                  <a:pt x="628404" y="6374814"/>
-                </a:cubicBezTo>
-                <a:cubicBezTo>
-                  <a:pt x="1574029" y="5602839"/>
-                  <a:pt x="2502754" y="4969131"/>
-                  <a:pt x="2502754" y="3621656"/>
-                </a:cubicBezTo>
-                <a:cubicBezTo>
-                  <a:pt x="2502754" y="2093192"/>
-                  <a:pt x="1929018" y="754641"/>
-                  <a:pt x="901855" y="14997"/>
-                </a:cubicBezTo>
-                <a:close/>
-              </a:path>
-            </a:pathLst>
-          </a:custGeom>
-          <a:solidFill>
-            <a:schemeClr val="bg2">
-              <a:lumMod val="90000"/>
-            </a:schemeClr>
-          </a:solidFill>
-          <a:ln>
-            <a:noFill/>
-          </a:ln>
-        </p:spPr>
-        <p:style>
-          <a:lnRef idx="2">
-            <a:schemeClr val="accent1">
-              <a:shade val="50000"/>
-            </a:schemeClr>
-          </a:lnRef>
-          <a:fillRef idx="1">
-            <a:schemeClr val="accent1"/>
-          </a:fillRef>
-          <a:effectRef idx="0">
-            <a:schemeClr val="accent1"/>
-          </a:effectRef>
-          <a:fontRef idx="minor">
-            <a:schemeClr val="lt1"/>
-          </a:fontRef>
-        </p:style>
-        <p:txBody>
-          <a:bodyPr wrap="square" rtlCol="0" anchor="ctr">
-            <a:noAutofit/>
-          </a:bodyPr>
-          <a:lstStyle/>
-          <a:p>
-            <a:pPr marL="0" marR="0" lvl="0" indent="0" algn="ctr" defTabSz="914400" rtl="0" eaLnBrk="1" fontAlgn="auto" latinLnBrk="0" hangingPunct="1">
-              <a:lnSpc>
-                <a:spcPct val="100000"/>
-              </a:lnSpc>
-              <a:spcBef>
-                <a:spcPts val="0"/>
-              </a:spcBef>
-              <a:spcAft>
-                <a:spcPts val="0"/>
-              </a:spcAft>
-              <a:buClrTx/>
-              <a:buSzTx/>
-              <a:buFontTx/>
-              <a:buNone/>
-              <a:tabLst/>
-              <a:defRPr/>
-            </a:pPr>
-            <a:endParaRPr kumimoji="0" lang="en-US" sz="1800" b="0" i="0" u="none" strike="noStrike" kern="1200" cap="none" spc="0" normalizeH="0" baseline="0" noProof="0">
-              <a:ln>
-                <a:noFill/>
-              </a:ln>
-              <a:solidFill>
-                <a:prstClr val="white"/>
-              </a:solidFill>
-              <a:effectLst/>
-              <a:uLnTx/>
-              <a:uFillTx/>
-              <a:latin typeface="Meiryo"/>
-              <a:ea typeface="+mn-ea"/>
-              <a:cs typeface="+mn-cs"/>
-            </a:endParaRPr>
-          </a:p>
-        </p:txBody>
-      </p:sp>
-      <p:sp useBgFill="1">
-        <p:nvSpPr>
-          <p:cNvPr id="36" name="Rectangle 35">
-            <a:extLst>
-              <a:ext uri="{FF2B5EF4-FFF2-40B4-BE49-F238E27FC236}">
-                <a16:creationId xmlns:a16="http://schemas.microsoft.com/office/drawing/2014/main" id="{0DBF1ABE-8590-450D-BB49-BDDCCF3EEA9E}"/>
-              </a:ext>
-              <a:ext uri="{C183D7F6-B498-43B3-948B-1728B52AA6E4}">
-                <adec:decorative xmlns:adec="http://schemas.microsoft.com/office/drawing/2017/decorative" val="1"/>
-              </a:ext>
-            </a:extLst>
-          </p:cNvPr>
-          <p:cNvSpPr>
-            <a:spLocks noGrp="1" noRot="1" noChangeAspect="1" noMove="1" noResize="1" noEditPoints="1" noAdjustHandles="1" noChangeArrowheads="1" noChangeShapeType="1" noTextEdit="1"/>
-          </p:cNvSpPr>
-          <p:nvPr>
-            <p:extLst>
-              <p:ext uri="{386F3935-93C4-4BCD-93E2-E3B085C9AB24}">
-                <p16:designElem xmlns:p16="http://schemas.microsoft.com/office/powerpoint/2015/main" val="1"/>
-              </p:ext>
-            </p:extLst>
-          </p:nvPr>
-        </p:nvSpPr>
-        <p:spPr>
-          <a:xfrm>
-            <a:off x="305" y="0"/>
-            <a:ext cx="12191695" cy="6858000"/>
-          </a:xfrm>
-          <a:prstGeom prst="rect">
-            <a:avLst/>
-          </a:prstGeom>
-          <a:ln>
-            <a:noFill/>
-          </a:ln>
-        </p:spPr>
-        <p:style>
-          <a:lnRef idx="2">
-            <a:schemeClr val="accent1">
-              <a:shade val="50000"/>
-            </a:schemeClr>
-          </a:lnRef>
-          <a:fillRef idx="1">
-            <a:schemeClr val="accent1"/>
-          </a:fillRef>
-          <a:effectRef idx="0">
-            <a:schemeClr val="accent1"/>
-          </a:effectRef>
-          <a:fontRef idx="minor">
-            <a:schemeClr val="lt1"/>
-          </a:fontRef>
-        </p:style>
-        <p:txBody>
-          <a:bodyPr rtlCol="0" anchor="ctr"/>
-          <a:lstStyle/>
-          <a:p>
-            <a:pPr marL="0" marR="0" lvl="0" indent="0" algn="ctr" defTabSz="457200" rtl="0" eaLnBrk="1" fontAlgn="auto" latinLnBrk="0" hangingPunct="1">
-              <a:lnSpc>
-                <a:spcPct val="100000"/>
-              </a:lnSpc>
-              <a:spcBef>
-                <a:spcPts val="0"/>
-              </a:spcBef>
-              <a:spcAft>
-                <a:spcPts val="0"/>
-              </a:spcAft>
-              <a:buClrTx/>
-              <a:buSzTx/>
-              <a:buFontTx/>
-              <a:buNone/>
-              <a:tabLst/>
-              <a:defRPr/>
-            </a:pPr>
-            <a:endParaRPr kumimoji="0" lang="en-US" sz="1800" b="0" i="0" u="none" strike="noStrike" kern="1200" cap="none" spc="0" normalizeH="0" baseline="0" noProof="0" dirty="0">
-              <a:ln>
-                <a:noFill/>
-              </a:ln>
-              <a:solidFill>
-                <a:prstClr val="white"/>
-              </a:solidFill>
-              <a:effectLst/>
-              <a:uLnTx/>
-              <a:uFillTx/>
-              <a:latin typeface="Meiryo"/>
-              <a:ea typeface="+mn-ea"/>
-              <a:cs typeface="+mn-cs"/>
-            </a:endParaRPr>
-          </a:p>
-        </p:txBody>
-      </p:sp>
-      <p:pic>
-        <p:nvPicPr>
-          <p:cNvPr id="15" name="Picture 14" descr="Network Technology Background">
-            <a:extLst>
-              <a:ext uri="{FF2B5EF4-FFF2-40B4-BE49-F238E27FC236}">
-                <a16:creationId xmlns:a16="http://schemas.microsoft.com/office/drawing/2014/main" id="{E9109016-76F0-3FA6-A51C-3A2F3EE04A06}"/>
-              </a:ext>
-            </a:extLst>
-          </p:cNvPr>
-          <p:cNvPicPr>
-            <a:picLocks noChangeAspect="1"/>
-          </p:cNvPicPr>
-          <p:nvPr/>
-        </p:nvPicPr>
-        <p:blipFill>
-          <a:blip r:embed="rId2"/>
-          <a:srcRect r="-1" b="3408"/>
-          <a:stretch/>
-        </p:blipFill>
-        <p:spPr>
-          <a:xfrm>
-            <a:off x="1524" y="10"/>
-            <a:ext cx="12188952" cy="6857990"/>
-          </a:xfrm>
-          <a:prstGeom prst="rect">
-            <a:avLst/>
-          </a:prstGeom>
-        </p:spPr>
-      </p:pic>
-      <p:sp>
-        <p:nvSpPr>
-          <p:cNvPr id="38" name="Freeform: Shape 37">
-            <a:extLst>
-              <a:ext uri="{FF2B5EF4-FFF2-40B4-BE49-F238E27FC236}">
-                <a16:creationId xmlns:a16="http://schemas.microsoft.com/office/drawing/2014/main" id="{391F8D69-709A-4575-A393-B4C26481AF3B}"/>
-              </a:ext>
-              <a:ext uri="{C183D7F6-B498-43B3-948B-1728B52AA6E4}">
-                <adec:decorative xmlns:adec="http://schemas.microsoft.com/office/drawing/2017/decorative" val="1"/>
-              </a:ext>
-            </a:extLst>
-          </p:cNvPr>
-          <p:cNvSpPr>
-            <a:spLocks noGrp="1" noRot="1" noChangeAspect="1" noMove="1" noResize="1" noEditPoints="1" noAdjustHandles="1" noChangeArrowheads="1" noChangeShapeType="1" noTextEdit="1"/>
-          </p:cNvSpPr>
-          <p:nvPr>
-            <p:extLst>
-              <p:ext uri="{386F3935-93C4-4BCD-93E2-E3B085C9AB24}">
-                <p16:designElem xmlns:p16="http://schemas.microsoft.com/office/powerpoint/2015/main" val="1"/>
-              </p:ext>
-            </p:extLst>
-          </p:nvPr>
-        </p:nvSpPr>
-        <p:spPr>
-          <a:xfrm flipH="1">
-            <a:off x="966083" y="0"/>
-            <a:ext cx="9841377" cy="6858000"/>
-          </a:xfrm>
-          <a:custGeom>
-            <a:avLst/>
-            <a:gdLst>
-              <a:gd name="connsiteX0" fmla="*/ 8218354 w 9841377"/>
-              <a:gd name="connsiteY0" fmla="*/ 0 h 6858000"/>
-              <a:gd name="connsiteX1" fmla="*/ 5551962 w 9841377"/>
-              <a:gd name="connsiteY1" fmla="*/ 0 h 6858000"/>
-              <a:gd name="connsiteX2" fmla="*/ 5482342 w 9841377"/>
-              <a:gd name="connsiteY2" fmla="*/ 0 h 6858000"/>
-              <a:gd name="connsiteX3" fmla="*/ 4359035 w 9841377"/>
-              <a:gd name="connsiteY3" fmla="*/ 0 h 6858000"/>
-              <a:gd name="connsiteX4" fmla="*/ 4289415 w 9841377"/>
-              <a:gd name="connsiteY4" fmla="*/ 0 h 6858000"/>
-              <a:gd name="connsiteX5" fmla="*/ 1623023 w 9841377"/>
-              <a:gd name="connsiteY5" fmla="*/ 0 h 6858000"/>
-              <a:gd name="connsiteX6" fmla="*/ 1600899 w 9841377"/>
-              <a:gd name="connsiteY6" fmla="*/ 14997 h 6858000"/>
-              <a:gd name="connsiteX7" fmla="*/ 0 w 9841377"/>
-              <a:gd name="connsiteY7" fmla="*/ 3621656 h 6858000"/>
-              <a:gd name="connsiteX8" fmla="*/ 1874350 w 9841377"/>
-              <a:gd name="connsiteY8" fmla="*/ 6374814 h 6858000"/>
-              <a:gd name="connsiteX9" fmla="*/ 2390998 w 9841377"/>
-              <a:gd name="connsiteY9" fmla="*/ 6780599 h 6858000"/>
-              <a:gd name="connsiteX10" fmla="*/ 2502754 w 9841377"/>
-              <a:gd name="connsiteY10" fmla="*/ 6858000 h 6858000"/>
-              <a:gd name="connsiteX11" fmla="*/ 4289415 w 9841377"/>
-              <a:gd name="connsiteY11" fmla="*/ 6858000 h 6858000"/>
-              <a:gd name="connsiteX12" fmla="*/ 4359035 w 9841377"/>
-              <a:gd name="connsiteY12" fmla="*/ 6858000 h 6858000"/>
-              <a:gd name="connsiteX13" fmla="*/ 5482342 w 9841377"/>
-              <a:gd name="connsiteY13" fmla="*/ 6858000 h 6858000"/>
-              <a:gd name="connsiteX14" fmla="*/ 5551962 w 9841377"/>
-              <a:gd name="connsiteY14" fmla="*/ 6858000 h 6858000"/>
-              <a:gd name="connsiteX15" fmla="*/ 7338623 w 9841377"/>
-              <a:gd name="connsiteY15" fmla="*/ 6858000 h 6858000"/>
-              <a:gd name="connsiteX16" fmla="*/ 7450379 w 9841377"/>
-              <a:gd name="connsiteY16" fmla="*/ 6780599 h 6858000"/>
-              <a:gd name="connsiteX17" fmla="*/ 7967027 w 9841377"/>
-              <a:gd name="connsiteY17" fmla="*/ 6374814 h 6858000"/>
-              <a:gd name="connsiteX18" fmla="*/ 9841377 w 9841377"/>
-              <a:gd name="connsiteY18" fmla="*/ 3621656 h 6858000"/>
-              <a:gd name="connsiteX19" fmla="*/ 8240478 w 9841377"/>
-              <a:gd name="connsiteY19" fmla="*/ 14997 h 6858000"/>
-            </a:gdLst>
-            <a:ahLst/>
-            <a:cxnLst>
-              <a:cxn ang="0">
-                <a:pos x="connsiteX0" y="connsiteY0"/>
-              </a:cxn>
-              <a:cxn ang="0">
-                <a:pos x="connsiteX1" y="connsiteY1"/>
-              </a:cxn>
-              <a:cxn ang="0">
-                <a:pos x="connsiteX2" y="connsiteY2"/>
-              </a:cxn>
-              <a:cxn ang="0">
-                <a:pos x="connsiteX3" y="connsiteY3"/>
-              </a:cxn>
-              <a:cxn ang="0">
-                <a:pos x="connsiteX4" y="connsiteY4"/>
-              </a:cxn>
-              <a:cxn ang="0">
-                <a:pos x="connsiteX5" y="connsiteY5"/>
-              </a:cxn>
-              <a:cxn ang="0">
-                <a:pos x="connsiteX6" y="connsiteY6"/>
-              </a:cxn>
-              <a:cxn ang="0">
-                <a:pos x="connsiteX7" y="connsiteY7"/>
-              </a:cxn>
-              <a:cxn ang="0">
-                <a:pos x="connsiteX8" y="connsiteY8"/>
-              </a:cxn>
-              <a:cxn ang="0">
-                <a:pos x="connsiteX9" y="connsiteY9"/>
-              </a:cxn>
-              <a:cxn ang="0">
-                <a:pos x="connsiteX10" y="connsiteY10"/>
-              </a:cxn>
-              <a:cxn ang="0">
-                <a:pos x="connsiteX11" y="connsiteY11"/>
-              </a:cxn>
-              <a:cxn ang="0">
-                <a:pos x="connsiteX12" y="connsiteY12"/>
-              </a:cxn>
-              <a:cxn ang="0">
-                <a:pos x="connsiteX13" y="connsiteY13"/>
-              </a:cxn>
-              <a:cxn ang="0">
-                <a:pos x="connsiteX14" y="connsiteY14"/>
-              </a:cxn>
-              <a:cxn ang="0">
-                <a:pos x="connsiteX15" y="connsiteY15"/>
-              </a:cxn>
-              <a:cxn ang="0">
-                <a:pos x="connsiteX16" y="connsiteY16"/>
-              </a:cxn>
-              <a:cxn ang="0">
-                <a:pos x="connsiteX17" y="connsiteY17"/>
-              </a:cxn>
-              <a:cxn ang="0">
-                <a:pos x="connsiteX18" y="connsiteY18"/>
-              </a:cxn>
-              <a:cxn ang="0">
-                <a:pos x="connsiteX19" y="connsiteY19"/>
-              </a:cxn>
-            </a:cxnLst>
-            <a:rect l="l" t="t" r="r" b="b"/>
-            <a:pathLst>
-              <a:path w="9841377" h="6858000">
-                <a:moveTo>
-                  <a:pt x="8218354" y="0"/>
-                </a:moveTo>
-                <a:lnTo>
-                  <a:pt x="5551962" y="0"/>
-                </a:lnTo>
-                <a:lnTo>
-                  <a:pt x="5482342" y="0"/>
-                </a:lnTo>
-                <a:lnTo>
-                  <a:pt x="4359035" y="0"/>
-                </a:lnTo>
-                <a:lnTo>
-                  <a:pt x="4289415" y="0"/>
-                </a:lnTo>
-                <a:lnTo>
-                  <a:pt x="1623023" y="0"/>
-                </a:lnTo>
-                <a:lnTo>
-                  <a:pt x="1600899" y="14997"/>
-                </a:lnTo>
-                <a:cubicBezTo>
-                  <a:pt x="573736" y="754641"/>
-                  <a:pt x="0" y="2093192"/>
-                  <a:pt x="0" y="3621656"/>
-                </a:cubicBezTo>
-                <a:cubicBezTo>
-                  <a:pt x="0" y="4969131"/>
-                  <a:pt x="928725" y="5602839"/>
-                  <a:pt x="1874350" y="6374814"/>
-                </a:cubicBezTo>
-                <a:cubicBezTo>
-                  <a:pt x="2046553" y="6515397"/>
-                  <a:pt x="2217180" y="6653108"/>
-                  <a:pt x="2390998" y="6780599"/>
-                </a:cubicBezTo>
-                <a:lnTo>
-                  <a:pt x="2502754" y="6858000"/>
-                </a:lnTo>
-                <a:lnTo>
-                  <a:pt x="4289415" y="6858000"/>
-                </a:lnTo>
-                <a:lnTo>
-                  <a:pt x="4359035" y="6858000"/>
-                </a:lnTo>
-                <a:lnTo>
-                  <a:pt x="5482342" y="6858000"/>
-                </a:lnTo>
-                <a:lnTo>
-                  <a:pt x="5551962" y="6858000"/>
-                </a:lnTo>
-                <a:lnTo>
-                  <a:pt x="7338623" y="6858000"/>
-                </a:lnTo>
-                <a:lnTo>
-                  <a:pt x="7450379" y="6780599"/>
-                </a:lnTo>
-                <a:cubicBezTo>
-                  <a:pt x="7624197" y="6653108"/>
-                  <a:pt x="7794824" y="6515397"/>
-                  <a:pt x="7967027" y="6374814"/>
-                </a:cubicBezTo>
-                <a:cubicBezTo>
-                  <a:pt x="8912652" y="5602839"/>
-                  <a:pt x="9841377" y="4969131"/>
-                  <a:pt x="9841377" y="3621656"/>
-                </a:cubicBezTo>
-                <a:cubicBezTo>
-                  <a:pt x="9841377" y="2093192"/>
-                  <a:pt x="9267641" y="754641"/>
-                  <a:pt x="8240478" y="14997"/>
-                </a:cubicBezTo>
-                <a:close/>
-              </a:path>
-            </a:pathLst>
-          </a:custGeom>
-          <a:solidFill>
-            <a:schemeClr val="bg1">
-              <a:alpha val="85000"/>
-            </a:schemeClr>
+            <a:srgbClr val="FFFFFF"/>
           </a:solidFill>
           <a:ln>
             <a:noFill/>
@@ -22400,862 +27098,10 @@
       </p:sp>
       <p:sp>
         <p:nvSpPr>
-          <p:cNvPr id="40" name="Freeform: Shape 39">
-            <a:extLst>
-              <a:ext uri="{FF2B5EF4-FFF2-40B4-BE49-F238E27FC236}">
-                <a16:creationId xmlns:a16="http://schemas.microsoft.com/office/drawing/2014/main" id="{C87A50C4-1191-461A-9E09-C8057F2AF01F}"/>
-              </a:ext>
-              <a:ext uri="{C183D7F6-B498-43B3-948B-1728B52AA6E4}">
-                <adec:decorative xmlns:adec="http://schemas.microsoft.com/office/drawing/2017/decorative" val="1"/>
-              </a:ext>
-            </a:extLst>
-          </p:cNvPr>
-          <p:cNvSpPr>
-            <a:spLocks noGrp="1" noRot="1" noChangeAspect="1" noMove="1" noResize="1" noEditPoints="1" noAdjustHandles="1" noChangeArrowheads="1" noChangeShapeType="1" noTextEdit="1"/>
-          </p:cNvSpPr>
-          <p:nvPr>
-            <p:extLst>
-              <p:ext uri="{386F3935-93C4-4BCD-93E2-E3B085C9AB24}">
-                <p16:designElem xmlns:p16="http://schemas.microsoft.com/office/powerpoint/2015/main" val="1"/>
-              </p:ext>
-            </p:extLst>
-          </p:nvPr>
-        </p:nvSpPr>
-        <p:spPr>
-          <a:xfrm flipH="1">
-            <a:off x="643035" y="0"/>
-            <a:ext cx="2265453" cy="6858000"/>
-          </a:xfrm>
-          <a:custGeom>
-            <a:avLst/>
-            <a:gdLst>
-              <a:gd name="connsiteX0" fmla="*/ 1117108 w 2265453"/>
-              <a:gd name="connsiteY0" fmla="*/ 0 h 6858000"/>
-              <a:gd name="connsiteX1" fmla="*/ 1099628 w 2265453"/>
-              <a:gd name="connsiteY1" fmla="*/ 0 h 6858000"/>
-              <a:gd name="connsiteX2" fmla="*/ 1175238 w 2265453"/>
-              <a:gd name="connsiteY2" fmla="*/ 82371 h 6858000"/>
-              <a:gd name="connsiteX3" fmla="*/ 2240276 w 2265453"/>
-              <a:gd name="connsiteY3" fmla="*/ 3734791 h 6858000"/>
-              <a:gd name="connsiteX4" fmla="*/ 274951 w 2265453"/>
-              <a:gd name="connsiteY4" fmla="*/ 6634678 h 6858000"/>
-              <a:gd name="connsiteX5" fmla="*/ 12802 w 2265453"/>
-              <a:gd name="connsiteY5" fmla="*/ 6848127 h 6858000"/>
-              <a:gd name="connsiteX6" fmla="*/ 0 w 2265453"/>
-              <a:gd name="connsiteY6" fmla="*/ 6858000 h 6858000"/>
-              <a:gd name="connsiteX7" fmla="*/ 19410 w 2265453"/>
-              <a:gd name="connsiteY7" fmla="*/ 6858000 h 6858000"/>
-              <a:gd name="connsiteX8" fmla="*/ 31082 w 2265453"/>
-              <a:gd name="connsiteY8" fmla="*/ 6848998 h 6858000"/>
-              <a:gd name="connsiteX9" fmla="*/ 293230 w 2265453"/>
-              <a:gd name="connsiteY9" fmla="*/ 6635549 h 6858000"/>
-              <a:gd name="connsiteX10" fmla="*/ 2258555 w 2265453"/>
-              <a:gd name="connsiteY10" fmla="*/ 3735662 h 6858000"/>
-              <a:gd name="connsiteX11" fmla="*/ 1193518 w 2265453"/>
-              <a:gd name="connsiteY11" fmla="*/ 83243 h 6858000"/>
-            </a:gdLst>
-            <a:ahLst/>
-            <a:cxnLst>
-              <a:cxn ang="0">
-                <a:pos x="connsiteX0" y="connsiteY0"/>
-              </a:cxn>
-              <a:cxn ang="0">
-                <a:pos x="connsiteX1" y="connsiteY1"/>
-              </a:cxn>
-              <a:cxn ang="0">
-                <a:pos x="connsiteX2" y="connsiteY2"/>
-              </a:cxn>
-              <a:cxn ang="0">
-                <a:pos x="connsiteX3" y="connsiteY3"/>
-              </a:cxn>
-              <a:cxn ang="0">
-                <a:pos x="connsiteX4" y="connsiteY4"/>
-              </a:cxn>
-              <a:cxn ang="0">
-                <a:pos x="connsiteX5" y="connsiteY5"/>
-              </a:cxn>
-              <a:cxn ang="0">
-                <a:pos x="connsiteX6" y="connsiteY6"/>
-              </a:cxn>
-              <a:cxn ang="0">
-                <a:pos x="connsiteX7" y="connsiteY7"/>
-              </a:cxn>
-              <a:cxn ang="0">
-                <a:pos x="connsiteX8" y="connsiteY8"/>
-              </a:cxn>
-              <a:cxn ang="0">
-                <a:pos x="connsiteX9" y="connsiteY9"/>
-              </a:cxn>
-              <a:cxn ang="0">
-                <a:pos x="connsiteX10" y="connsiteY10"/>
-              </a:cxn>
-              <a:cxn ang="0">
-                <a:pos x="connsiteX11" y="connsiteY11"/>
-              </a:cxn>
-            </a:cxnLst>
-            <a:rect l="l" t="t" r="r" b="b"/>
-            <a:pathLst>
-              <a:path w="2265453" h="6858000">
-                <a:moveTo>
-                  <a:pt x="1117108" y="0"/>
-                </a:moveTo>
-                <a:lnTo>
-                  <a:pt x="1099628" y="0"/>
-                </a:lnTo>
-                <a:lnTo>
-                  <a:pt x="1175238" y="82371"/>
-                </a:lnTo>
-                <a:cubicBezTo>
-                  <a:pt x="1926546" y="957940"/>
-                  <a:pt x="2303836" y="2277119"/>
-                  <a:pt x="2240276" y="3734791"/>
-                </a:cubicBezTo>
-                <a:cubicBezTo>
-                  <a:pt x="2176522" y="5196911"/>
-                  <a:pt x="1237280" y="5841173"/>
-                  <a:pt x="274951" y="6634678"/>
-                </a:cubicBezTo>
-                <a:cubicBezTo>
-                  <a:pt x="187328" y="6706930"/>
-                  <a:pt x="100126" y="6778421"/>
-                  <a:pt x="12802" y="6848127"/>
-                </a:cubicBezTo>
-                <a:lnTo>
-                  <a:pt x="0" y="6858000"/>
-                </a:lnTo>
-                <a:lnTo>
-                  <a:pt x="19410" y="6858000"/>
-                </a:lnTo>
-                <a:lnTo>
-                  <a:pt x="31082" y="6848998"/>
-                </a:lnTo>
-                <a:cubicBezTo>
-                  <a:pt x="118405" y="6779292"/>
-                  <a:pt x="205608" y="6707801"/>
-                  <a:pt x="293230" y="6635549"/>
-                </a:cubicBezTo>
-                <a:cubicBezTo>
-                  <a:pt x="1255560" y="5842045"/>
-                  <a:pt x="2194802" y="5197782"/>
-                  <a:pt x="2258555" y="3735662"/>
-                </a:cubicBezTo>
-                <a:cubicBezTo>
-                  <a:pt x="2322115" y="2277991"/>
-                  <a:pt x="1944825" y="958811"/>
-                  <a:pt x="1193518" y="83243"/>
-                </a:cubicBezTo>
-                <a:close/>
-              </a:path>
-            </a:pathLst>
-          </a:custGeom>
-          <a:solidFill>
-            <a:srgbClr val="FFFFFF"/>
-          </a:solidFill>
-          <a:ln>
-            <a:noFill/>
-          </a:ln>
-        </p:spPr>
-        <p:style>
-          <a:lnRef idx="2">
-            <a:schemeClr val="accent1">
-              <a:shade val="50000"/>
-            </a:schemeClr>
-          </a:lnRef>
-          <a:fillRef idx="1">
-            <a:schemeClr val="accent1"/>
-          </a:fillRef>
-          <a:effectRef idx="0">
-            <a:schemeClr val="accent1"/>
-          </a:effectRef>
-          <a:fontRef idx="minor">
-            <a:schemeClr val="lt1"/>
-          </a:fontRef>
-        </p:style>
-        <p:txBody>
-          <a:bodyPr wrap="square" rtlCol="0" anchor="ctr">
-            <a:noAutofit/>
-          </a:bodyPr>
-          <a:lstStyle/>
-          <a:p>
-            <a:pPr marL="0" marR="0" lvl="0" indent="0" algn="ctr" defTabSz="457200" rtl="0" eaLnBrk="1" fontAlgn="auto" latinLnBrk="0" hangingPunct="1">
-              <a:lnSpc>
-                <a:spcPct val="100000"/>
-              </a:lnSpc>
-              <a:spcBef>
-                <a:spcPts val="0"/>
-              </a:spcBef>
-              <a:spcAft>
-                <a:spcPts val="0"/>
-              </a:spcAft>
-              <a:buClrTx/>
-              <a:buSzTx/>
-              <a:buFontTx/>
-              <a:buNone/>
-              <a:tabLst/>
-              <a:defRPr/>
-            </a:pPr>
-            <a:endParaRPr kumimoji="0" lang="en-US" sz="1800" b="0" i="0" u="none" strike="noStrike" kern="1200" cap="none" spc="0" normalizeH="0" baseline="0" noProof="0" dirty="0">
-              <a:ln>
-                <a:noFill/>
-              </a:ln>
-              <a:solidFill>
-                <a:prstClr val="white"/>
-              </a:solidFill>
-              <a:effectLst/>
-              <a:uLnTx/>
-              <a:uFillTx/>
-              <a:latin typeface="Meiryo"/>
-              <a:ea typeface="+mn-ea"/>
-              <a:cs typeface="+mn-cs"/>
-            </a:endParaRPr>
-          </a:p>
-        </p:txBody>
-      </p:sp>
-      <p:sp>
-        <p:nvSpPr>
-          <p:cNvPr id="42" name="Freeform: Shape 41">
-            <a:extLst>
-              <a:ext uri="{FF2B5EF4-FFF2-40B4-BE49-F238E27FC236}">
-                <a16:creationId xmlns:a16="http://schemas.microsoft.com/office/drawing/2014/main" id="{BC87DA9F-8DB2-4D48-8716-A928FBB8A5D2}"/>
-              </a:ext>
-              <a:ext uri="{C183D7F6-B498-43B3-948B-1728B52AA6E4}">
-                <adec:decorative xmlns:adec="http://schemas.microsoft.com/office/drawing/2017/decorative" val="1"/>
-              </a:ext>
-            </a:extLst>
-          </p:cNvPr>
-          <p:cNvSpPr>
-            <a:spLocks noGrp="1" noRot="1" noChangeAspect="1" noMove="1" noResize="1" noEditPoints="1" noAdjustHandles="1" noChangeArrowheads="1" noChangeShapeType="1" noTextEdit="1"/>
-          </p:cNvSpPr>
-          <p:nvPr>
-            <p:extLst>
-              <p:ext uri="{386F3935-93C4-4BCD-93E2-E3B085C9AB24}">
-                <p16:designElem xmlns:p16="http://schemas.microsoft.com/office/powerpoint/2015/main" val="1"/>
-              </p:ext>
-            </p:extLst>
-          </p:nvPr>
-        </p:nvSpPr>
-        <p:spPr>
-          <a:xfrm flipH="1">
-            <a:off x="811033" y="0"/>
-            <a:ext cx="2486322" cy="6858000"/>
-          </a:xfrm>
-          <a:custGeom>
-            <a:avLst/>
-            <a:gdLst>
-              <a:gd name="connsiteX0" fmla="*/ 879731 w 2521425"/>
-              <a:gd name="connsiteY0" fmla="*/ 0 h 6858000"/>
-              <a:gd name="connsiteX1" fmla="*/ 898402 w 2521425"/>
-              <a:gd name="connsiteY1" fmla="*/ 0 h 6858000"/>
-              <a:gd name="connsiteX2" fmla="*/ 920526 w 2521425"/>
-              <a:gd name="connsiteY2" fmla="*/ 14997 h 6858000"/>
-              <a:gd name="connsiteX3" fmla="*/ 2521425 w 2521425"/>
-              <a:gd name="connsiteY3" fmla="*/ 3621656 h 6858000"/>
-              <a:gd name="connsiteX4" fmla="*/ 647075 w 2521425"/>
-              <a:gd name="connsiteY4" fmla="*/ 6374814 h 6858000"/>
-              <a:gd name="connsiteX5" fmla="*/ 130427 w 2521425"/>
-              <a:gd name="connsiteY5" fmla="*/ 6780599 h 6858000"/>
-              <a:gd name="connsiteX6" fmla="*/ 18671 w 2521425"/>
-              <a:gd name="connsiteY6" fmla="*/ 6858000 h 6858000"/>
-              <a:gd name="connsiteX7" fmla="*/ 0 w 2521425"/>
-              <a:gd name="connsiteY7" fmla="*/ 6858000 h 6858000"/>
-              <a:gd name="connsiteX8" fmla="*/ 111756 w 2521425"/>
-              <a:gd name="connsiteY8" fmla="*/ 6780599 h 6858000"/>
-              <a:gd name="connsiteX9" fmla="*/ 628404 w 2521425"/>
-              <a:gd name="connsiteY9" fmla="*/ 6374814 h 6858000"/>
-              <a:gd name="connsiteX10" fmla="*/ 2502754 w 2521425"/>
-              <a:gd name="connsiteY10" fmla="*/ 3621656 h 6858000"/>
-              <a:gd name="connsiteX11" fmla="*/ 901855 w 2521425"/>
-              <a:gd name="connsiteY11" fmla="*/ 14997 h 6858000"/>
-            </a:gdLst>
-            <a:ahLst/>
-            <a:cxnLst>
-              <a:cxn ang="0">
-                <a:pos x="connsiteX0" y="connsiteY0"/>
-              </a:cxn>
-              <a:cxn ang="0">
-                <a:pos x="connsiteX1" y="connsiteY1"/>
-              </a:cxn>
-              <a:cxn ang="0">
-                <a:pos x="connsiteX2" y="connsiteY2"/>
-              </a:cxn>
-              <a:cxn ang="0">
-                <a:pos x="connsiteX3" y="connsiteY3"/>
-              </a:cxn>
-              <a:cxn ang="0">
-                <a:pos x="connsiteX4" y="connsiteY4"/>
-              </a:cxn>
-              <a:cxn ang="0">
-                <a:pos x="connsiteX5" y="connsiteY5"/>
-              </a:cxn>
-              <a:cxn ang="0">
-                <a:pos x="connsiteX6" y="connsiteY6"/>
-              </a:cxn>
-              <a:cxn ang="0">
-                <a:pos x="connsiteX7" y="connsiteY7"/>
-              </a:cxn>
-              <a:cxn ang="0">
-                <a:pos x="connsiteX8" y="connsiteY8"/>
-              </a:cxn>
-              <a:cxn ang="0">
-                <a:pos x="connsiteX9" y="connsiteY9"/>
-              </a:cxn>
-              <a:cxn ang="0">
-                <a:pos x="connsiteX10" y="connsiteY10"/>
-              </a:cxn>
-              <a:cxn ang="0">
-                <a:pos x="connsiteX11" y="connsiteY11"/>
-              </a:cxn>
-            </a:cxnLst>
-            <a:rect l="l" t="t" r="r" b="b"/>
-            <a:pathLst>
-              <a:path w="2521425" h="6858000">
-                <a:moveTo>
-                  <a:pt x="879731" y="0"/>
-                </a:moveTo>
-                <a:lnTo>
-                  <a:pt x="898402" y="0"/>
-                </a:lnTo>
-                <a:lnTo>
-                  <a:pt x="920526" y="14997"/>
-                </a:lnTo>
-                <a:cubicBezTo>
-                  <a:pt x="1947689" y="754641"/>
-                  <a:pt x="2521425" y="2093192"/>
-                  <a:pt x="2521425" y="3621656"/>
-                </a:cubicBezTo>
-                <a:cubicBezTo>
-                  <a:pt x="2521425" y="4969131"/>
-                  <a:pt x="1592700" y="5602839"/>
-                  <a:pt x="647075" y="6374814"/>
-                </a:cubicBezTo>
-                <a:cubicBezTo>
-                  <a:pt x="474872" y="6515397"/>
-                  <a:pt x="304245" y="6653108"/>
-                  <a:pt x="130427" y="6780599"/>
-                </a:cubicBezTo>
-                <a:lnTo>
-                  <a:pt x="18671" y="6858000"/>
-                </a:lnTo>
-                <a:lnTo>
-                  <a:pt x="0" y="6858000"/>
-                </a:lnTo>
-                <a:lnTo>
-                  <a:pt x="111756" y="6780599"/>
-                </a:lnTo>
-                <a:cubicBezTo>
-                  <a:pt x="285574" y="6653108"/>
-                  <a:pt x="456201" y="6515397"/>
-                  <a:pt x="628404" y="6374814"/>
-                </a:cubicBezTo>
-                <a:cubicBezTo>
-                  <a:pt x="1574029" y="5602839"/>
-                  <a:pt x="2502754" y="4969131"/>
-                  <a:pt x="2502754" y="3621656"/>
-                </a:cubicBezTo>
-                <a:cubicBezTo>
-                  <a:pt x="2502754" y="2093192"/>
-                  <a:pt x="1929018" y="754641"/>
-                  <a:pt x="901855" y="14997"/>
-                </a:cubicBezTo>
-                <a:close/>
-              </a:path>
-            </a:pathLst>
-          </a:custGeom>
-          <a:solidFill>
-            <a:srgbClr val="FFFFFF"/>
-          </a:solidFill>
-          <a:ln>
-            <a:noFill/>
-          </a:ln>
-        </p:spPr>
-        <p:style>
-          <a:lnRef idx="2">
-            <a:schemeClr val="accent1">
-              <a:shade val="50000"/>
-            </a:schemeClr>
-          </a:lnRef>
-          <a:fillRef idx="1">
-            <a:schemeClr val="accent1"/>
-          </a:fillRef>
-          <a:effectRef idx="0">
-            <a:schemeClr val="accent1"/>
-          </a:effectRef>
-          <a:fontRef idx="minor">
-            <a:schemeClr val="lt1"/>
-          </a:fontRef>
-        </p:style>
-        <p:txBody>
-          <a:bodyPr wrap="square" rtlCol="0" anchor="ctr">
-            <a:noAutofit/>
-          </a:bodyPr>
-          <a:lstStyle/>
-          <a:p>
-            <a:pPr marL="0" marR="0" lvl="0" indent="0" algn="ctr" defTabSz="914400" rtl="0" eaLnBrk="1" fontAlgn="auto" latinLnBrk="0" hangingPunct="1">
-              <a:lnSpc>
-                <a:spcPct val="100000"/>
-              </a:lnSpc>
-              <a:spcBef>
-                <a:spcPts val="0"/>
-              </a:spcBef>
-              <a:spcAft>
-                <a:spcPts val="0"/>
-              </a:spcAft>
-              <a:buClrTx/>
-              <a:buSzTx/>
-              <a:buFontTx/>
-              <a:buNone/>
-              <a:tabLst/>
-              <a:defRPr/>
-            </a:pPr>
-            <a:endParaRPr kumimoji="0" lang="en-US" sz="1800" b="0" i="0" u="none" strike="noStrike" kern="1200" cap="none" spc="0" normalizeH="0" baseline="0" noProof="0" dirty="0">
-              <a:ln>
-                <a:noFill/>
-              </a:ln>
-              <a:solidFill>
-                <a:prstClr val="white"/>
-              </a:solidFill>
-              <a:effectLst/>
-              <a:uLnTx/>
-              <a:uFillTx/>
-              <a:latin typeface="Meiryo"/>
-              <a:ea typeface="+mn-ea"/>
-              <a:cs typeface="+mn-cs"/>
-            </a:endParaRPr>
-          </a:p>
-        </p:txBody>
-      </p:sp>
-      <p:sp>
-        <p:nvSpPr>
-          <p:cNvPr id="44" name="Freeform: Shape 43">
-            <a:extLst>
-              <a:ext uri="{FF2B5EF4-FFF2-40B4-BE49-F238E27FC236}">
-                <a16:creationId xmlns:a16="http://schemas.microsoft.com/office/drawing/2014/main" id="{195EA065-AC5D-431D-927E-87FF05884866}"/>
-              </a:ext>
-              <a:ext uri="{C183D7F6-B498-43B3-948B-1728B52AA6E4}">
-                <adec:decorative xmlns:adec="http://schemas.microsoft.com/office/drawing/2017/decorative" val="1"/>
-              </a:ext>
-            </a:extLst>
-          </p:cNvPr>
-          <p:cNvSpPr>
-            <a:spLocks noGrp="1" noRot="1" noChangeAspect="1" noMove="1" noResize="1" noEditPoints="1" noAdjustHandles="1" noChangeArrowheads="1" noChangeShapeType="1" noTextEdit="1"/>
-          </p:cNvSpPr>
-          <p:nvPr>
-            <p:extLst>
-              <p:ext uri="{386F3935-93C4-4BCD-93E2-E3B085C9AB24}">
-                <p16:designElem xmlns:p16="http://schemas.microsoft.com/office/powerpoint/2015/main" val="1"/>
-              </p:ext>
-            </p:extLst>
-          </p:nvPr>
-        </p:nvSpPr>
-        <p:spPr>
-          <a:xfrm>
-            <a:off x="8696194" y="0"/>
-            <a:ext cx="2529723" cy="6858000"/>
-          </a:xfrm>
-          <a:custGeom>
-            <a:avLst/>
-            <a:gdLst>
-              <a:gd name="connsiteX0" fmla="*/ 1258269 w 2529723"/>
-              <a:gd name="connsiteY0" fmla="*/ 0 h 6858000"/>
-              <a:gd name="connsiteX1" fmla="*/ 1275627 w 2529723"/>
-              <a:gd name="connsiteY1" fmla="*/ 0 h 6858000"/>
-              <a:gd name="connsiteX2" fmla="*/ 1302560 w 2529723"/>
-              <a:gd name="connsiteY2" fmla="*/ 24338 h 6858000"/>
-              <a:gd name="connsiteX3" fmla="*/ 2522825 w 2529723"/>
-              <a:gd name="connsiteY3" fmla="*/ 3678515 h 6858000"/>
-              <a:gd name="connsiteX4" fmla="*/ 557500 w 2529723"/>
-              <a:gd name="connsiteY4" fmla="*/ 6451411 h 6858000"/>
-              <a:gd name="connsiteX5" fmla="*/ 32482 w 2529723"/>
-              <a:gd name="connsiteY5" fmla="*/ 6849373 h 6858000"/>
-              <a:gd name="connsiteX6" fmla="*/ 19531 w 2529723"/>
-              <a:gd name="connsiteY6" fmla="*/ 6858000 h 6858000"/>
-              <a:gd name="connsiteX7" fmla="*/ 0 w 2529723"/>
-              <a:gd name="connsiteY7" fmla="*/ 6858000 h 6858000"/>
-              <a:gd name="connsiteX8" fmla="*/ 14202 w 2529723"/>
-              <a:gd name="connsiteY8" fmla="*/ 6848540 h 6858000"/>
-              <a:gd name="connsiteX9" fmla="*/ 539221 w 2529723"/>
-              <a:gd name="connsiteY9" fmla="*/ 6450578 h 6858000"/>
-              <a:gd name="connsiteX10" fmla="*/ 2504546 w 2529723"/>
-              <a:gd name="connsiteY10" fmla="*/ 3677682 h 6858000"/>
-              <a:gd name="connsiteX11" fmla="*/ 1284280 w 2529723"/>
-              <a:gd name="connsiteY11" fmla="*/ 23504 h 6858000"/>
-            </a:gdLst>
-            <a:ahLst/>
-            <a:cxnLst>
-              <a:cxn ang="0">
-                <a:pos x="connsiteX0" y="connsiteY0"/>
-              </a:cxn>
-              <a:cxn ang="0">
-                <a:pos x="connsiteX1" y="connsiteY1"/>
-              </a:cxn>
-              <a:cxn ang="0">
-                <a:pos x="connsiteX2" y="connsiteY2"/>
-              </a:cxn>
-              <a:cxn ang="0">
-                <a:pos x="connsiteX3" y="connsiteY3"/>
-              </a:cxn>
-              <a:cxn ang="0">
-                <a:pos x="connsiteX4" y="connsiteY4"/>
-              </a:cxn>
-              <a:cxn ang="0">
-                <a:pos x="connsiteX5" y="connsiteY5"/>
-              </a:cxn>
-              <a:cxn ang="0">
-                <a:pos x="connsiteX6" y="connsiteY6"/>
-              </a:cxn>
-              <a:cxn ang="0">
-                <a:pos x="connsiteX7" y="connsiteY7"/>
-              </a:cxn>
-              <a:cxn ang="0">
-                <a:pos x="connsiteX8" y="connsiteY8"/>
-              </a:cxn>
-              <a:cxn ang="0">
-                <a:pos x="connsiteX9" y="connsiteY9"/>
-              </a:cxn>
-              <a:cxn ang="0">
-                <a:pos x="connsiteX10" y="connsiteY10"/>
-              </a:cxn>
-              <a:cxn ang="0">
-                <a:pos x="connsiteX11" y="connsiteY11"/>
-              </a:cxn>
-            </a:cxnLst>
-            <a:rect l="l" t="t" r="r" b="b"/>
-            <a:pathLst>
-              <a:path w="2529723" h="6858000">
-                <a:moveTo>
-                  <a:pt x="1258269" y="0"/>
-                </a:moveTo>
-                <a:lnTo>
-                  <a:pt x="1275627" y="0"/>
-                </a:lnTo>
-                <a:lnTo>
-                  <a:pt x="1302560" y="24338"/>
-                </a:lnTo>
-                <a:cubicBezTo>
-                  <a:pt x="2156831" y="855667"/>
-                  <a:pt x="2590622" y="2191755"/>
-                  <a:pt x="2522825" y="3678515"/>
-                </a:cubicBezTo>
-                <a:cubicBezTo>
-                  <a:pt x="2459072" y="5076606"/>
-                  <a:pt x="1519830" y="5692656"/>
-                  <a:pt x="557500" y="6451411"/>
-                </a:cubicBezTo>
-                <a:cubicBezTo>
-                  <a:pt x="382255" y="6589587"/>
-                  <a:pt x="208689" y="6724853"/>
-                  <a:pt x="32482" y="6849373"/>
-                </a:cubicBezTo>
-                <a:lnTo>
-                  <a:pt x="19531" y="6858000"/>
-                </a:lnTo>
-                <a:lnTo>
-                  <a:pt x="0" y="6858000"/>
-                </a:lnTo>
-                <a:lnTo>
-                  <a:pt x="14202" y="6848540"/>
-                </a:lnTo>
-                <a:cubicBezTo>
-                  <a:pt x="190409" y="6724020"/>
-                  <a:pt x="363976" y="6588754"/>
-                  <a:pt x="539221" y="6450578"/>
-                </a:cubicBezTo>
-                <a:cubicBezTo>
-                  <a:pt x="1501550" y="5691822"/>
-                  <a:pt x="2440792" y="5075773"/>
-                  <a:pt x="2504546" y="3677682"/>
-                </a:cubicBezTo>
-                <a:cubicBezTo>
-                  <a:pt x="2572343" y="2190921"/>
-                  <a:pt x="2138551" y="854834"/>
-                  <a:pt x="1284280" y="23504"/>
-                </a:cubicBezTo>
-                <a:close/>
-              </a:path>
-            </a:pathLst>
-          </a:custGeom>
-          <a:solidFill>
-            <a:srgbClr val="FFFFFF"/>
-          </a:solidFill>
-          <a:ln>
-            <a:noFill/>
-          </a:ln>
-        </p:spPr>
-        <p:style>
-          <a:lnRef idx="2">
-            <a:schemeClr val="accent1">
-              <a:shade val="50000"/>
-            </a:schemeClr>
-          </a:lnRef>
-          <a:fillRef idx="1">
-            <a:schemeClr val="accent1"/>
-          </a:fillRef>
-          <a:effectRef idx="0">
-            <a:schemeClr val="accent1"/>
-          </a:effectRef>
-          <a:fontRef idx="minor">
-            <a:schemeClr val="lt1"/>
-          </a:fontRef>
-        </p:style>
-        <p:txBody>
-          <a:bodyPr wrap="square" rtlCol="0" anchor="ctr">
-            <a:noAutofit/>
-          </a:bodyPr>
-          <a:lstStyle/>
-          <a:p>
-            <a:pPr marL="0" marR="0" lvl="0" indent="0" algn="ctr" defTabSz="457200" rtl="0" eaLnBrk="1" fontAlgn="auto" latinLnBrk="0" hangingPunct="1">
-              <a:lnSpc>
-                <a:spcPct val="100000"/>
-              </a:lnSpc>
-              <a:spcBef>
-                <a:spcPts val="0"/>
-              </a:spcBef>
-              <a:spcAft>
-                <a:spcPts val="0"/>
-              </a:spcAft>
-              <a:buClrTx/>
-              <a:buSzTx/>
-              <a:buFontTx/>
-              <a:buNone/>
-              <a:tabLst/>
-              <a:defRPr/>
-            </a:pPr>
-            <a:endParaRPr kumimoji="0" lang="en-US" sz="1800" b="0" i="0" u="none" strike="noStrike" kern="1200" cap="none" spc="0" normalizeH="0" baseline="0" noProof="0" dirty="0">
-              <a:ln>
-                <a:noFill/>
-              </a:ln>
-              <a:solidFill>
-                <a:prstClr val="white"/>
-              </a:solidFill>
-              <a:effectLst/>
-              <a:uLnTx/>
-              <a:uFillTx/>
-              <a:latin typeface="Meiryo"/>
-              <a:ea typeface="+mn-ea"/>
-              <a:cs typeface="+mn-cs"/>
-            </a:endParaRPr>
-          </a:p>
-        </p:txBody>
-      </p:sp>
-      <p:sp>
-        <p:nvSpPr>
-          <p:cNvPr id="46" name="Freeform: Shape 45">
-            <a:extLst>
-              <a:ext uri="{FF2B5EF4-FFF2-40B4-BE49-F238E27FC236}">
-                <a16:creationId xmlns:a16="http://schemas.microsoft.com/office/drawing/2014/main" id="{46934B3C-D73F-4CD0-95B1-0244D662D1C7}"/>
-              </a:ext>
-              <a:ext uri="{C183D7F6-B498-43B3-948B-1728B52AA6E4}">
-                <adec:decorative xmlns:adec="http://schemas.microsoft.com/office/drawing/2017/decorative" val="1"/>
-              </a:ext>
-            </a:extLst>
-          </p:cNvPr>
-          <p:cNvSpPr>
-            <a:spLocks noGrp="1" noRot="1" noChangeAspect="1" noMove="1" noResize="1" noEditPoints="1" noAdjustHandles="1" noChangeArrowheads="1" noChangeShapeType="1" noTextEdit="1"/>
-          </p:cNvSpPr>
-          <p:nvPr>
-            <p:extLst>
-              <p:ext uri="{386F3935-93C4-4BCD-93E2-E3B085C9AB24}">
-                <p16:designElem xmlns:p16="http://schemas.microsoft.com/office/powerpoint/2015/main" val="1"/>
-              </p:ext>
-            </p:extLst>
-          </p:nvPr>
-        </p:nvSpPr>
-        <p:spPr>
-          <a:xfrm>
-            <a:off x="8523292" y="0"/>
-            <a:ext cx="2486322" cy="6858000"/>
-          </a:xfrm>
-          <a:custGeom>
-            <a:avLst/>
-            <a:gdLst>
-              <a:gd name="connsiteX0" fmla="*/ 879731 w 2521425"/>
-              <a:gd name="connsiteY0" fmla="*/ 0 h 6858000"/>
-              <a:gd name="connsiteX1" fmla="*/ 898402 w 2521425"/>
-              <a:gd name="connsiteY1" fmla="*/ 0 h 6858000"/>
-              <a:gd name="connsiteX2" fmla="*/ 920526 w 2521425"/>
-              <a:gd name="connsiteY2" fmla="*/ 14997 h 6858000"/>
-              <a:gd name="connsiteX3" fmla="*/ 2521425 w 2521425"/>
-              <a:gd name="connsiteY3" fmla="*/ 3621656 h 6858000"/>
-              <a:gd name="connsiteX4" fmla="*/ 647075 w 2521425"/>
-              <a:gd name="connsiteY4" fmla="*/ 6374814 h 6858000"/>
-              <a:gd name="connsiteX5" fmla="*/ 130427 w 2521425"/>
-              <a:gd name="connsiteY5" fmla="*/ 6780599 h 6858000"/>
-              <a:gd name="connsiteX6" fmla="*/ 18671 w 2521425"/>
-              <a:gd name="connsiteY6" fmla="*/ 6858000 h 6858000"/>
-              <a:gd name="connsiteX7" fmla="*/ 0 w 2521425"/>
-              <a:gd name="connsiteY7" fmla="*/ 6858000 h 6858000"/>
-              <a:gd name="connsiteX8" fmla="*/ 111756 w 2521425"/>
-              <a:gd name="connsiteY8" fmla="*/ 6780599 h 6858000"/>
-              <a:gd name="connsiteX9" fmla="*/ 628404 w 2521425"/>
-              <a:gd name="connsiteY9" fmla="*/ 6374814 h 6858000"/>
-              <a:gd name="connsiteX10" fmla="*/ 2502754 w 2521425"/>
-              <a:gd name="connsiteY10" fmla="*/ 3621656 h 6858000"/>
-              <a:gd name="connsiteX11" fmla="*/ 901855 w 2521425"/>
-              <a:gd name="connsiteY11" fmla="*/ 14997 h 6858000"/>
-            </a:gdLst>
-            <a:ahLst/>
-            <a:cxnLst>
-              <a:cxn ang="0">
-                <a:pos x="connsiteX0" y="connsiteY0"/>
-              </a:cxn>
-              <a:cxn ang="0">
-                <a:pos x="connsiteX1" y="connsiteY1"/>
-              </a:cxn>
-              <a:cxn ang="0">
-                <a:pos x="connsiteX2" y="connsiteY2"/>
-              </a:cxn>
-              <a:cxn ang="0">
-                <a:pos x="connsiteX3" y="connsiteY3"/>
-              </a:cxn>
-              <a:cxn ang="0">
-                <a:pos x="connsiteX4" y="connsiteY4"/>
-              </a:cxn>
-              <a:cxn ang="0">
-                <a:pos x="connsiteX5" y="connsiteY5"/>
-              </a:cxn>
-              <a:cxn ang="0">
-                <a:pos x="connsiteX6" y="connsiteY6"/>
-              </a:cxn>
-              <a:cxn ang="0">
-                <a:pos x="connsiteX7" y="connsiteY7"/>
-              </a:cxn>
-              <a:cxn ang="0">
-                <a:pos x="connsiteX8" y="connsiteY8"/>
-              </a:cxn>
-              <a:cxn ang="0">
-                <a:pos x="connsiteX9" y="connsiteY9"/>
-              </a:cxn>
-              <a:cxn ang="0">
-                <a:pos x="connsiteX10" y="connsiteY10"/>
-              </a:cxn>
-              <a:cxn ang="0">
-                <a:pos x="connsiteX11" y="connsiteY11"/>
-              </a:cxn>
-            </a:cxnLst>
-            <a:rect l="l" t="t" r="r" b="b"/>
-            <a:pathLst>
-              <a:path w="2521425" h="6858000">
-                <a:moveTo>
-                  <a:pt x="879731" y="0"/>
-                </a:moveTo>
-                <a:lnTo>
-                  <a:pt x="898402" y="0"/>
-                </a:lnTo>
-                <a:lnTo>
-                  <a:pt x="920526" y="14997"/>
-                </a:lnTo>
-                <a:cubicBezTo>
-                  <a:pt x="1947689" y="754641"/>
-                  <a:pt x="2521425" y="2093192"/>
-                  <a:pt x="2521425" y="3621656"/>
-                </a:cubicBezTo>
-                <a:cubicBezTo>
-                  <a:pt x="2521425" y="4969131"/>
-                  <a:pt x="1592700" y="5602839"/>
-                  <a:pt x="647075" y="6374814"/>
-                </a:cubicBezTo>
-                <a:cubicBezTo>
-                  <a:pt x="474872" y="6515397"/>
-                  <a:pt x="304245" y="6653108"/>
-                  <a:pt x="130427" y="6780599"/>
-                </a:cubicBezTo>
-                <a:lnTo>
-                  <a:pt x="18671" y="6858000"/>
-                </a:lnTo>
-                <a:lnTo>
-                  <a:pt x="0" y="6858000"/>
-                </a:lnTo>
-                <a:lnTo>
-                  <a:pt x="111756" y="6780599"/>
-                </a:lnTo>
-                <a:cubicBezTo>
-                  <a:pt x="285574" y="6653108"/>
-                  <a:pt x="456201" y="6515397"/>
-                  <a:pt x="628404" y="6374814"/>
-                </a:cubicBezTo>
-                <a:cubicBezTo>
-                  <a:pt x="1574029" y="5602839"/>
-                  <a:pt x="2502754" y="4969131"/>
-                  <a:pt x="2502754" y="3621656"/>
-                </a:cubicBezTo>
-                <a:cubicBezTo>
-                  <a:pt x="2502754" y="2093192"/>
-                  <a:pt x="1929018" y="754641"/>
-                  <a:pt x="901855" y="14997"/>
-                </a:cubicBezTo>
-                <a:close/>
-              </a:path>
-            </a:pathLst>
-          </a:custGeom>
-          <a:solidFill>
-            <a:srgbClr val="FFFFFF"/>
-          </a:solidFill>
-          <a:ln>
-            <a:noFill/>
-          </a:ln>
-        </p:spPr>
-        <p:style>
-          <a:lnRef idx="2">
-            <a:schemeClr val="accent1">
-              <a:shade val="50000"/>
-            </a:schemeClr>
-          </a:lnRef>
-          <a:fillRef idx="1">
-            <a:schemeClr val="accent1"/>
-          </a:fillRef>
-          <a:effectRef idx="0">
-            <a:schemeClr val="accent1"/>
-          </a:effectRef>
-          <a:fontRef idx="minor">
-            <a:schemeClr val="lt1"/>
-          </a:fontRef>
-        </p:style>
-        <p:txBody>
-          <a:bodyPr wrap="square" rtlCol="0" anchor="ctr">
-            <a:noAutofit/>
-          </a:bodyPr>
-          <a:lstStyle/>
-          <a:p>
-            <a:pPr marL="0" marR="0" lvl="0" indent="0" algn="ctr" defTabSz="914400" rtl="0" eaLnBrk="1" fontAlgn="auto" latinLnBrk="0" hangingPunct="1">
-              <a:lnSpc>
-                <a:spcPct val="100000"/>
-              </a:lnSpc>
-              <a:spcBef>
-                <a:spcPts val="0"/>
-              </a:spcBef>
-              <a:spcAft>
-                <a:spcPts val="0"/>
-              </a:spcAft>
-              <a:buClrTx/>
-              <a:buSzTx/>
-              <a:buFontTx/>
-              <a:buNone/>
-              <a:tabLst/>
-              <a:defRPr/>
-            </a:pPr>
-            <a:endParaRPr kumimoji="0" lang="en-US" sz="1800" b="0" i="0" u="none" strike="noStrike" kern="1200" cap="none" spc="0" normalizeH="0" baseline="0" noProof="0" dirty="0">
-              <a:ln>
-                <a:noFill/>
-              </a:ln>
-              <a:solidFill>
-                <a:prstClr val="white"/>
-              </a:solidFill>
-              <a:effectLst/>
-              <a:uLnTx/>
-              <a:uFillTx/>
-              <a:latin typeface="Meiryo"/>
-              <a:ea typeface="+mn-ea"/>
-              <a:cs typeface="+mn-cs"/>
-            </a:endParaRPr>
-          </a:p>
-        </p:txBody>
-      </p:sp>
-      <p:sp>
-        <p:nvSpPr>
           <p:cNvPr id="7" name="Title 6">
             <a:extLst>
               <a:ext uri="{FF2B5EF4-FFF2-40B4-BE49-F238E27FC236}">
-                <a16:creationId xmlns:a16="http://schemas.microsoft.com/office/drawing/2014/main" id="{9406DF4A-0DCB-CB32-52F6-48DBC9B94B17}"/>
+                <a16:creationId xmlns:a16="http://schemas.microsoft.com/office/drawing/2014/main" id="{F8C87047-EE30-E3F7-2753-E7378C6C7C89}"/>
               </a:ext>
             </a:extLst>
           </p:cNvPr>
@@ -23268,49 +27114,39 @@
         </p:nvSpPr>
         <p:spPr>
           <a:xfrm>
-            <a:off x="2190750" y="1346268"/>
-            <a:ext cx="7810500" cy="3125338"/>
+            <a:off x="2425976" y="1785258"/>
+            <a:ext cx="7340048" cy="685800"/>
           </a:xfrm>
         </p:spPr>
         <p:txBody>
-          <a:bodyPr vert="horz" lIns="109728" tIns="109728" rIns="109728" bIns="91440" rtlCol="0" anchor="b">
-            <a:normAutofit/>
+          <a:bodyPr anchor="b">
+            <a:normAutofit fontScale="90000"/>
           </a:bodyPr>
           <a:lstStyle/>
           <a:p>
-            <a:pPr algn="ctr">
-              <a:lnSpc>
-                <a:spcPct val="120000"/>
-              </a:lnSpc>
-            </a:pPr>
+            <a:pPr algn="ctr"/>
             <a:r>
-              <a:rPr lang="en-NG" sz="7200" dirty="0">
-                <a:solidFill>
-                  <a:schemeClr val="tx1">
-                    <a:lumMod val="85000"/>
-                    <a:lumOff val="15000"/>
-                  </a:schemeClr>
-                </a:solidFill>
+              <a:rPr lang="en-NG" dirty="0">
+                <a:latin typeface="Calibri" panose="020F0502020204030204" pitchFamily="34" charset="0"/>
+                <a:ea typeface="Calibri" panose="020F0502020204030204" pitchFamily="34" charset="0"/>
+                <a:cs typeface="Calibri" panose="020F0502020204030204" pitchFamily="34" charset="0"/>
               </a:rPr>
-              <a:t>Questions?</a:t>
+              <a:t>WHAT DID I LEARN FROM THIS RESEARCH WHICH WAS NOT TAUGHT IN THE CLASSROOM?</a:t>
             </a:r>
-            <a:endParaRPr lang="en-US" sz="7200" dirty="0">
-              <a:solidFill>
-                <a:schemeClr val="tx1">
-                  <a:lumMod val="85000"/>
-                  <a:lumOff val="15000"/>
-                </a:schemeClr>
-              </a:solidFill>
+            <a:endParaRPr lang="en-GB" dirty="0">
+              <a:latin typeface="Calibri" panose="020F0502020204030204" pitchFamily="34" charset="0"/>
+              <a:ea typeface="Calibri" panose="020F0502020204030204" pitchFamily="34" charset="0"/>
+              <a:cs typeface="Calibri" panose="020F0502020204030204" pitchFamily="34" charset="0"/>
             </a:endParaRPr>
           </a:p>
         </p:txBody>
       </p:sp>
       <p:sp>
         <p:nvSpPr>
-          <p:cNvPr id="3" name="Text Placeholder 2">
+          <p:cNvPr id="8" name="Content Placeholder 7">
             <a:extLst>
               <a:ext uri="{FF2B5EF4-FFF2-40B4-BE49-F238E27FC236}">
-                <a16:creationId xmlns:a16="http://schemas.microsoft.com/office/drawing/2014/main" id="{8A09960F-3463-FF2C-F672-46EB369C0027}"/>
+                <a16:creationId xmlns:a16="http://schemas.microsoft.com/office/drawing/2014/main" id="{EE8692E2-69A0-703C-604E-EAAC4BBAC2CC}"/>
               </a:ext>
             </a:extLst>
           </p:cNvPr>
@@ -23318,77 +27154,128 @@
             <a:spLocks noGrp="1"/>
           </p:cNvSpPr>
           <p:nvPr>
-            <p:ph type="body" idx="1"/>
+            <p:ph idx="1"/>
           </p:nvPr>
         </p:nvSpPr>
         <p:spPr>
           <a:xfrm>
-            <a:off x="2619375" y="4471607"/>
-            <a:ext cx="6953250" cy="862394"/>
+            <a:off x="1681266" y="5116286"/>
+            <a:ext cx="5742791" cy="1132113"/>
           </a:xfrm>
         </p:spPr>
         <p:txBody>
-          <a:bodyPr vert="horz" lIns="109728" tIns="109728" rIns="109728" bIns="91440" rtlCol="0" anchor="t">
+          <a:bodyPr>
             <a:normAutofit/>
           </a:bodyPr>
           <a:lstStyle/>
           <a:p>
-            <a:pPr algn="ctr">
-              <a:spcBef>
-                <a:spcPts val="930"/>
-              </a:spcBef>
+            <a:pPr>
+              <a:lnSpc>
+                <a:spcPct val="120000"/>
+              </a:lnSpc>
             </a:pPr>
-            <a:endParaRPr lang="en-US" sz="2400" dirty="0">
-              <a:solidFill>
-                <a:schemeClr val="tx1">
-                  <a:lumMod val="85000"/>
-                  <a:lumOff val="15000"/>
-                </a:schemeClr>
-              </a:solidFill>
+            <a:endParaRPr lang="en-NG" dirty="0">
+              <a:latin typeface="Calibri" panose="020F0502020204030204" pitchFamily="34" charset="0"/>
+              <a:ea typeface="Calibri" panose="020F0502020204030204" pitchFamily="34" charset="0"/>
+              <a:cs typeface="Calibri" panose="020F0502020204030204" pitchFamily="34" charset="0"/>
+            </a:endParaRPr>
+          </a:p>
+          <a:p>
+            <a:pPr>
+              <a:lnSpc>
+                <a:spcPct val="120000"/>
+              </a:lnSpc>
+            </a:pPr>
+            <a:endParaRPr lang="en-GB" dirty="0">
+              <a:latin typeface="Calibri" panose="020F0502020204030204" pitchFamily="34" charset="0"/>
+              <a:ea typeface="Calibri" panose="020F0502020204030204" pitchFamily="34" charset="0"/>
+              <a:cs typeface="Calibri" panose="020F0502020204030204" pitchFamily="34" charset="0"/>
             </a:endParaRPr>
           </a:p>
         </p:txBody>
       </p:sp>
-      <p:pic>
-        <p:nvPicPr>
-          <p:cNvPr id="5" name="Picture 4">
+      <p:sp>
+        <p:nvSpPr>
+          <p:cNvPr id="2" name="TextBox 1">
             <a:extLst>
               <a:ext uri="{FF2B5EF4-FFF2-40B4-BE49-F238E27FC236}">
-                <a16:creationId xmlns:a16="http://schemas.microsoft.com/office/drawing/2014/main" id="{3F223AFD-598D-158C-8998-C5557599B910}"/>
+                <a16:creationId xmlns:a16="http://schemas.microsoft.com/office/drawing/2014/main" id="{211E1835-4654-E0C5-1009-B344021863D0}"/>
               </a:ext>
             </a:extLst>
           </p:cNvPr>
-          <p:cNvPicPr>
-            <a:picLocks noChangeAspect="1"/>
-          </p:cNvPicPr>
+          <p:cNvSpPr txBox="1"/>
           <p:nvPr/>
-        </p:nvPicPr>
-        <p:blipFill>
-          <a:blip r:embed="rId3">
-            <a:extLst>
-              <a:ext uri="{28A0092B-C50C-407E-A947-70E740481C1C}">
-                <a14:useLocalDpi xmlns:a14="http://schemas.microsoft.com/office/drawing/2010/main" val="0"/>
-              </a:ext>
-            </a:extLst>
-          </a:blip>
-          <a:stretch>
-            <a:fillRect/>
-          </a:stretch>
-        </p:blipFill>
+        </p:nvSpPr>
         <p:spPr>
           <a:xfrm>
-            <a:off x="2326984" y="0"/>
-            <a:ext cx="3518646" cy="3201216"/>
+            <a:off x="2110638" y="3124200"/>
+            <a:ext cx="5030391" cy="1200329"/>
           </a:xfrm>
           <a:prstGeom prst="rect">
             <a:avLst/>
           </a:prstGeom>
+          <a:noFill/>
         </p:spPr>
-      </p:pic>
+        <p:txBody>
+          <a:bodyPr wrap="square" rtlCol="0">
+            <a:spAutoFit/>
+          </a:bodyPr>
+          <a:lstStyle/>
+          <a:p>
+            <a:pPr marL="285750" indent="-285750">
+              <a:buFont typeface="Arial" panose="020B0604020202020204" pitchFamily="34" charset="0"/>
+              <a:buChar char="•"/>
+            </a:pPr>
+            <a:r>
+              <a:rPr lang="en-NG" dirty="0">
+                <a:latin typeface="Calibri" panose="020F0502020204030204" pitchFamily="34" charset="0"/>
+                <a:ea typeface="Calibri" panose="020F0502020204030204" pitchFamily="34" charset="0"/>
+                <a:cs typeface="Calibri" panose="020F0502020204030204" pitchFamily="34" charset="0"/>
+              </a:rPr>
+              <a:t>Tableau</a:t>
+            </a:r>
+          </a:p>
+          <a:p>
+            <a:pPr marL="285750" indent="-285750">
+              <a:buFont typeface="Arial" panose="020B0604020202020204" pitchFamily="34" charset="0"/>
+              <a:buChar char="•"/>
+            </a:pPr>
+            <a:r>
+              <a:rPr lang="en-NG" dirty="0">
+                <a:latin typeface="Calibri" panose="020F0502020204030204" pitchFamily="34" charset="0"/>
+                <a:ea typeface="Calibri" panose="020F0502020204030204" pitchFamily="34" charset="0"/>
+                <a:cs typeface="Calibri" panose="020F0502020204030204" pitchFamily="34" charset="0"/>
+              </a:rPr>
+              <a:t>Statistical Predictive Modelling</a:t>
+            </a:r>
+          </a:p>
+          <a:p>
+            <a:pPr marL="285750" indent="-285750">
+              <a:buFont typeface="Arial" panose="020B0604020202020204" pitchFamily="34" charset="0"/>
+              <a:buChar char="•"/>
+            </a:pPr>
+            <a:r>
+              <a:rPr lang="en-NG" dirty="0">
+                <a:latin typeface="Calibri" panose="020F0502020204030204" pitchFamily="34" charset="0"/>
+                <a:ea typeface="Calibri" panose="020F0502020204030204" pitchFamily="34" charset="0"/>
+                <a:cs typeface="Calibri" panose="020F0502020204030204" pitchFamily="34" charset="0"/>
+              </a:rPr>
+              <a:t>Business Understanding Skills</a:t>
+            </a:r>
+          </a:p>
+          <a:p>
+            <a:endParaRPr lang="en-GB" dirty="0">
+              <a:latin typeface="Calibri" panose="020F0502020204030204" pitchFamily="34" charset="0"/>
+              <a:ea typeface="Calibri" panose="020F0502020204030204" pitchFamily="34" charset="0"/>
+              <a:cs typeface="Calibri" panose="020F0502020204030204" pitchFamily="34" charset="0"/>
+            </a:endParaRPr>
+          </a:p>
+        </p:txBody>
+      </p:sp>
     </p:spTree>
     <p:extLst>
       <p:ext uri="{BB962C8B-B14F-4D97-AF65-F5344CB8AC3E}">
-        <p14:creationId xmlns:p14="http://schemas.microsoft.com/office/powerpoint/2010/main" val="2202025023"/>
+        <p14:creationId xmlns:p14="http://schemas.microsoft.com/office/powerpoint/2010/main" val="3940196120"/>
       </p:ext>
     </p:extLst>
   </p:cSld>
